--- a/Document-Templates/SoftUni-AI-PowerPoint-Template-EN-Dec-2024.pptx
+++ b/Document-Templates/SoftUni-AI-PowerPoint-Template-EN-Dec-2024.pptx
@@ -5,53 +5,54 @@
     <p:sldMasterId id="2147483670" r:id="rId4"/>
   </p:sldMasterIdLst>
   <p:notesMasterIdLst>
-    <p:notesMasterId r:id="rId46"/>
+    <p:notesMasterId r:id="rId47"/>
   </p:notesMasterIdLst>
   <p:handoutMasterIdLst>
-    <p:handoutMasterId r:id="rId47"/>
+    <p:handoutMasterId r:id="rId48"/>
   </p:handoutMasterIdLst>
   <p:sldIdLst>
     <p:sldId id="667" r:id="rId5"/>
-    <p:sldId id="276" r:id="rId6"/>
-    <p:sldId id="784" r:id="rId7"/>
-    <p:sldId id="771" r:id="rId8"/>
-    <p:sldId id="743" r:id="rId9"/>
-    <p:sldId id="747" r:id="rId10"/>
-    <p:sldId id="772" r:id="rId11"/>
-    <p:sldId id="749" r:id="rId12"/>
-    <p:sldId id="770" r:id="rId13"/>
-    <p:sldId id="750" r:id="rId14"/>
-    <p:sldId id="773" r:id="rId15"/>
-    <p:sldId id="752" r:id="rId16"/>
-    <p:sldId id="753" r:id="rId17"/>
-    <p:sldId id="774" r:id="rId18"/>
-    <p:sldId id="755" r:id="rId19"/>
-    <p:sldId id="764" r:id="rId20"/>
-    <p:sldId id="765" r:id="rId21"/>
-    <p:sldId id="793" r:id="rId22"/>
-    <p:sldId id="776" r:id="rId23"/>
-    <p:sldId id="768" r:id="rId24"/>
-    <p:sldId id="756" r:id="rId25"/>
-    <p:sldId id="777" r:id="rId26"/>
-    <p:sldId id="758" r:id="rId27"/>
-    <p:sldId id="757" r:id="rId28"/>
-    <p:sldId id="759" r:id="rId29"/>
-    <p:sldId id="778" r:id="rId30"/>
-    <p:sldId id="763" r:id="rId31"/>
-    <p:sldId id="792" r:id="rId32"/>
-    <p:sldId id="790" r:id="rId33"/>
-    <p:sldId id="500" r:id="rId34"/>
-    <p:sldId id="915" r:id="rId35"/>
-    <p:sldId id="638" r:id="rId36"/>
-    <p:sldId id="785" r:id="rId37"/>
-    <p:sldId id="786" r:id="rId38"/>
-    <p:sldId id="745" r:id="rId39"/>
-    <p:sldId id="746" r:id="rId40"/>
-    <p:sldId id="783" r:id="rId41"/>
-    <p:sldId id="781" r:id="rId42"/>
-    <p:sldId id="780" r:id="rId43"/>
-    <p:sldId id="289" r:id="rId44"/>
-    <p:sldId id="399" r:id="rId45"/>
+    <p:sldId id="916" r:id="rId6"/>
+    <p:sldId id="276" r:id="rId7"/>
+    <p:sldId id="784" r:id="rId8"/>
+    <p:sldId id="771" r:id="rId9"/>
+    <p:sldId id="743" r:id="rId10"/>
+    <p:sldId id="747" r:id="rId11"/>
+    <p:sldId id="772" r:id="rId12"/>
+    <p:sldId id="749" r:id="rId13"/>
+    <p:sldId id="770" r:id="rId14"/>
+    <p:sldId id="750" r:id="rId15"/>
+    <p:sldId id="773" r:id="rId16"/>
+    <p:sldId id="752" r:id="rId17"/>
+    <p:sldId id="753" r:id="rId18"/>
+    <p:sldId id="774" r:id="rId19"/>
+    <p:sldId id="755" r:id="rId20"/>
+    <p:sldId id="764" r:id="rId21"/>
+    <p:sldId id="765" r:id="rId22"/>
+    <p:sldId id="793" r:id="rId23"/>
+    <p:sldId id="776" r:id="rId24"/>
+    <p:sldId id="768" r:id="rId25"/>
+    <p:sldId id="756" r:id="rId26"/>
+    <p:sldId id="777" r:id="rId27"/>
+    <p:sldId id="758" r:id="rId28"/>
+    <p:sldId id="757" r:id="rId29"/>
+    <p:sldId id="759" r:id="rId30"/>
+    <p:sldId id="778" r:id="rId31"/>
+    <p:sldId id="763" r:id="rId32"/>
+    <p:sldId id="792" r:id="rId33"/>
+    <p:sldId id="790" r:id="rId34"/>
+    <p:sldId id="500" r:id="rId35"/>
+    <p:sldId id="915" r:id="rId36"/>
+    <p:sldId id="638" r:id="rId37"/>
+    <p:sldId id="785" r:id="rId38"/>
+    <p:sldId id="786" r:id="rId39"/>
+    <p:sldId id="745" r:id="rId40"/>
+    <p:sldId id="746" r:id="rId41"/>
+    <p:sldId id="783" r:id="rId42"/>
+    <p:sldId id="781" r:id="rId43"/>
+    <p:sldId id="780" r:id="rId44"/>
+    <p:sldId id="289" r:id="rId45"/>
+    <p:sldId id="399" r:id="rId46"/>
   </p:sldIdLst>
   <p:sldSz cx="12188825" cy="6858000"/>
   <p:notesSz cx="6858000" cy="9144000"/>
@@ -156,6 +157,7 @@
         <p14:section name="Intro" id="{4494B064-7FFC-46AE-B405-71F3E3FE771D}">
           <p14:sldIdLst>
             <p14:sldId id="667"/>
+            <p14:sldId id="916"/>
             <p14:sldId id="276"/>
             <p14:sldId id="784"/>
           </p14:sldIdLst>
@@ -1495,7 +1497,7 @@
             <a:fld id="{3EBA5BD7-F043-4D1B-AA17-CD412FC534DE}" type="slidenum">
               <a:rPr lang="en-US" smtClean="0"/>
               <a:pPr/>
-              <a:t>2</a:t>
+              <a:t>3</a:t>
             </a:fld>
             <a:endParaRPr lang="en-US" dirty="0"/>
           </a:p>
@@ -1736,7 +1738,7 @@
             <a:fld id="{3EBA5BD7-F043-4D1B-AA17-CD412FC534DE}" type="slidenum">
               <a:rPr lang="en-US" smtClean="0"/>
               <a:pPr/>
-              <a:t>30</a:t>
+              <a:t>31</a:t>
             </a:fld>
             <a:endParaRPr lang="en-US" dirty="0"/>
           </a:p>
@@ -1832,7 +1834,7 @@
             <a:fld id="{3EBA5BD7-F043-4D1B-AA17-CD412FC534DE}" type="slidenum">
               <a:rPr lang="en-US" smtClean="0"/>
               <a:pPr/>
-              <a:t>40</a:t>
+              <a:t>41</a:t>
             </a:fld>
             <a:endParaRPr lang="en-US" dirty="0"/>
           </a:p>
@@ -1971,7 +1973,7 @@
                 </a:solidFill>
               </a:rPr>
               <a:pPr/>
-              <a:t>41</a:t>
+              <a:t>42</a:t>
             </a:fld>
             <a:endParaRPr lang="en-US" dirty="0">
               <a:solidFill>
@@ -2171,7 +2173,7 @@
         </p:nvSpPr>
         <p:spPr bwMode="auto">
           <a:xfrm>
-            <a:off x="8337136" y="5633643"/>
+            <a:off x="8337136" y="5614593"/>
             <a:ext cx="2268231" cy="351497"/>
           </a:xfrm>
           <a:prstGeom prst="rect">
@@ -2390,7 +2392,7 @@
         </p:blipFill>
         <p:spPr>
           <a:xfrm>
-            <a:off x="6428903" y="5536282"/>
+            <a:off x="6428903" y="5517232"/>
             <a:ext cx="1692383" cy="546219"/>
           </a:xfrm>
           <a:prstGeom prst="roundRect">
@@ -2603,16 +2605,19 @@
         </p:nvSpPr>
         <p:spPr>
           <a:xfrm>
-            <a:off x="606795" y="1787373"/>
-            <a:ext cx="10960226" cy="777531"/>
+            <a:off x="606795" y="1921082"/>
+            <a:ext cx="10960226" cy="643822"/>
           </a:xfrm>
         </p:spPr>
         <p:txBody>
-          <a:bodyPr anchor="ctr" anchorCtr="0">
-            <a:noAutofit/>
+          <a:bodyPr anchor="t" anchorCtr="0">
+            <a:spAutoFit/>
           </a:bodyPr>
           <a:lstStyle>
             <a:lvl1pPr marL="0" indent="0" algn="ctr">
+              <a:lnSpc>
+                <a:spcPct val="110000"/>
+              </a:lnSpc>
               <a:buNone/>
               <a:defRPr sz="3600" b="0" i="0">
                 <a:solidFill>
@@ -2651,7 +2656,7 @@
         </p:nvSpPr>
         <p:spPr>
           <a:xfrm>
-            <a:off x="606795" y="707253"/>
+            <a:off x="606795" y="804875"/>
             <a:ext cx="10960226" cy="957038"/>
           </a:xfrm>
           <a:prstGeom prst="rect">
@@ -11040,40 +11045,6 @@
           <a:chExt cx="0" cy="0"/>
         </a:xfrm>
       </p:grpSpPr>
-      <p:pic>
-        <p:nvPicPr>
-          <p:cNvPr id="89" name="Picture Placeholder 88" descr="People in a room with computers and robots&#10;&#10;Description automatically generated">
-            <a:extLst>
-              <a:ext uri="{FF2B5EF4-FFF2-40B4-BE49-F238E27FC236}">
-                <a16:creationId xmlns:a16="http://schemas.microsoft.com/office/drawing/2014/main" id="{E424106B-1F4F-2DE5-0433-3EA74818E682}"/>
-              </a:ext>
-            </a:extLst>
-          </p:cNvPr>
-          <p:cNvPicPr>
-            <a:picLocks noGrp="1" noChangeAspect="1"/>
-          </p:cNvPicPr>
-          <p:nvPr>
-            <p:ph type="pic" sz="quarter" idx="10"/>
-          </p:nvPr>
-        </p:nvPicPr>
-        <p:blipFill>
-          <a:blip r:embed="rId3" cstate="screen">
-            <a:extLst>
-              <a:ext uri="{28A0092B-C50C-407E-A947-70E740481C1C}">
-                <a14:useLocalDpi xmlns:a14="http://schemas.microsoft.com/office/drawing/2010/main" val="0"/>
-              </a:ext>
-            </a:extLst>
-          </a:blip>
-          <a:srcRect/>
-          <a:stretch/>
-        </p:blipFill>
-        <p:spPr>
-          <a:xfrm>
-            <a:off x="606795" y="3429000"/>
-            <a:ext cx="4885516" cy="2753631"/>
-          </a:xfrm>
-        </p:spPr>
-      </p:pic>
       <p:sp>
         <p:nvSpPr>
           <p:cNvPr id="47" name="Text Placeholder 46">
@@ -11100,22 +11071,7 @@
           <a:bodyPr/>
           <a:lstStyle/>
           <a:p>
-            <a:r>
-              <a:rPr lang="en-US" dirty="0"/>
-              <a:t>Co-Founder</a:t>
-            </a:r>
-            <a:r>
-              <a:rPr lang="bg-BG" dirty="0"/>
-              <a:t>, </a:t>
-            </a:r>
-            <a:r>
-              <a:rPr lang="en-US" dirty="0"/>
-              <a:t>Innovation and Inspiration Manager @ </a:t>
-            </a:r>
-            <a:r>
-              <a:rPr lang="en-US" noProof="1"/>
-              <a:t>SoftUni</a:t>
-            </a:r>
+            <a:endParaRPr lang="en-US" noProof="1"/>
           </a:p>
         </p:txBody>
       </p:sp>
@@ -11147,10 +11103,7 @@
           </a:bodyPr>
           <a:lstStyle/>
           <a:p>
-            <a:r>
-              <a:rPr lang="en-US" dirty="0"/>
-              <a:t>Svetlin Nakov, PhD</a:t>
-            </a:r>
+            <a:endParaRPr lang="en-US" dirty="0"/>
           </a:p>
         </p:txBody>
       </p:sp>
@@ -11172,20 +11125,17 @@
         </p:nvSpPr>
         <p:spPr>
           <a:xfrm>
-            <a:off x="606795" y="1787373"/>
-            <a:ext cx="10960226" cy="777531"/>
+            <a:off x="606795" y="1823460"/>
+            <a:ext cx="10960226" cy="626701"/>
           </a:xfrm>
         </p:spPr>
         <p:txBody>
           <a:bodyPr>
-            <a:normAutofit/>
+            <a:normAutofit lnSpcReduction="10000"/>
           </a:bodyPr>
           <a:lstStyle/>
           <a:p>
-            <a:r>
-              <a:rPr lang="en-GB" dirty="0"/>
-              <a:t>The Future of Software Development</a:t>
-            </a:r>
+            <a:endParaRPr lang="en-GB" dirty="0"/>
           </a:p>
         </p:txBody>
       </p:sp>
@@ -11217,10 +11167,32 @@
           </a:bodyPr>
           <a:lstStyle/>
           <a:p>
-            <a:r>
-              <a:rPr lang="en-US" dirty="0"/>
-              <a:t>Software Engineers in the AI Era</a:t>
-            </a:r>
+            <a:endParaRPr lang="en-US" dirty="0"/>
+          </a:p>
+        </p:txBody>
+      </p:sp>
+      <p:sp>
+        <p:nvSpPr>
+          <p:cNvPr id="21" name="Picture Placeholder 20">
+            <a:extLst>
+              <a:ext uri="{FF2B5EF4-FFF2-40B4-BE49-F238E27FC236}">
+                <a16:creationId xmlns:a16="http://schemas.microsoft.com/office/drawing/2014/main" id="{6A71818F-B698-46BC-0185-74BC2250392D}"/>
+              </a:ext>
+            </a:extLst>
+          </p:cNvPr>
+          <p:cNvSpPr>
+            <a:spLocks noGrp="1"/>
+          </p:cNvSpPr>
+          <p:nvPr>
+            <p:ph type="pic" sz="quarter" idx="10"/>
+          </p:nvPr>
+        </p:nvSpPr>
+        <p:spPr/>
+        <p:txBody>
+          <a:bodyPr/>
+          <a:lstStyle/>
+          <a:p>
+            <a:endParaRPr lang="en-US"/>
           </a:p>
         </p:txBody>
       </p:sp>
@@ -11264,6 +11236,760 @@
       </p:grpSpPr>
       <p:sp>
         <p:nvSpPr>
+          <p:cNvPr id="2" name="Slide Number Placeholder 1">
+            <a:extLst>
+              <a:ext uri="{FF2B5EF4-FFF2-40B4-BE49-F238E27FC236}">
+                <a16:creationId xmlns:a16="http://schemas.microsoft.com/office/drawing/2014/main" id="{2DEA03D9-174E-FCC3-5213-685F714D9BCD}"/>
+              </a:ext>
+            </a:extLst>
+          </p:cNvPr>
+          <p:cNvSpPr>
+            <a:spLocks noGrp="1"/>
+          </p:cNvSpPr>
+          <p:nvPr>
+            <p:ph type="sldNum" sz="quarter" idx="5"/>
+          </p:nvPr>
+        </p:nvSpPr>
+        <p:spPr/>
+        <p:txBody>
+          <a:bodyPr/>
+          <a:lstStyle/>
+          <a:p>
+            <a:fld id="{2BF067CD-8E6B-4360-9AA8-C5DF2A48A6D1}" type="slidenum">
+              <a:rPr lang="en-US" smtClean="0"/>
+              <a:pPr/>
+              <a:t>10</a:t>
+            </a:fld>
+            <a:endParaRPr lang="en-US" dirty="0"/>
+          </a:p>
+        </p:txBody>
+      </p:sp>
+      <p:sp>
+        <p:nvSpPr>
+          <p:cNvPr id="3" name="Text Placeholder 2">
+            <a:extLst>
+              <a:ext uri="{FF2B5EF4-FFF2-40B4-BE49-F238E27FC236}">
+                <a16:creationId xmlns:a16="http://schemas.microsoft.com/office/drawing/2014/main" id="{025312EF-6B84-44DD-0942-8106E4326288}"/>
+              </a:ext>
+            </a:extLst>
+          </p:cNvPr>
+          <p:cNvSpPr>
+            <a:spLocks noGrp="1"/>
+          </p:cNvSpPr>
+          <p:nvPr>
+            <p:ph type="body" sz="quarter" idx="10"/>
+          </p:nvPr>
+        </p:nvSpPr>
+        <p:spPr/>
+        <p:txBody>
+          <a:bodyPr/>
+          <a:lstStyle/>
+          <a:p>
+            <a:r>
+              <a:rPr lang="en-US" dirty="0"/>
+              <a:t>AI prompt for simple coding assistance:</a:t>
+            </a:r>
+          </a:p>
+        </p:txBody>
+      </p:sp>
+      <p:sp>
+        <p:nvSpPr>
+          <p:cNvPr id="4" name="Title 3">
+            <a:extLst>
+              <a:ext uri="{FF2B5EF4-FFF2-40B4-BE49-F238E27FC236}">
+                <a16:creationId xmlns:a16="http://schemas.microsoft.com/office/drawing/2014/main" id="{80F5D1F3-E168-BE75-6C45-7243E9114290}"/>
+              </a:ext>
+            </a:extLst>
+          </p:cNvPr>
+          <p:cNvSpPr>
+            <a:spLocks noGrp="1"/>
+          </p:cNvSpPr>
+          <p:nvPr>
+            <p:ph type="title"/>
+          </p:nvPr>
+        </p:nvSpPr>
+        <p:spPr/>
+        <p:txBody>
+          <a:bodyPr/>
+          <a:lstStyle/>
+          <a:p>
+            <a:r>
+              <a:rPr lang="en-US" dirty="0"/>
+              <a:t>Sample AI Prompt for Coding</a:t>
+            </a:r>
+          </a:p>
+        </p:txBody>
+      </p:sp>
+      <p:sp>
+        <p:nvSpPr>
+          <p:cNvPr id="8" name="Code Box 1">
+            <a:extLst>
+              <a:ext uri="{FF2B5EF4-FFF2-40B4-BE49-F238E27FC236}">
+                <a16:creationId xmlns:a16="http://schemas.microsoft.com/office/drawing/2014/main" id="{6B2DBCED-2F5C-F6A9-48AD-3E3E1E24E445}"/>
+              </a:ext>
+            </a:extLst>
+          </p:cNvPr>
+          <p:cNvSpPr txBox="1">
+            <a:spLocks/>
+          </p:cNvSpPr>
+          <p:nvPr/>
+        </p:nvSpPr>
+        <p:spPr>
+          <a:xfrm>
+            <a:off x="621803" y="1957472"/>
+            <a:ext cx="10945218" cy="1079884"/>
+          </a:xfrm>
+          <a:prstGeom prst="rect">
+            <a:avLst/>
+          </a:prstGeom>
+          <a:solidFill>
+            <a:schemeClr val="accent6">
+              <a:lumMod val="75000"/>
+              <a:alpha val="15000"/>
+            </a:schemeClr>
+          </a:solidFill>
+          <a:ln w="12700">
+            <a:solidFill>
+              <a:schemeClr val="bg1">
+                <a:lumMod val="50000"/>
+              </a:schemeClr>
+            </a:solidFill>
+          </a:ln>
+        </p:spPr>
+        <p:txBody>
+          <a:bodyPr vert="horz" wrap="square" lIns="144000" tIns="108000" rIns="144000" bIns="108000" rtlCol="0">
+            <a:spAutoFit/>
+          </a:bodyPr>
+          <a:lstStyle>
+            <a:lvl1pPr marL="361950" indent="-361950" algn="l" defTabSz="1218438" rtl="0" eaLnBrk="1" hangingPunct="1">
+              <a:lnSpc>
+                <a:spcPct val="100000"/>
+              </a:lnSpc>
+              <a:spcBef>
+                <a:spcPts val="600"/>
+              </a:spcBef>
+              <a:spcAft>
+                <a:spcPts val="600"/>
+              </a:spcAft>
+              <a:buClr>
+                <a:schemeClr val="bg1"/>
+              </a:buClr>
+              <a:buFont typeface="Arial" panose="020B0604020202020204" pitchFamily="34" charset="0"/>
+              <a:buChar char="•"/>
+              <a:defRPr sz="3400" b="0" i="0" kern="1200">
+                <a:solidFill>
+                  <a:schemeClr val="bg2"/>
+                </a:solidFill>
+                <a:latin typeface="+mn-lt"/>
+                <a:ea typeface="Roboto" panose="02000000000000000000" pitchFamily="2" charset="0"/>
+                <a:cs typeface="Roboto" panose="02000000000000000000" pitchFamily="2" charset="0"/>
+              </a:defRPr>
+            </a:lvl1pPr>
+            <a:lvl2pPr marL="809625" indent="-361950" algn="l" defTabSz="1218438" rtl="0" eaLnBrk="1" hangingPunct="1">
+              <a:lnSpc>
+                <a:spcPct val="105000"/>
+              </a:lnSpc>
+              <a:spcBef>
+                <a:spcPts val="600"/>
+              </a:spcBef>
+              <a:spcAft>
+                <a:spcPts val="600"/>
+              </a:spcAft>
+              <a:buClr>
+                <a:schemeClr val="bg1"/>
+              </a:buClr>
+              <a:buFont typeface="Arial" panose="020B0604020202020204" pitchFamily="34" charset="0"/>
+              <a:buChar char="•"/>
+              <a:defRPr sz="3200" b="0" i="0" kern="1200">
+                <a:solidFill>
+                  <a:schemeClr val="bg2"/>
+                </a:solidFill>
+                <a:latin typeface="+mn-lt"/>
+                <a:ea typeface="Roboto" panose="02000000000000000000" pitchFamily="2" charset="0"/>
+                <a:cs typeface="Roboto" panose="02000000000000000000" pitchFamily="2" charset="0"/>
+              </a:defRPr>
+            </a:lvl2pPr>
+            <a:lvl3pPr marL="1257300" indent="-361950" algn="l" defTabSz="1218438" rtl="0" eaLnBrk="1" hangingPunct="1">
+              <a:lnSpc>
+                <a:spcPct val="105000"/>
+              </a:lnSpc>
+              <a:spcBef>
+                <a:spcPts val="600"/>
+              </a:spcBef>
+              <a:spcAft>
+                <a:spcPts val="600"/>
+              </a:spcAft>
+              <a:buClr>
+                <a:schemeClr val="bg1"/>
+              </a:buClr>
+              <a:buFont typeface="Arial" panose="020B0604020202020204" pitchFamily="34" charset="0"/>
+              <a:buChar char="•"/>
+              <a:defRPr sz="3000" b="0" i="0" kern="1200">
+                <a:solidFill>
+                  <a:schemeClr val="bg2"/>
+                </a:solidFill>
+                <a:latin typeface="+mn-lt"/>
+                <a:ea typeface="Roboto" panose="02000000000000000000" pitchFamily="2" charset="0"/>
+                <a:cs typeface="Roboto" panose="02000000000000000000" pitchFamily="2" charset="0"/>
+              </a:defRPr>
+            </a:lvl3pPr>
+            <a:lvl4pPr marL="1704975" indent="-361950" algn="l" defTabSz="1218438" rtl="0" eaLnBrk="1" hangingPunct="1">
+              <a:lnSpc>
+                <a:spcPct val="105000"/>
+              </a:lnSpc>
+              <a:spcBef>
+                <a:spcPts val="600"/>
+              </a:spcBef>
+              <a:spcAft>
+                <a:spcPts val="600"/>
+              </a:spcAft>
+              <a:buClr>
+                <a:schemeClr val="bg1"/>
+              </a:buClr>
+              <a:buFont typeface="Arial" panose="020B0604020202020204" pitchFamily="34" charset="0"/>
+              <a:buChar char="•"/>
+              <a:defRPr sz="2800" b="0" i="0" kern="1200">
+                <a:solidFill>
+                  <a:schemeClr val="bg2"/>
+                </a:solidFill>
+                <a:latin typeface="+mn-lt"/>
+                <a:ea typeface="+mn-ea"/>
+                <a:cs typeface="+mn-cs"/>
+              </a:defRPr>
+            </a:lvl4pPr>
+            <a:lvl5pPr marL="2152650" indent="-361950" algn="l" defTabSz="1218438" rtl="0" eaLnBrk="1" hangingPunct="1">
+              <a:lnSpc>
+                <a:spcPct val="105000"/>
+              </a:lnSpc>
+              <a:spcBef>
+                <a:spcPts val="600"/>
+              </a:spcBef>
+              <a:spcAft>
+                <a:spcPts val="600"/>
+              </a:spcAft>
+              <a:buClr>
+                <a:schemeClr val="bg1"/>
+              </a:buClr>
+              <a:buFont typeface="Arial" panose="020B0604020202020204" pitchFamily="34" charset="0"/>
+              <a:buChar char="•"/>
+              <a:defRPr sz="2600" b="0" i="0" kern="1200">
+                <a:solidFill>
+                  <a:schemeClr val="bg2"/>
+                </a:solidFill>
+                <a:latin typeface="+mn-lt"/>
+                <a:ea typeface="+mn-ea"/>
+                <a:cs typeface="+mn-cs"/>
+              </a:defRPr>
+            </a:lvl5pPr>
+            <a:lvl6pPr marL="3350704" indent="-304610" algn="l" defTabSz="1218438" rtl="0" eaLnBrk="1" hangingPunct="1">
+              <a:spcBef>
+                <a:spcPct val="20000"/>
+              </a:spcBef>
+              <a:buFont typeface="Arial" pitchFamily="34" charset="0"/>
+              <a:buChar char="•"/>
+              <a:defRPr sz="2665" kern="1200">
+                <a:solidFill>
+                  <a:schemeClr val="tx1"/>
+                </a:solidFill>
+                <a:latin typeface="+mn-lt"/>
+                <a:ea typeface="+mn-ea"/>
+                <a:cs typeface="+mn-cs"/>
+              </a:defRPr>
+            </a:lvl6pPr>
+            <a:lvl7pPr marL="3959924" indent="-304610" algn="l" defTabSz="1218438" rtl="0" eaLnBrk="1" hangingPunct="1">
+              <a:spcBef>
+                <a:spcPct val="20000"/>
+              </a:spcBef>
+              <a:buFont typeface="Arial" pitchFamily="34" charset="0"/>
+              <a:buChar char="•"/>
+              <a:defRPr sz="2665" kern="1200">
+                <a:solidFill>
+                  <a:schemeClr val="tx1"/>
+                </a:solidFill>
+                <a:latin typeface="+mn-lt"/>
+                <a:ea typeface="+mn-ea"/>
+                <a:cs typeface="+mn-cs"/>
+              </a:defRPr>
+            </a:lvl7pPr>
+            <a:lvl8pPr marL="4569143" indent="-304610" algn="l" defTabSz="1218438" rtl="0" eaLnBrk="1" hangingPunct="1">
+              <a:spcBef>
+                <a:spcPct val="20000"/>
+              </a:spcBef>
+              <a:buFont typeface="Arial" pitchFamily="34" charset="0"/>
+              <a:buChar char="•"/>
+              <a:defRPr sz="2665" kern="1200">
+                <a:solidFill>
+                  <a:schemeClr val="tx1"/>
+                </a:solidFill>
+                <a:latin typeface="+mn-lt"/>
+                <a:ea typeface="+mn-ea"/>
+                <a:cs typeface="+mn-cs"/>
+              </a:defRPr>
+            </a:lvl8pPr>
+            <a:lvl9pPr marL="5178362" indent="-304610" algn="l" defTabSz="1218438" rtl="0" eaLnBrk="1" hangingPunct="1">
+              <a:spcBef>
+                <a:spcPct val="20000"/>
+              </a:spcBef>
+              <a:buFont typeface="Arial" pitchFamily="34" charset="0"/>
+              <a:buChar char="•"/>
+              <a:defRPr sz="2665" kern="1200">
+                <a:solidFill>
+                  <a:schemeClr val="tx1"/>
+                </a:solidFill>
+                <a:latin typeface="+mn-lt"/>
+                <a:ea typeface="+mn-ea"/>
+                <a:cs typeface="+mn-cs"/>
+              </a:defRPr>
+            </a:lvl9pPr>
+          </a:lstStyle>
+          <a:p>
+            <a:pPr marL="0" indent="0">
+              <a:spcBef>
+                <a:spcPts val="0"/>
+              </a:spcBef>
+              <a:spcAft>
+                <a:spcPts val="0"/>
+              </a:spcAft>
+              <a:buFont typeface="Arial" panose="020B0604020202020204" pitchFamily="34" charset="0"/>
+              <a:buNone/>
+            </a:pPr>
+            <a:r>
+              <a:rPr lang="en-US" sz="2800" b="1" dirty="0">
+                <a:latin typeface="Consolas" pitchFamily="49" charset="0"/>
+              </a:rPr>
+              <a:t>Write a JavaScript function Fib(n) to return the n-</a:t>
+            </a:r>
+            <a:r>
+              <a:rPr lang="en-US" sz="2800" b="1" dirty="0" err="1">
+                <a:latin typeface="Consolas" pitchFamily="49" charset="0"/>
+              </a:rPr>
+              <a:t>th</a:t>
+            </a:r>
+            <a:r>
+              <a:rPr lang="en-US" sz="2800" b="1" dirty="0">
+                <a:latin typeface="Consolas" pitchFamily="49" charset="0"/>
+              </a:rPr>
+              <a:t> Fibonacci number. </a:t>
+            </a:r>
+          </a:p>
+        </p:txBody>
+      </p:sp>
+      <p:pic>
+        <p:nvPicPr>
+          <p:cNvPr id="11" name="Picture 10">
+            <a:extLst>
+              <a:ext uri="{FF2B5EF4-FFF2-40B4-BE49-F238E27FC236}">
+                <a16:creationId xmlns:a16="http://schemas.microsoft.com/office/drawing/2014/main" id="{14E9742A-ABE7-DF85-99CA-F34F2C563C97}"/>
+              </a:ext>
+            </a:extLst>
+          </p:cNvPr>
+          <p:cNvPicPr>
+            <a:picLocks noChangeAspect="1"/>
+          </p:cNvPicPr>
+          <p:nvPr/>
+        </p:nvPicPr>
+        <p:blipFill>
+          <a:blip r:embed="rId2"/>
+          <a:stretch>
+            <a:fillRect/>
+          </a:stretch>
+        </p:blipFill>
+        <p:spPr>
+          <a:xfrm>
+            <a:off x="1309166" y="3717424"/>
+            <a:ext cx="8562975" cy="2686050"/>
+          </a:xfrm>
+          <a:prstGeom prst="rect">
+            <a:avLst/>
+          </a:prstGeom>
+          <a:ln>
+            <a:solidFill>
+              <a:schemeClr val="bg1">
+                <a:lumMod val="75000"/>
+              </a:schemeClr>
+            </a:solidFill>
+          </a:ln>
+        </p:spPr>
+      </p:pic>
+      <p:sp>
+        <p:nvSpPr>
+          <p:cNvPr id="12" name="Arrow: Down 11">
+            <a:extLst>
+              <a:ext uri="{FF2B5EF4-FFF2-40B4-BE49-F238E27FC236}">
+                <a16:creationId xmlns:a16="http://schemas.microsoft.com/office/drawing/2014/main" id="{D47A7F10-78C7-4457-3E18-125377A1997D}"/>
+              </a:ext>
+            </a:extLst>
+          </p:cNvPr>
+          <p:cNvSpPr/>
+          <p:nvPr/>
+        </p:nvSpPr>
+        <p:spPr bwMode="auto">
+          <a:xfrm>
+            <a:off x="5590653" y="3211444"/>
+            <a:ext cx="287735" cy="385689"/>
+          </a:xfrm>
+          <a:prstGeom prst="downArrow">
+            <a:avLst/>
+          </a:prstGeom>
+          <a:solidFill>
+            <a:schemeClr val="accent6">
+              <a:lumMod val="50000"/>
+              <a:alpha val="89804"/>
+            </a:schemeClr>
+          </a:solidFill>
+          <a:ln w="19050">
+            <a:solidFill>
+              <a:schemeClr val="bg1">
+                <a:lumMod val="75000"/>
+                <a:alpha val="80000"/>
+              </a:schemeClr>
+            </a:solidFill>
+          </a:ln>
+        </p:spPr>
+        <p:style>
+          <a:lnRef idx="2">
+            <a:schemeClr val="accent1">
+              <a:shade val="50000"/>
+            </a:schemeClr>
+          </a:lnRef>
+          <a:fillRef idx="1">
+            <a:schemeClr val="accent1"/>
+          </a:fillRef>
+          <a:effectRef idx="0">
+            <a:schemeClr val="accent1"/>
+          </a:effectRef>
+          <a:fontRef idx="minor">
+            <a:schemeClr val="lt1"/>
+          </a:fontRef>
+        </p:style>
+        <p:txBody>
+          <a:bodyPr rot="0" spcFirstLastPara="0" vertOverflow="overflow" horzOverflow="overflow" vert="horz" wrap="square" lIns="91440" tIns="45720" rIns="91440" bIns="45720" numCol="1" spcCol="0" rtlCol="0" fromWordArt="0" anchor="ctr" anchorCtr="0" forceAA="0" compatLnSpc="1">
+            <a:prstTxWarp prst="textNoShape">
+              <a:avLst/>
+            </a:prstTxWarp>
+            <a:noAutofit/>
+          </a:bodyPr>
+          <a:lstStyle/>
+          <a:p>
+            <a:pPr algn="ctr"/>
+            <a:endParaRPr lang="en-US" sz="2800" b="1" dirty="0">
+              <a:solidFill>
+                <a:srgbClr val="FFFFFF"/>
+              </a:solidFill>
+              <a:effectLst>
+                <a:outerShdw blurRad="38100" dist="38100" dir="2700000" algn="tl">
+                  <a:srgbClr val="000000">
+                    <a:alpha val="43137"/>
+                  </a:srgbClr>
+                </a:outerShdw>
+              </a:effectLst>
+            </a:endParaRPr>
+          </a:p>
+        </p:txBody>
+      </p:sp>
+      <p:sp>
+        <p:nvSpPr>
+          <p:cNvPr id="13" name="AutoShape 7">
+            <a:extLst>
+              <a:ext uri="{FF2B5EF4-FFF2-40B4-BE49-F238E27FC236}">
+                <a16:creationId xmlns:a16="http://schemas.microsoft.com/office/drawing/2014/main" id="{DEDE90C4-3EF2-064E-3A75-272EE5890550}"/>
+              </a:ext>
+            </a:extLst>
+          </p:cNvPr>
+          <p:cNvSpPr>
+            <a:spLocks noChangeArrowheads="1"/>
+          </p:cNvSpPr>
+          <p:nvPr/>
+        </p:nvSpPr>
+        <p:spPr bwMode="auto">
+          <a:xfrm>
+            <a:off x="6382444" y="4272273"/>
+            <a:ext cx="4015792" cy="1227675"/>
+          </a:xfrm>
+          <a:prstGeom prst="wedgeRoundRectCallout">
+            <a:avLst>
+              <a:gd name="adj1" fmla="val -69744"/>
+              <a:gd name="adj2" fmla="val 44875"/>
+              <a:gd name="adj3" fmla="val 16667"/>
+            </a:avLst>
+          </a:prstGeom>
+          <a:solidFill>
+            <a:schemeClr val="accent6">
+              <a:lumMod val="50000"/>
+              <a:alpha val="89804"/>
+            </a:schemeClr>
+          </a:solidFill>
+          <a:ln w="19050">
+            <a:solidFill>
+              <a:schemeClr val="bg1">
+                <a:lumMod val="75000"/>
+                <a:alpha val="80000"/>
+              </a:schemeClr>
+            </a:solidFill>
+          </a:ln>
+        </p:spPr>
+        <p:style>
+          <a:lnRef idx="2">
+            <a:schemeClr val="accent1">
+              <a:shade val="50000"/>
+            </a:schemeClr>
+          </a:lnRef>
+          <a:fillRef idx="1">
+            <a:schemeClr val="accent1"/>
+          </a:fillRef>
+          <a:effectRef idx="0">
+            <a:schemeClr val="accent1"/>
+          </a:effectRef>
+          <a:fontRef idx="minor">
+            <a:schemeClr val="lt1"/>
+          </a:fontRef>
+        </p:style>
+        <p:txBody>
+          <a:bodyPr rot="0" spcFirstLastPara="0" vertOverflow="overflow" horzOverflow="overflow" vert="horz" wrap="square" lIns="91440" tIns="45720" rIns="91440" bIns="45720" numCol="1" spcCol="0" rtlCol="0" fromWordArt="0" anchor="ctr" anchorCtr="0" forceAA="0" compatLnSpc="1">
+            <a:prstTxWarp prst="textNoShape">
+              <a:avLst/>
+            </a:prstTxWarp>
+            <a:noAutofit/>
+          </a:bodyPr>
+          <a:lstStyle/>
+          <a:p>
+            <a:pPr algn="ctr"/>
+            <a:r>
+              <a:rPr lang="en-US" sz="2800" b="1" dirty="0">
+                <a:solidFill>
+                  <a:srgbClr val="FFFFFF"/>
+                </a:solidFill>
+                <a:effectLst>
+                  <a:outerShdw blurRad="38100" dist="38100" dir="2700000" algn="tl">
+                    <a:srgbClr val="000000">
+                      <a:alpha val="43137"/>
+                    </a:srgbClr>
+                  </a:outerShdw>
+                </a:effectLst>
+              </a:rPr>
+              <a:t>Typically, ChatGPT generates a </a:t>
+            </a:r>
+            <a:r>
+              <a:rPr lang="en-US" sz="2800" b="1" dirty="0">
+                <a:solidFill>
+                  <a:schemeClr val="accent4"/>
+                </a:solidFill>
+                <a:effectLst>
+                  <a:outerShdw blurRad="38100" dist="38100" dir="2700000" algn="tl">
+                    <a:srgbClr val="000000">
+                      <a:alpha val="43137"/>
+                    </a:srgbClr>
+                  </a:outerShdw>
+                </a:effectLst>
+              </a:rPr>
+              <a:t>single file</a:t>
+            </a:r>
+            <a:endParaRPr lang="bg-BG" sz="2800" b="1" dirty="0">
+              <a:solidFill>
+                <a:schemeClr val="accent4"/>
+              </a:solidFill>
+              <a:effectLst>
+                <a:outerShdw blurRad="38100" dist="38100" dir="2700000" algn="tl">
+                  <a:srgbClr val="000000">
+                    <a:alpha val="43137"/>
+                  </a:srgbClr>
+                </a:outerShdw>
+              </a:effectLst>
+            </a:endParaRPr>
+          </a:p>
+        </p:txBody>
+      </p:sp>
+    </p:spTree>
+    <p:extLst>
+      <p:ext uri="{BB962C8B-B14F-4D97-AF65-F5344CB8AC3E}">
+        <p14:creationId xmlns:p14="http://schemas.microsoft.com/office/powerpoint/2010/main" val="1490242707"/>
+      </p:ext>
+    </p:extLst>
+  </p:cSld>
+  <p:clrMapOvr>
+    <a:masterClrMapping/>
+  </p:clrMapOvr>
+  <mc:AlternateContent xmlns:mc="http://schemas.openxmlformats.org/markup-compatibility/2006" xmlns:p14="http://schemas.microsoft.com/office/powerpoint/2010/main">
+    <mc:Choice Requires="p14">
+      <p:transition spd="slow" p14:dur="2000" advClick="0" advTm="5000"/>
+    </mc:Choice>
+    <mc:Fallback xmlns="">
+      <p:transition spd="slow" advClick="0" advTm="5000"/>
+    </mc:Fallback>
+  </mc:AlternateContent>
+  <p:timing>
+    <p:tnLst>
+      <p:par>
+        <p:cTn id="1" dur="indefinite" restart="never" nodeType="tmRoot">
+          <p:childTnLst>
+            <p:seq concurrent="1" nextAc="seek">
+              <p:cTn id="2" dur="indefinite" nodeType="mainSeq">
+                <p:childTnLst>
+                  <p:par>
+                    <p:cTn id="3" fill="hold">
+                      <p:stCondLst>
+                        <p:cond delay="indefinite"/>
+                      </p:stCondLst>
+                      <p:childTnLst>
+                        <p:par>
+                          <p:cTn id="4" fill="hold">
+                            <p:stCondLst>
+                              <p:cond delay="0"/>
+                            </p:stCondLst>
+                            <p:childTnLst>
+                              <p:par>
+                                <p:cTn id="5" presetID="1" presetClass="entr" presetSubtype="0" fill="hold" grpId="0" nodeType="clickEffect">
+                                  <p:stCondLst>
+                                    <p:cond delay="0"/>
+                                  </p:stCondLst>
+                                  <p:childTnLst>
+                                    <p:set>
+                                      <p:cBhvr>
+                                        <p:cTn id="6" dur="1" fill="hold">
+                                          <p:stCondLst>
+                                            <p:cond delay="0"/>
+                                          </p:stCondLst>
+                                        </p:cTn>
+                                        <p:tgtEl>
+                                          <p:spTgt spid="12"/>
+                                        </p:tgtEl>
+                                        <p:attrNameLst>
+                                          <p:attrName>style.visibility</p:attrName>
+                                        </p:attrNameLst>
+                                      </p:cBhvr>
+                                      <p:to>
+                                        <p:strVal val="visible"/>
+                                      </p:to>
+                                    </p:set>
+                                  </p:childTnLst>
+                                </p:cTn>
+                              </p:par>
+                              <p:par>
+                                <p:cTn id="7" presetID="1" presetClass="entr" presetSubtype="0" fill="hold" nodeType="withEffect">
+                                  <p:stCondLst>
+                                    <p:cond delay="0"/>
+                                  </p:stCondLst>
+                                  <p:childTnLst>
+                                    <p:set>
+                                      <p:cBhvr>
+                                        <p:cTn id="8" dur="1" fill="hold">
+                                          <p:stCondLst>
+                                            <p:cond delay="0"/>
+                                          </p:stCondLst>
+                                        </p:cTn>
+                                        <p:tgtEl>
+                                          <p:spTgt spid="11"/>
+                                        </p:tgtEl>
+                                        <p:attrNameLst>
+                                          <p:attrName>style.visibility</p:attrName>
+                                        </p:attrNameLst>
+                                      </p:cBhvr>
+                                      <p:to>
+                                        <p:strVal val="visible"/>
+                                      </p:to>
+                                    </p:set>
+                                  </p:childTnLst>
+                                </p:cTn>
+                              </p:par>
+                            </p:childTnLst>
+                          </p:cTn>
+                        </p:par>
+                      </p:childTnLst>
+                    </p:cTn>
+                  </p:par>
+                  <p:par>
+                    <p:cTn id="9" fill="hold">
+                      <p:stCondLst>
+                        <p:cond delay="indefinite"/>
+                      </p:stCondLst>
+                      <p:childTnLst>
+                        <p:par>
+                          <p:cTn id="10" fill="hold">
+                            <p:stCondLst>
+                              <p:cond delay="0"/>
+                            </p:stCondLst>
+                            <p:childTnLst>
+                              <p:par>
+                                <p:cTn id="11" presetID="1" presetClass="entr" presetSubtype="0" fill="hold" grpId="0" nodeType="clickEffect">
+                                  <p:stCondLst>
+                                    <p:cond delay="0"/>
+                                  </p:stCondLst>
+                                  <p:childTnLst>
+                                    <p:set>
+                                      <p:cBhvr>
+                                        <p:cTn id="12" dur="1" fill="hold">
+                                          <p:stCondLst>
+                                            <p:cond delay="0"/>
+                                          </p:stCondLst>
+                                        </p:cTn>
+                                        <p:tgtEl>
+                                          <p:spTgt spid="13"/>
+                                        </p:tgtEl>
+                                        <p:attrNameLst>
+                                          <p:attrName>style.visibility</p:attrName>
+                                        </p:attrNameLst>
+                                      </p:cBhvr>
+                                      <p:to>
+                                        <p:strVal val="visible"/>
+                                      </p:to>
+                                    </p:set>
+                                  </p:childTnLst>
+                                </p:cTn>
+                              </p:par>
+                            </p:childTnLst>
+                          </p:cTn>
+                        </p:par>
+                      </p:childTnLst>
+                    </p:cTn>
+                  </p:par>
+                </p:childTnLst>
+              </p:cTn>
+              <p:prevCondLst>
+                <p:cond evt="onPrev" delay="0">
+                  <p:tgtEl>
+                    <p:sldTgt/>
+                  </p:tgtEl>
+                </p:cond>
+              </p:prevCondLst>
+              <p:nextCondLst>
+                <p:cond evt="onNext" delay="0">
+                  <p:tgtEl>
+                    <p:sldTgt/>
+                  </p:tgtEl>
+                </p:cond>
+              </p:nextCondLst>
+            </p:seq>
+          </p:childTnLst>
+        </p:cTn>
+      </p:par>
+    </p:tnLst>
+    <p:bldLst>
+      <p:bldP spid="12" grpId="0" animBg="1"/>
+      <p:bldP spid="13" grpId="0" animBg="1"/>
+    </p:bldLst>
+  </p:timing>
+</p:sld>
+</file>
+
+<file path=ppt/slides/slide11.xml><?xml version="1.0" encoding="utf-8"?>
+<p:sld xmlns:a="http://schemas.openxmlformats.org/drawingml/2006/main" xmlns:r="http://schemas.openxmlformats.org/officeDocument/2006/relationships" xmlns:p="http://schemas.openxmlformats.org/presentationml/2006/main">
+  <p:cSld>
+    <p:spTree>
+      <p:nvGrpSpPr>
+        <p:cNvPr id="1" name=""/>
+        <p:cNvGrpSpPr/>
+        <p:nvPr/>
+      </p:nvGrpSpPr>
+      <p:grpSpPr>
+        <a:xfrm>
+          <a:off x="0" y="0"/>
+          <a:ext cx="0" cy="0"/>
+          <a:chOff x="0" y="0"/>
+          <a:chExt cx="0" cy="0"/>
+        </a:xfrm>
+      </p:grpSpPr>
+      <p:sp>
+        <p:nvSpPr>
           <p:cNvPr id="5" name="Title 4">
             <a:extLst>
               <a:ext uri="{FF2B5EF4-FFF2-40B4-BE49-F238E27FC236}">
@@ -11354,7 +12080,7 @@
             <a:fld id="{2BF067CD-8E6B-4360-9AA8-C5DF2A48A6D1}" type="slidenum">
               <a:rPr lang="en-US" noProof="0" smtClean="0"/>
               <a:pPr/>
-              <a:t>10</a:t>
+              <a:t>11</a:t>
             </a:fld>
             <a:endParaRPr lang="en-US" noProof="0" dirty="0"/>
           </a:p>
@@ -11381,7 +12107,7 @@
 </p:sld>
 </file>
 
-<file path=ppt/slides/slide11.xml><?xml version="1.0" encoding="utf-8"?>
+<file path=ppt/slides/slide12.xml><?xml version="1.0" encoding="utf-8"?>
 <p:sld xmlns:a="http://schemas.openxmlformats.org/drawingml/2006/main" xmlns:r="http://schemas.openxmlformats.org/officeDocument/2006/relationships" xmlns:p="http://schemas.openxmlformats.org/presentationml/2006/main">
   <p:cSld>
     <p:spTree>
@@ -11483,7 +12209,7 @@
             <a:fld id="{2BF067CD-8E6B-4360-9AA8-C5DF2A48A6D1}" type="slidenum">
               <a:rPr lang="en-US" smtClean="0"/>
               <a:pPr/>
-              <a:t>11</a:t>
+              <a:t>12</a:t>
             </a:fld>
             <a:endParaRPr lang="en-US" dirty="0"/>
           </a:p>
@@ -11566,7 +12292,7 @@
 </p:sld>
 </file>
 
-<file path=ppt/slides/slide12.xml><?xml version="1.0" encoding="utf-8"?>
+<file path=ppt/slides/slide13.xml><?xml version="1.0" encoding="utf-8"?>
 <p:sld xmlns:a="http://schemas.openxmlformats.org/drawingml/2006/main" xmlns:r="http://schemas.openxmlformats.org/officeDocument/2006/relationships" xmlns:p="http://schemas.openxmlformats.org/presentationml/2006/main">
   <p:cSld>
     <p:spTree>
@@ -11612,7 +12338,7 @@
             <a:fld id="{2BF067CD-8E6B-4360-9AA8-C5DF2A48A6D1}" type="slidenum">
               <a:rPr lang="en-US" noProof="0" smtClean="0"/>
               <a:pPr/>
-              <a:t>12</a:t>
+              <a:t>13</a:t>
             </a:fld>
             <a:endParaRPr lang="en-US" noProof="0" dirty="0"/>
           </a:p>
@@ -11748,7 +12474,7 @@
 </p:sld>
 </file>
 
-<file path=ppt/slides/slide13.xml><?xml version="1.0" encoding="utf-8"?>
+<file path=ppt/slides/slide14.xml><?xml version="1.0" encoding="utf-8"?>
 <p:sld xmlns:a="http://schemas.openxmlformats.org/drawingml/2006/main" xmlns:r="http://schemas.openxmlformats.org/officeDocument/2006/relationships" xmlns:p="http://schemas.openxmlformats.org/presentationml/2006/main">
   <p:cSld>
     <p:spTree>
@@ -11966,7 +12692,7 @@
             <a:fld id="{2BF067CD-8E6B-4360-9AA8-C5DF2A48A6D1}" type="slidenum">
               <a:rPr lang="en-US" noProof="0" smtClean="0"/>
               <a:pPr/>
-              <a:t>13</a:t>
+              <a:t>14</a:t>
             </a:fld>
             <a:endParaRPr lang="en-US" noProof="0" dirty="0"/>
           </a:p>
@@ -12281,7 +13007,7 @@
 </p:sld>
 </file>
 
-<file path=ppt/slides/slide14.xml><?xml version="1.0" encoding="utf-8"?>
+<file path=ppt/slides/slide15.xml><?xml version="1.0" encoding="utf-8"?>
 <p:sld xmlns:a="http://schemas.openxmlformats.org/drawingml/2006/main" xmlns:r="http://schemas.openxmlformats.org/officeDocument/2006/relationships" xmlns:p="http://schemas.openxmlformats.org/presentationml/2006/main">
   <p:cSld>
     <p:spTree>
@@ -12446,7 +13172,7 @@
             <a:fld id="{2BF067CD-8E6B-4360-9AA8-C5DF2A48A6D1}" type="slidenum">
               <a:rPr lang="en-US" smtClean="0"/>
               <a:pPr/>
-              <a:t>14</a:t>
+              <a:t>15</a:t>
             </a:fld>
             <a:endParaRPr lang="en-US" dirty="0"/>
           </a:p>
@@ -12473,7 +13199,7 @@
 </p:sld>
 </file>
 
-<file path=ppt/slides/slide15.xml><?xml version="1.0" encoding="utf-8"?>
+<file path=ppt/slides/slide16.xml><?xml version="1.0" encoding="utf-8"?>
 <p:sld xmlns:a="http://schemas.openxmlformats.org/drawingml/2006/main" xmlns:r="http://schemas.openxmlformats.org/officeDocument/2006/relationships" xmlns:p="http://schemas.openxmlformats.org/presentationml/2006/main">
   <p:cSld>
     <p:spTree>
@@ -12780,7 +13506,7 @@
             <a:fld id="{2BF067CD-8E6B-4360-9AA8-C5DF2A48A6D1}" type="slidenum">
               <a:rPr lang="en-US" noProof="0" smtClean="0"/>
               <a:pPr/>
-              <a:t>15</a:t>
+              <a:t>16</a:t>
             </a:fld>
             <a:endParaRPr lang="en-US" noProof="0" dirty="0"/>
           </a:p>
@@ -12997,7 +13723,7 @@
 </p:sld>
 </file>
 
-<file path=ppt/slides/slide16.xml><?xml version="1.0" encoding="utf-8"?>
+<file path=ppt/slides/slide17.xml><?xml version="1.0" encoding="utf-8"?>
 <p:sld xmlns:a="http://schemas.openxmlformats.org/drawingml/2006/main" xmlns:r="http://schemas.openxmlformats.org/officeDocument/2006/relationships" xmlns:p="http://schemas.openxmlformats.org/presentationml/2006/main">
   <p:cSld>
     <p:spTree>
@@ -13038,7 +13764,7 @@
             <a:fld id="{2BF067CD-8E6B-4360-9AA8-C5DF2A48A6D1}" type="slidenum">
               <a:rPr lang="en-US" noProof="0" smtClean="0"/>
               <a:pPr/>
-              <a:t>16</a:t>
+              <a:t>17</a:t>
             </a:fld>
             <a:endParaRPr lang="en-US" noProof="0" dirty="0"/>
           </a:p>
@@ -13137,7 +13863,7 @@
 </p:sld>
 </file>
 
-<file path=ppt/slides/slide17.xml><?xml version="1.0" encoding="utf-8"?>
+<file path=ppt/slides/slide18.xml><?xml version="1.0" encoding="utf-8"?>
 <p:sld xmlns:a="http://schemas.openxmlformats.org/drawingml/2006/main" xmlns:r="http://schemas.openxmlformats.org/officeDocument/2006/relationships" xmlns:p="http://schemas.openxmlformats.org/presentationml/2006/main">
   <p:cSld>
     <p:spTree>
@@ -13302,7 +14028,7 @@
             <a:fld id="{2BF067CD-8E6B-4360-9AA8-C5DF2A48A6D1}" type="slidenum">
               <a:rPr lang="en-US" noProof="0" smtClean="0"/>
               <a:pPr/>
-              <a:t>17</a:t>
+              <a:t>18</a:t>
             </a:fld>
             <a:endParaRPr lang="en-US" noProof="0" dirty="0"/>
           </a:p>
@@ -13653,7 +14379,7 @@
 </p:sld>
 </file>
 
-<file path=ppt/slides/slide18.xml><?xml version="1.0" encoding="utf-8"?>
+<file path=ppt/slides/slide19.xml><?xml version="1.0" encoding="utf-8"?>
 <p:sld xmlns:a="http://schemas.openxmlformats.org/drawingml/2006/main" xmlns:r="http://schemas.openxmlformats.org/officeDocument/2006/relationships" xmlns:p="http://schemas.openxmlformats.org/presentationml/2006/main">
   <p:cSld>
     <p:spTree>
@@ -13722,7 +14448,7 @@
             <a:fld id="{2BF067CD-8E6B-4360-9AA8-C5DF2A48A6D1}" type="slidenum">
               <a:rPr lang="en-US" smtClean="0"/>
               <a:pPr/>
-              <a:t>18</a:t>
+              <a:t>19</a:t>
             </a:fld>
             <a:endParaRPr lang="en-US" dirty="0"/>
           </a:p>
@@ -13858,7 +14584,267 @@
 </p:sld>
 </file>
 
-<file path=ppt/slides/slide19.xml><?xml version="1.0" encoding="utf-8"?>
+<file path=ppt/slides/slide2.xml><?xml version="1.0" encoding="utf-8"?>
+<p:sld xmlns:a="http://schemas.openxmlformats.org/drawingml/2006/main" xmlns:r="http://schemas.openxmlformats.org/officeDocument/2006/relationships" xmlns:p="http://schemas.openxmlformats.org/presentationml/2006/main">
+  <p:cSld>
+    <p:spTree>
+      <p:nvGrpSpPr>
+        <p:cNvPr id="1" name=""/>
+        <p:cNvGrpSpPr/>
+        <p:nvPr/>
+      </p:nvGrpSpPr>
+      <p:grpSpPr>
+        <a:xfrm>
+          <a:off x="0" y="0"/>
+          <a:ext cx="0" cy="0"/>
+          <a:chOff x="0" y="0"/>
+          <a:chExt cx="0" cy="0"/>
+        </a:xfrm>
+      </p:grpSpPr>
+      <p:pic>
+        <p:nvPicPr>
+          <p:cNvPr id="89" name="Picture Placeholder 88" descr="People in a room with computers and robots&#10;&#10;Description automatically generated">
+            <a:extLst>
+              <a:ext uri="{FF2B5EF4-FFF2-40B4-BE49-F238E27FC236}">
+                <a16:creationId xmlns:a16="http://schemas.microsoft.com/office/drawing/2014/main" id="{E424106B-1F4F-2DE5-0433-3EA74818E682}"/>
+              </a:ext>
+            </a:extLst>
+          </p:cNvPr>
+          <p:cNvPicPr>
+            <a:picLocks noGrp="1" noChangeAspect="1"/>
+          </p:cNvPicPr>
+          <p:nvPr>
+            <p:ph type="pic" sz="quarter" idx="10"/>
+          </p:nvPr>
+        </p:nvPicPr>
+        <p:blipFill>
+          <a:blip r:embed="rId2" cstate="screen">
+            <a:extLst>
+              <a:ext uri="{28A0092B-C50C-407E-A947-70E740481C1C}">
+                <a14:useLocalDpi xmlns:a14="http://schemas.microsoft.com/office/drawing/2010/main" val="0"/>
+              </a:ext>
+            </a:extLst>
+          </a:blip>
+          <a:srcRect/>
+          <a:stretch/>
+        </p:blipFill>
+        <p:spPr>
+          <a:xfrm>
+            <a:off x="606795" y="3429000"/>
+            <a:ext cx="4885516" cy="2753631"/>
+          </a:xfrm>
+        </p:spPr>
+      </p:pic>
+      <p:sp>
+        <p:nvSpPr>
+          <p:cNvPr id="9" name="Text Placeholder 8">
+            <a:extLst>
+              <a:ext uri="{FF2B5EF4-FFF2-40B4-BE49-F238E27FC236}">
+                <a16:creationId xmlns:a16="http://schemas.microsoft.com/office/drawing/2014/main" id="{0D2E5E44-381D-29CF-26C3-BCA7E5612A45}"/>
+              </a:ext>
+            </a:extLst>
+          </p:cNvPr>
+          <p:cNvSpPr>
+            <a:spLocks noGrp="1"/>
+          </p:cNvSpPr>
+          <p:nvPr>
+            <p:ph type="body" sz="quarter" idx="20"/>
+          </p:nvPr>
+        </p:nvSpPr>
+        <p:spPr>
+          <a:xfrm>
+            <a:off x="6383213" y="4293281"/>
+            <a:ext cx="5198790" cy="513199"/>
+          </a:xfrm>
+        </p:spPr>
+        <p:txBody>
+          <a:bodyPr/>
+          <a:lstStyle/>
+          <a:p>
+            <a:r>
+              <a:rPr lang="en-US" dirty="0"/>
+              <a:t>Co-Founder</a:t>
+            </a:r>
+            <a:r>
+              <a:rPr lang="bg-BG" dirty="0"/>
+              <a:t>, </a:t>
+            </a:r>
+            <a:r>
+              <a:rPr lang="en-US" dirty="0"/>
+              <a:t>Innovation and Inspiration Manager @ </a:t>
+            </a:r>
+            <a:r>
+              <a:rPr lang="en-US" noProof="1"/>
+              <a:t>SoftUni</a:t>
+            </a:r>
+            <a:endParaRPr lang="en-US" dirty="0"/>
+          </a:p>
+        </p:txBody>
+      </p:sp>
+      <p:sp>
+        <p:nvSpPr>
+          <p:cNvPr id="8" name="Text Placeholder 7">
+            <a:extLst>
+              <a:ext uri="{FF2B5EF4-FFF2-40B4-BE49-F238E27FC236}">
+                <a16:creationId xmlns:a16="http://schemas.microsoft.com/office/drawing/2014/main" id="{A9A28324-1F9C-59E1-60A3-70D8AB974A2F}"/>
+              </a:ext>
+            </a:extLst>
+          </p:cNvPr>
+          <p:cNvSpPr>
+            <a:spLocks noGrp="1"/>
+          </p:cNvSpPr>
+          <p:nvPr>
+            <p:ph type="body" sz="quarter" idx="19"/>
+          </p:nvPr>
+        </p:nvSpPr>
+        <p:spPr>
+          <a:xfrm>
+            <a:off x="6382444" y="3573016"/>
+            <a:ext cx="5199586" cy="699404"/>
+          </a:xfrm>
+        </p:spPr>
+        <p:txBody>
+          <a:bodyPr/>
+          <a:lstStyle/>
+          <a:p>
+            <a:r>
+              <a:rPr lang="en-US" dirty="0"/>
+              <a:t>Svetlin Nakov, PhD</a:t>
+            </a:r>
+          </a:p>
+        </p:txBody>
+      </p:sp>
+      <p:sp>
+        <p:nvSpPr>
+          <p:cNvPr id="6" name="Subtitle 5">
+            <a:extLst>
+              <a:ext uri="{FF2B5EF4-FFF2-40B4-BE49-F238E27FC236}">
+                <a16:creationId xmlns:a16="http://schemas.microsoft.com/office/drawing/2014/main" id="{B9AD0F43-E07E-8A9E-8510-5451A0B7CBEF}"/>
+              </a:ext>
+            </a:extLst>
+          </p:cNvPr>
+          <p:cNvSpPr>
+            <a:spLocks noGrp="1"/>
+          </p:cNvSpPr>
+          <p:nvPr>
+            <p:ph type="subTitle" idx="1"/>
+          </p:nvPr>
+        </p:nvSpPr>
+        <p:spPr>
+          <a:xfrm>
+            <a:off x="606795" y="1921082"/>
+            <a:ext cx="10960226" cy="643822"/>
+          </a:xfrm>
+        </p:spPr>
+        <p:txBody>
+          <a:bodyPr/>
+          <a:lstStyle/>
+          <a:p>
+            <a:r>
+              <a:rPr lang="en-GB" dirty="0"/>
+              <a:t>The Future of </a:t>
+            </a:r>
+            <a:r>
+              <a:rPr lang="en-GB"/>
+              <a:t>Software Development</a:t>
+            </a:r>
+            <a:endParaRPr lang="en-US" dirty="0"/>
+          </a:p>
+        </p:txBody>
+      </p:sp>
+      <p:sp>
+        <p:nvSpPr>
+          <p:cNvPr id="5" name="Title 4">
+            <a:extLst>
+              <a:ext uri="{FF2B5EF4-FFF2-40B4-BE49-F238E27FC236}">
+                <a16:creationId xmlns:a16="http://schemas.microsoft.com/office/drawing/2014/main" id="{AE9D757A-86DE-33B2-6929-F4D0A7ECF17A}"/>
+              </a:ext>
+            </a:extLst>
+          </p:cNvPr>
+          <p:cNvSpPr>
+            <a:spLocks noGrp="1"/>
+          </p:cNvSpPr>
+          <p:nvPr>
+            <p:ph type="title"/>
+          </p:nvPr>
+        </p:nvSpPr>
+        <p:spPr>
+          <a:xfrm>
+            <a:off x="606795" y="804875"/>
+            <a:ext cx="10960226" cy="957038"/>
+          </a:xfrm>
+        </p:spPr>
+        <p:txBody>
+          <a:bodyPr/>
+          <a:lstStyle/>
+          <a:p>
+            <a:r>
+              <a:rPr lang="en-US" sz="4800" dirty="0"/>
+              <a:t>Software Engineers in the AI Era</a:t>
+            </a:r>
+          </a:p>
+        </p:txBody>
+      </p:sp>
+      <p:sp>
+        <p:nvSpPr>
+          <p:cNvPr id="4" name="Slide Number Placeholder 3">
+            <a:extLst>
+              <a:ext uri="{FF2B5EF4-FFF2-40B4-BE49-F238E27FC236}">
+                <a16:creationId xmlns:a16="http://schemas.microsoft.com/office/drawing/2014/main" id="{F18486E1-9D5B-AFF2-EA2E-511D905139B3}"/>
+              </a:ext>
+            </a:extLst>
+          </p:cNvPr>
+          <p:cNvSpPr>
+            <a:spLocks noGrp="1"/>
+          </p:cNvSpPr>
+          <p:nvPr>
+            <p:ph type="sldNum" sz="quarter" idx="4294967295"/>
+          </p:nvPr>
+        </p:nvSpPr>
+        <p:spPr>
+          <a:xfrm>
+            <a:off x="11779250" y="6507163"/>
+            <a:ext cx="409575" cy="296862"/>
+          </a:xfrm>
+          <a:prstGeom prst="rect">
+            <a:avLst/>
+          </a:prstGeom>
+        </p:spPr>
+        <p:txBody>
+          <a:bodyPr/>
+          <a:lstStyle/>
+          <a:p>
+            <a:fld id="{2BF067CD-8E6B-4360-9AA8-C5DF2A48A6D1}" type="slidenum">
+              <a:rPr lang="en-US" smtClean="0"/>
+              <a:pPr/>
+              <a:t>2</a:t>
+            </a:fld>
+            <a:endParaRPr lang="en-US" dirty="0"/>
+          </a:p>
+        </p:txBody>
+      </p:sp>
+    </p:spTree>
+    <p:extLst>
+      <p:ext uri="{BB962C8B-B14F-4D97-AF65-F5344CB8AC3E}">
+        <p14:creationId xmlns:p14="http://schemas.microsoft.com/office/powerpoint/2010/main" val="1114498673"/>
+      </p:ext>
+    </p:extLst>
+  </p:cSld>
+  <p:clrMapOvr>
+    <a:masterClrMapping/>
+  </p:clrMapOvr>
+  <mc:AlternateContent xmlns:mc="http://schemas.openxmlformats.org/markup-compatibility/2006" xmlns:p14="http://schemas.microsoft.com/office/powerpoint/2010/main">
+    <mc:Choice Requires="p14">
+      <p:transition spd="slow" p14:dur="2000" advClick="0" advTm="5000"/>
+    </mc:Choice>
+    <mc:Fallback xmlns="">
+      <p:transition spd="slow" advClick="0" advTm="5000"/>
+    </mc:Fallback>
+  </mc:AlternateContent>
+</p:sld>
+</file>
+
+<file path=ppt/slides/slide20.xml><?xml version="1.0" encoding="utf-8"?>
 <p:sld xmlns:a="http://schemas.openxmlformats.org/drawingml/2006/main" xmlns:r="http://schemas.openxmlformats.org/officeDocument/2006/relationships" xmlns:p="http://schemas.openxmlformats.org/presentationml/2006/main">
   <p:cSld>
     <p:spTree>
@@ -13967,7 +14953,7 @@
             <a:fld id="{2BF067CD-8E6B-4360-9AA8-C5DF2A48A6D1}" type="slidenum">
               <a:rPr lang="en-US" smtClean="0"/>
               <a:pPr/>
-              <a:t>19</a:t>
+              <a:t>20</a:t>
             </a:fld>
             <a:endParaRPr lang="en-US" dirty="0"/>
           </a:p>
@@ -14039,610 +15025,7 @@
 </p:sld>
 </file>
 
-<file path=ppt/slides/slide2.xml><?xml version="1.0" encoding="utf-8"?>
-<p:sld xmlns:a="http://schemas.openxmlformats.org/drawingml/2006/main" xmlns:r="http://schemas.openxmlformats.org/officeDocument/2006/relationships" xmlns:p="http://schemas.openxmlformats.org/presentationml/2006/main">
-  <p:cSld>
-    <p:spTree>
-      <p:nvGrpSpPr>
-        <p:cNvPr id="1" name=""/>
-        <p:cNvGrpSpPr/>
-        <p:nvPr/>
-      </p:nvGrpSpPr>
-      <p:grpSpPr>
-        <a:xfrm>
-          <a:off x="0" y="0"/>
-          <a:ext cx="0" cy="0"/>
-          <a:chOff x="0" y="0"/>
-          <a:chExt cx="0" cy="0"/>
-        </a:xfrm>
-      </p:grpSpPr>
-      <p:sp>
-        <p:nvSpPr>
-          <p:cNvPr id="444419" name="Rectangle 3"/>
-          <p:cNvSpPr>
-            <a:spLocks noGrp="1" noChangeArrowheads="1"/>
-          </p:cNvSpPr>
-          <p:nvPr>
-            <p:ph type="body" sz="quarter" idx="13"/>
-          </p:nvPr>
-        </p:nvSpPr>
-        <p:spPr>
-          <a:xfrm>
-            <a:off x="196714" y="1268760"/>
-            <a:ext cx="11802353" cy="5400601"/>
-          </a:xfrm>
-        </p:spPr>
-        <p:txBody>
-          <a:bodyPr>
-            <a:normAutofit/>
-          </a:bodyPr>
-          <a:lstStyle/>
-          <a:p>
-            <a:r>
-              <a:rPr lang="en-US" b="1" dirty="0">
-                <a:solidFill>
-                  <a:schemeClr val="accent4"/>
-                </a:solidFill>
-              </a:rPr>
-              <a:t>AI Tools for Developers</a:t>
-            </a:r>
-            <a:r>
-              <a:rPr lang="en-US" dirty="0"/>
-              <a:t>: Evolution</a:t>
-            </a:r>
-          </a:p>
-          <a:p>
-            <a:r>
-              <a:rPr lang="en-US" b="1" dirty="0">
-                <a:solidFill>
-                  <a:schemeClr val="accent4"/>
-                </a:solidFill>
-              </a:rPr>
-              <a:t>AI Chatbots for Coding</a:t>
-            </a:r>
-            <a:r>
-              <a:rPr lang="bg-BG" b="1" dirty="0">
-                <a:solidFill>
-                  <a:schemeClr val="accent4"/>
-                </a:solidFill>
-              </a:rPr>
-              <a:t> </a:t>
-            </a:r>
-            <a:r>
-              <a:rPr lang="en-US" dirty="0"/>
-              <a:t>(ChatGPT, Claude</a:t>
-            </a:r>
-            <a:r>
-              <a:rPr lang="bg-BG" dirty="0"/>
-              <a:t>)</a:t>
-            </a:r>
-            <a:endParaRPr lang="en-US" dirty="0"/>
-          </a:p>
-          <a:p>
-            <a:r>
-              <a:rPr lang="en-US" b="1" dirty="0">
-                <a:solidFill>
-                  <a:schemeClr val="accent4"/>
-                </a:solidFill>
-              </a:rPr>
-              <a:t>AI Coding Assistants</a:t>
-            </a:r>
-            <a:r>
-              <a:rPr lang="bg-BG" b="1" dirty="0">
-                <a:solidFill>
-                  <a:schemeClr val="accent4"/>
-                </a:solidFill>
-              </a:rPr>
-              <a:t> </a:t>
-            </a:r>
-            <a:r>
-              <a:rPr lang="bg-BG" dirty="0"/>
-              <a:t>(</a:t>
-            </a:r>
-            <a:r>
-              <a:rPr lang="en-US" dirty="0"/>
-              <a:t>Cursor</a:t>
-            </a:r>
-            <a:r>
-              <a:rPr lang="bg-BG" dirty="0"/>
-              <a:t>, </a:t>
-            </a:r>
-            <a:r>
-              <a:rPr lang="en-US" dirty="0"/>
-              <a:t>GitHub Copilot, </a:t>
-            </a:r>
-            <a:r>
-              <a:rPr lang="en-US" dirty="0" err="1"/>
-              <a:t>Tabnine</a:t>
-            </a:r>
-            <a:r>
-              <a:rPr lang="bg-BG" dirty="0"/>
-              <a:t>)</a:t>
-            </a:r>
-            <a:endParaRPr lang="en-US" dirty="0"/>
-          </a:p>
-          <a:p>
-            <a:r>
-              <a:rPr lang="en-US" b="1" dirty="0">
-                <a:solidFill>
-                  <a:schemeClr val="accent4"/>
-                </a:solidFill>
-              </a:rPr>
-              <a:t>AI Developer Agents </a:t>
-            </a:r>
-            <a:r>
-              <a:rPr lang="en-US" dirty="0"/>
-              <a:t>(Devin, Code Droid, </a:t>
-            </a:r>
-            <a:r>
-              <a:rPr lang="en-US" dirty="0" err="1"/>
-              <a:t>AutoCodeRover</a:t>
-            </a:r>
-            <a:r>
-              <a:rPr lang="en-US" dirty="0"/>
-              <a:t>)</a:t>
-            </a:r>
-          </a:p>
-          <a:p>
-            <a:r>
-              <a:rPr lang="en-US" b="1" dirty="0">
-                <a:solidFill>
-                  <a:schemeClr val="accent4"/>
-                </a:solidFill>
-              </a:rPr>
-              <a:t>AI as a Tool for Developers</a:t>
-            </a:r>
-            <a:r>
-              <a:rPr lang="en-US" dirty="0"/>
-              <a:t>, not a Replacement</a:t>
-            </a:r>
-          </a:p>
-          <a:p>
-            <a:r>
-              <a:rPr lang="en-US" b="1" dirty="0">
-                <a:solidFill>
-                  <a:schemeClr val="accent4"/>
-                </a:solidFill>
-              </a:rPr>
-              <a:t>Shifting Developer Skillsets </a:t>
-            </a:r>
-            <a:r>
-              <a:rPr lang="en-US" dirty="0"/>
-              <a:t>to Adopt AI</a:t>
-            </a:r>
-          </a:p>
-          <a:p>
-            <a:r>
-              <a:rPr lang="en-US" b="1" dirty="0">
-                <a:solidFill>
-                  <a:schemeClr val="accent4"/>
-                </a:solidFill>
-              </a:rPr>
-              <a:t>Developer Job Market</a:t>
-            </a:r>
-            <a:r>
-              <a:rPr lang="en-US" dirty="0"/>
-              <a:t>: Evolution</a:t>
-            </a:r>
-            <a:endParaRPr lang="en-GB" noProof="1"/>
-          </a:p>
-        </p:txBody>
-      </p:sp>
-      <p:sp>
-        <p:nvSpPr>
-          <p:cNvPr id="444418" name="Rectangle 2"/>
-          <p:cNvSpPr>
-            <a:spLocks noGrp="1" noChangeArrowheads="1"/>
-          </p:cNvSpPr>
-          <p:nvPr>
-            <p:ph type="title"/>
-          </p:nvPr>
-        </p:nvSpPr>
-        <p:spPr>
-          <a:xfrm>
-            <a:off x="190355" y="100750"/>
-            <a:ext cx="10768224" cy="882654"/>
-          </a:xfrm>
-        </p:spPr>
-        <p:txBody>
-          <a:bodyPr>
-            <a:normAutofit/>
-          </a:bodyPr>
-          <a:lstStyle/>
-          <a:p>
-            <a:r>
-              <a:rPr lang="en-US" dirty="0"/>
-              <a:t>Table of Contents</a:t>
-            </a:r>
-            <a:endParaRPr lang="bg-BG" dirty="0"/>
-          </a:p>
-        </p:txBody>
-      </p:sp>
-      <p:sp>
-        <p:nvSpPr>
-          <p:cNvPr id="7" name="Slide Number">
-            <a:extLst>
-              <a:ext uri="{FF2B5EF4-FFF2-40B4-BE49-F238E27FC236}">
-                <a16:creationId xmlns:a16="http://schemas.microsoft.com/office/drawing/2014/main" id="{E99D54C6-28FF-420B-BFC9-3A8E9864D7A1}"/>
-              </a:ext>
-            </a:extLst>
-          </p:cNvPr>
-          <p:cNvSpPr>
-            <a:spLocks noGrp="1"/>
-          </p:cNvSpPr>
-          <p:nvPr>
-            <p:ph type="sldNum" sz="quarter" idx="5"/>
-          </p:nvPr>
-        </p:nvSpPr>
-        <p:spPr>
-          <a:xfrm>
-            <a:off x="11711036" y="6507000"/>
-            <a:ext cx="409408" cy="297000"/>
-          </a:xfrm>
-        </p:spPr>
-        <p:txBody>
-          <a:bodyPr vert="horz" lIns="91440" tIns="45720" rIns="91440" bIns="45720" rtlCol="0" anchor="b"/>
-          <a:lstStyle>
-            <a:lvl1pPr algn="r">
-              <a:defRPr sz="1000"/>
-            </a:lvl1pPr>
-          </a:lstStyle>
-          <a:p>
-            <a:fld id="{2BF067CD-8E6B-4360-9AA8-C5DF2A48A6D1}" type="slidenum">
-              <a:rPr lang="en-US" noProof="0" smtClean="0"/>
-              <a:pPr/>
-              <a:t>2</a:t>
-            </a:fld>
-            <a:endParaRPr lang="en-US" noProof="0" dirty="0"/>
-          </a:p>
-        </p:txBody>
-      </p:sp>
-    </p:spTree>
-    <p:extLst>
-      <p:ext uri="{BB962C8B-B14F-4D97-AF65-F5344CB8AC3E}">
-        <p14:creationId xmlns:p14="http://schemas.microsoft.com/office/powerpoint/2010/main" val="3069790846"/>
-      </p:ext>
-    </p:extLst>
-  </p:cSld>
-  <p:clrMapOvr>
-    <a:masterClrMapping/>
-  </p:clrMapOvr>
-  <mc:AlternateContent xmlns:mc="http://schemas.openxmlformats.org/markup-compatibility/2006" xmlns:p14="http://schemas.microsoft.com/office/powerpoint/2010/main">
-    <mc:Choice Requires="p14">
-      <p:transition spd="slow" p14:dur="2000" advClick="0" advTm="5000"/>
-    </mc:Choice>
-    <mc:Fallback xmlns="">
-      <p:transition spd="slow" advClick="0" advTm="5000"/>
-    </mc:Fallback>
-  </mc:AlternateContent>
-  <p:timing>
-    <p:tnLst>
-      <p:par>
-        <p:cTn id="1" dur="indefinite" restart="never" nodeType="tmRoot">
-          <p:childTnLst>
-            <p:seq concurrent="1" nextAc="seek">
-              <p:cTn id="2" dur="indefinite" nodeType="mainSeq">
-                <p:childTnLst>
-                  <p:par>
-                    <p:cTn id="3" fill="hold">
-                      <p:stCondLst>
-                        <p:cond delay="indefinite"/>
-                      </p:stCondLst>
-                      <p:childTnLst>
-                        <p:par>
-                          <p:cTn id="4" fill="hold">
-                            <p:stCondLst>
-                              <p:cond delay="0"/>
-                            </p:stCondLst>
-                            <p:childTnLst>
-                              <p:par>
-                                <p:cTn id="5" presetID="1" presetClass="entr" presetSubtype="0" fill="hold" nodeType="clickEffect">
-                                  <p:stCondLst>
-                                    <p:cond delay="0"/>
-                                  </p:stCondLst>
-                                  <p:childTnLst>
-                                    <p:set>
-                                      <p:cBhvr>
-                                        <p:cTn id="6" dur="1" fill="hold">
-                                          <p:stCondLst>
-                                            <p:cond delay="0"/>
-                                          </p:stCondLst>
-                                        </p:cTn>
-                                        <p:tgtEl>
-                                          <p:spTgt spid="444419">
-                                            <p:txEl>
-                                              <p:pRg st="1" end="1"/>
-                                            </p:txEl>
-                                          </p:spTgt>
-                                        </p:tgtEl>
-                                        <p:attrNameLst>
-                                          <p:attrName>style.visibility</p:attrName>
-                                        </p:attrNameLst>
-                                      </p:cBhvr>
-                                      <p:to>
-                                        <p:strVal val="visible"/>
-                                      </p:to>
-                                    </p:set>
-                                  </p:childTnLst>
-                                </p:cTn>
-                              </p:par>
-                            </p:childTnLst>
-                          </p:cTn>
-                        </p:par>
-                      </p:childTnLst>
-                    </p:cTn>
-                  </p:par>
-                  <p:par>
-                    <p:cTn id="7" fill="hold">
-                      <p:stCondLst>
-                        <p:cond delay="indefinite"/>
-                      </p:stCondLst>
-                      <p:childTnLst>
-                        <p:par>
-                          <p:cTn id="8" fill="hold">
-                            <p:stCondLst>
-                              <p:cond delay="0"/>
-                            </p:stCondLst>
-                            <p:childTnLst>
-                              <p:par>
-                                <p:cTn id="9" presetID="1" presetClass="entr" presetSubtype="0" fill="hold" nodeType="clickEffect">
-                                  <p:stCondLst>
-                                    <p:cond delay="0"/>
-                                  </p:stCondLst>
-                                  <p:childTnLst>
-                                    <p:set>
-                                      <p:cBhvr>
-                                        <p:cTn id="10" dur="1" fill="hold">
-                                          <p:stCondLst>
-                                            <p:cond delay="0"/>
-                                          </p:stCondLst>
-                                        </p:cTn>
-                                        <p:tgtEl>
-                                          <p:spTgt spid="444419">
-                                            <p:txEl>
-                                              <p:pRg st="2" end="2"/>
-                                            </p:txEl>
-                                          </p:spTgt>
-                                        </p:tgtEl>
-                                        <p:attrNameLst>
-                                          <p:attrName>style.visibility</p:attrName>
-                                        </p:attrNameLst>
-                                      </p:cBhvr>
-                                      <p:to>
-                                        <p:strVal val="visible"/>
-                                      </p:to>
-                                    </p:set>
-                                  </p:childTnLst>
-                                </p:cTn>
-                              </p:par>
-                            </p:childTnLst>
-                          </p:cTn>
-                        </p:par>
-                      </p:childTnLst>
-                    </p:cTn>
-                  </p:par>
-                  <p:par>
-                    <p:cTn id="11" fill="hold">
-                      <p:stCondLst>
-                        <p:cond delay="indefinite"/>
-                      </p:stCondLst>
-                      <p:childTnLst>
-                        <p:par>
-                          <p:cTn id="12" fill="hold">
-                            <p:stCondLst>
-                              <p:cond delay="0"/>
-                            </p:stCondLst>
-                            <p:childTnLst>
-                              <p:par>
-                                <p:cTn id="13" presetID="1" presetClass="entr" presetSubtype="0" fill="hold" nodeType="clickEffect">
-                                  <p:stCondLst>
-                                    <p:cond delay="0"/>
-                                  </p:stCondLst>
-                                  <p:childTnLst>
-                                    <p:set>
-                                      <p:cBhvr>
-                                        <p:cTn id="14" dur="1" fill="hold">
-                                          <p:stCondLst>
-                                            <p:cond delay="0"/>
-                                          </p:stCondLst>
-                                        </p:cTn>
-                                        <p:tgtEl>
-                                          <p:spTgt spid="444419">
-                                            <p:txEl>
-                                              <p:pRg st="3" end="3"/>
-                                            </p:txEl>
-                                          </p:spTgt>
-                                        </p:tgtEl>
-                                        <p:attrNameLst>
-                                          <p:attrName>style.visibility</p:attrName>
-                                        </p:attrNameLst>
-                                      </p:cBhvr>
-                                      <p:to>
-                                        <p:strVal val="visible"/>
-                                      </p:to>
-                                    </p:set>
-                                  </p:childTnLst>
-                                </p:cTn>
-                              </p:par>
-                            </p:childTnLst>
-                          </p:cTn>
-                        </p:par>
-                      </p:childTnLst>
-                    </p:cTn>
-                  </p:par>
-                  <p:par>
-                    <p:cTn id="15" fill="hold">
-                      <p:stCondLst>
-                        <p:cond delay="indefinite"/>
-                      </p:stCondLst>
-                      <p:childTnLst>
-                        <p:par>
-                          <p:cTn id="16" fill="hold">
-                            <p:stCondLst>
-                              <p:cond delay="0"/>
-                            </p:stCondLst>
-                            <p:childTnLst>
-                              <p:par>
-                                <p:cTn id="17" presetID="1" presetClass="entr" presetSubtype="0" fill="hold" nodeType="clickEffect">
-                                  <p:stCondLst>
-                                    <p:cond delay="0"/>
-                                  </p:stCondLst>
-                                  <p:childTnLst>
-                                    <p:set>
-                                      <p:cBhvr>
-                                        <p:cTn id="18" dur="1" fill="hold">
-                                          <p:stCondLst>
-                                            <p:cond delay="0"/>
-                                          </p:stCondLst>
-                                        </p:cTn>
-                                        <p:tgtEl>
-                                          <p:spTgt spid="444419">
-                                            <p:txEl>
-                                              <p:pRg st="4" end="4"/>
-                                            </p:txEl>
-                                          </p:spTgt>
-                                        </p:tgtEl>
-                                        <p:attrNameLst>
-                                          <p:attrName>style.visibility</p:attrName>
-                                        </p:attrNameLst>
-                                      </p:cBhvr>
-                                      <p:to>
-                                        <p:strVal val="visible"/>
-                                      </p:to>
-                                    </p:set>
-                                  </p:childTnLst>
-                                </p:cTn>
-                              </p:par>
-                            </p:childTnLst>
-                          </p:cTn>
-                        </p:par>
-                      </p:childTnLst>
-                    </p:cTn>
-                  </p:par>
-                  <p:par>
-                    <p:cTn id="19" fill="hold">
-                      <p:stCondLst>
-                        <p:cond delay="indefinite"/>
-                      </p:stCondLst>
-                      <p:childTnLst>
-                        <p:par>
-                          <p:cTn id="20" fill="hold">
-                            <p:stCondLst>
-                              <p:cond delay="0"/>
-                            </p:stCondLst>
-                            <p:childTnLst>
-                              <p:par>
-                                <p:cTn id="21" presetID="1" presetClass="entr" presetSubtype="0" fill="hold" nodeType="clickEffect">
-                                  <p:stCondLst>
-                                    <p:cond delay="0"/>
-                                  </p:stCondLst>
-                                  <p:childTnLst>
-                                    <p:set>
-                                      <p:cBhvr>
-                                        <p:cTn id="22" dur="1" fill="hold">
-                                          <p:stCondLst>
-                                            <p:cond delay="0"/>
-                                          </p:stCondLst>
-                                        </p:cTn>
-                                        <p:tgtEl>
-                                          <p:spTgt spid="444419">
-                                            <p:txEl>
-                                              <p:pRg st="5" end="5"/>
-                                            </p:txEl>
-                                          </p:spTgt>
-                                        </p:tgtEl>
-                                        <p:attrNameLst>
-                                          <p:attrName>style.visibility</p:attrName>
-                                        </p:attrNameLst>
-                                      </p:cBhvr>
-                                      <p:to>
-                                        <p:strVal val="visible"/>
-                                      </p:to>
-                                    </p:set>
-                                  </p:childTnLst>
-                                </p:cTn>
-                              </p:par>
-                            </p:childTnLst>
-                          </p:cTn>
-                        </p:par>
-                      </p:childTnLst>
-                    </p:cTn>
-                  </p:par>
-                  <p:par>
-                    <p:cTn id="23" fill="hold">
-                      <p:stCondLst>
-                        <p:cond delay="indefinite"/>
-                      </p:stCondLst>
-                      <p:childTnLst>
-                        <p:par>
-                          <p:cTn id="24" fill="hold">
-                            <p:stCondLst>
-                              <p:cond delay="0"/>
-                            </p:stCondLst>
-                            <p:childTnLst>
-                              <p:par>
-                                <p:cTn id="25" presetID="1" presetClass="entr" presetSubtype="0" fill="hold" nodeType="clickEffect">
-                                  <p:stCondLst>
-                                    <p:cond delay="0"/>
-                                  </p:stCondLst>
-                                  <p:childTnLst>
-                                    <p:set>
-                                      <p:cBhvr>
-                                        <p:cTn id="26" dur="1" fill="hold">
-                                          <p:stCondLst>
-                                            <p:cond delay="0"/>
-                                          </p:stCondLst>
-                                        </p:cTn>
-                                        <p:tgtEl>
-                                          <p:spTgt spid="444419">
-                                            <p:txEl>
-                                              <p:pRg st="6" end="6"/>
-                                            </p:txEl>
-                                          </p:spTgt>
-                                        </p:tgtEl>
-                                        <p:attrNameLst>
-                                          <p:attrName>style.visibility</p:attrName>
-                                        </p:attrNameLst>
-                                      </p:cBhvr>
-                                      <p:to>
-                                        <p:strVal val="visible"/>
-                                      </p:to>
-                                    </p:set>
-                                  </p:childTnLst>
-                                </p:cTn>
-                              </p:par>
-                            </p:childTnLst>
-                          </p:cTn>
-                        </p:par>
-                      </p:childTnLst>
-                    </p:cTn>
-                  </p:par>
-                </p:childTnLst>
-              </p:cTn>
-              <p:prevCondLst>
-                <p:cond evt="onPrev" delay="0">
-                  <p:tgtEl>
-                    <p:sldTgt/>
-                  </p:tgtEl>
-                </p:cond>
-              </p:prevCondLst>
-              <p:nextCondLst>
-                <p:cond evt="onNext" delay="0">
-                  <p:tgtEl>
-                    <p:sldTgt/>
-                  </p:tgtEl>
-                </p:cond>
-              </p:nextCondLst>
-            </p:seq>
-          </p:childTnLst>
-        </p:cTn>
-      </p:par>
-    </p:tnLst>
-  </p:timing>
-</p:sld>
-</file>
-
-<file path=ppt/slides/slide20.xml><?xml version="1.0" encoding="utf-8"?>
+<file path=ppt/slides/slide21.xml><?xml version="1.0" encoding="utf-8"?>
 <p:sld xmlns:a="http://schemas.openxmlformats.org/drawingml/2006/main" xmlns:r="http://schemas.openxmlformats.org/officeDocument/2006/relationships" xmlns:p="http://schemas.openxmlformats.org/presentationml/2006/main">
   <p:cSld>
     <p:spTree>
@@ -14683,7 +15066,7 @@
             <a:fld id="{2BF067CD-8E6B-4360-9AA8-C5DF2A48A6D1}" type="slidenum">
               <a:rPr lang="en-US" noProof="0" smtClean="0"/>
               <a:pPr/>
-              <a:t>20</a:t>
+              <a:t>21</a:t>
             </a:fld>
             <a:endParaRPr lang="en-US" noProof="0" dirty="0"/>
           </a:p>
@@ -15097,7 +15480,7 @@
 </p:sld>
 </file>
 
-<file path=ppt/slides/slide21.xml><?xml version="1.0" encoding="utf-8"?>
+<file path=ppt/slides/slide22.xml><?xml version="1.0" encoding="utf-8"?>
 <p:sld xmlns:a="http://schemas.openxmlformats.org/drawingml/2006/main" xmlns:r="http://schemas.openxmlformats.org/officeDocument/2006/relationships" xmlns:p="http://schemas.openxmlformats.org/presentationml/2006/main">
   <p:cSld>
     <p:spTree>
@@ -15138,7 +15521,7 @@
             <a:fld id="{2BF067CD-8E6B-4360-9AA8-C5DF2A48A6D1}" type="slidenum">
               <a:rPr lang="en-US" noProof="0" smtClean="0"/>
               <a:pPr/>
-              <a:t>21</a:t>
+              <a:t>22</a:t>
             </a:fld>
             <a:endParaRPr lang="en-US" noProof="0" dirty="0"/>
           </a:p>
@@ -15477,7 +15860,7 @@
 </p:sld>
 </file>
 
-<file path=ppt/slides/slide22.xml><?xml version="1.0" encoding="utf-8"?>
+<file path=ppt/slides/slide23.xml><?xml version="1.0" encoding="utf-8"?>
 <p:sld xmlns:a="http://schemas.openxmlformats.org/drawingml/2006/main" xmlns:r="http://schemas.openxmlformats.org/officeDocument/2006/relationships" xmlns:p="http://schemas.openxmlformats.org/presentationml/2006/main">
   <p:cSld>
     <p:spTree>
@@ -15588,7 +15971,7 @@
             <a:fld id="{2BF067CD-8E6B-4360-9AA8-C5DF2A48A6D1}" type="slidenum">
               <a:rPr lang="en-US" smtClean="0"/>
               <a:pPr/>
-              <a:t>22</a:t>
+              <a:t>23</a:t>
             </a:fld>
             <a:endParaRPr lang="en-US" dirty="0"/>
           </a:p>
@@ -15653,7 +16036,7 @@
 </p:sld>
 </file>
 
-<file path=ppt/slides/slide23.xml><?xml version="1.0" encoding="utf-8"?>
+<file path=ppt/slides/slide24.xml><?xml version="1.0" encoding="utf-8"?>
 <p:sld xmlns:a="http://schemas.openxmlformats.org/drawingml/2006/main" xmlns:r="http://schemas.openxmlformats.org/officeDocument/2006/relationships" xmlns:p="http://schemas.openxmlformats.org/presentationml/2006/main">
   <p:cSld>
     <p:spTree>
@@ -15694,7 +16077,7 @@
             <a:fld id="{2BF067CD-8E6B-4360-9AA8-C5DF2A48A6D1}" type="slidenum">
               <a:rPr lang="en-US" noProof="0" smtClean="0"/>
               <a:pPr/>
-              <a:t>23</a:t>
+              <a:t>24</a:t>
             </a:fld>
             <a:endParaRPr lang="en-US" noProof="0" dirty="0"/>
           </a:p>
@@ -16083,7 +16466,7 @@
 </p:sld>
 </file>
 
-<file path=ppt/slides/slide24.xml><?xml version="1.0" encoding="utf-8"?>
+<file path=ppt/slides/slide25.xml><?xml version="1.0" encoding="utf-8"?>
 <p:sld xmlns:a="http://schemas.openxmlformats.org/drawingml/2006/main" xmlns:r="http://schemas.openxmlformats.org/officeDocument/2006/relationships" xmlns:p="http://schemas.openxmlformats.org/presentationml/2006/main">
   <p:cSld>
     <p:spTree>
@@ -16124,7 +16507,7 @@
             <a:fld id="{2BF067CD-8E6B-4360-9AA8-C5DF2A48A6D1}" type="slidenum">
               <a:rPr lang="en-US" noProof="0" smtClean="0"/>
               <a:pPr/>
-              <a:t>24</a:t>
+              <a:t>25</a:t>
             </a:fld>
             <a:endParaRPr lang="en-US" noProof="0" dirty="0"/>
           </a:p>
@@ -17106,7 +17489,7 @@
 </p:sld>
 </file>
 
-<file path=ppt/slides/slide25.xml><?xml version="1.0" encoding="utf-8"?>
+<file path=ppt/slides/slide26.xml><?xml version="1.0" encoding="utf-8"?>
 <p:sld xmlns:a="http://schemas.openxmlformats.org/drawingml/2006/main" xmlns:r="http://schemas.openxmlformats.org/officeDocument/2006/relationships" xmlns:p="http://schemas.openxmlformats.org/presentationml/2006/main">
   <p:cSld>
     <p:spTree>
@@ -17152,7 +17535,7 @@
             <a:fld id="{2BF067CD-8E6B-4360-9AA8-C5DF2A48A6D1}" type="slidenum">
               <a:rPr lang="en-US" noProof="0" smtClean="0"/>
               <a:pPr/>
-              <a:t>25</a:t>
+              <a:t>26</a:t>
             </a:fld>
             <a:endParaRPr lang="en-US" noProof="0" dirty="0"/>
           </a:p>
@@ -17539,7 +17922,7 @@
 </p:sld>
 </file>
 
-<file path=ppt/slides/slide26.xml><?xml version="1.0" encoding="utf-8"?>
+<file path=ppt/slides/slide27.xml><?xml version="1.0" encoding="utf-8"?>
 <p:sld xmlns:a="http://schemas.openxmlformats.org/drawingml/2006/main" xmlns:r="http://schemas.openxmlformats.org/officeDocument/2006/relationships" xmlns:p="http://schemas.openxmlformats.org/presentationml/2006/main">
   <p:cSld>
     <p:spTree>
@@ -17637,7 +18020,7 @@
             <a:fld id="{2BF067CD-8E6B-4360-9AA8-C5DF2A48A6D1}" type="slidenum">
               <a:rPr lang="en-US" smtClean="0"/>
               <a:pPr/>
-              <a:t>26</a:t>
+              <a:t>27</a:t>
             </a:fld>
             <a:endParaRPr lang="en-US" dirty="0"/>
           </a:p>
@@ -17709,7 +18092,7 @@
 </p:sld>
 </file>
 
-<file path=ppt/slides/slide27.xml><?xml version="1.0" encoding="utf-8"?>
+<file path=ppt/slides/slide28.xml><?xml version="1.0" encoding="utf-8"?>
 <p:sld xmlns:a="http://schemas.openxmlformats.org/drawingml/2006/main" xmlns:r="http://schemas.openxmlformats.org/officeDocument/2006/relationships" xmlns:p="http://schemas.openxmlformats.org/presentationml/2006/main">
   <p:cSld>
     <p:spTree>
@@ -17750,7 +18133,7 @@
             <a:fld id="{2BF067CD-8E6B-4360-9AA8-C5DF2A48A6D1}" type="slidenum">
               <a:rPr lang="en-US" noProof="0" smtClean="0"/>
               <a:pPr/>
-              <a:t>27</a:t>
+              <a:t>28</a:t>
             </a:fld>
             <a:endParaRPr lang="en-US" noProof="0" dirty="0"/>
           </a:p>
@@ -18125,7 +18508,7 @@
 </p:sld>
 </file>
 
-<file path=ppt/slides/slide28.xml><?xml version="1.0" encoding="utf-8"?>
+<file path=ppt/slides/slide29.xml><?xml version="1.0" encoding="utf-8"?>
 <p:sld xmlns:a="http://schemas.openxmlformats.org/drawingml/2006/main" xmlns:r="http://schemas.openxmlformats.org/officeDocument/2006/relationships" xmlns:p="http://schemas.openxmlformats.org/presentationml/2006/main">
   <p:cSld>
     <p:spTree>
@@ -18222,7 +18605,7 @@
             <a:fld id="{2BF067CD-8E6B-4360-9AA8-C5DF2A48A6D1}" type="slidenum">
               <a:rPr lang="en-US" smtClean="0"/>
               <a:pPr/>
-              <a:t>28</a:t>
+              <a:t>29</a:t>
             </a:fld>
             <a:endParaRPr lang="en-US" dirty="0"/>
           </a:p>
@@ -18232,223 +18615,6 @@
     <p:extLst>
       <p:ext uri="{BB962C8B-B14F-4D97-AF65-F5344CB8AC3E}">
         <p14:creationId xmlns:p14="http://schemas.microsoft.com/office/powerpoint/2010/main" val="2671287617"/>
-      </p:ext>
-    </p:extLst>
-  </p:cSld>
-  <p:clrMapOvr>
-    <a:masterClrMapping/>
-  </p:clrMapOvr>
-  <mc:AlternateContent xmlns:mc="http://schemas.openxmlformats.org/markup-compatibility/2006" xmlns:p14="http://schemas.microsoft.com/office/powerpoint/2010/main">
-    <mc:Choice Requires="p14">
-      <p:transition spd="slow" p14:dur="2000" advClick="0" advTm="5000"/>
-    </mc:Choice>
-    <mc:Fallback xmlns="">
-      <p:transition spd="slow" advClick="0" advTm="5000"/>
-    </mc:Fallback>
-  </mc:AlternateContent>
-</p:sld>
-</file>
-
-<file path=ppt/slides/slide29.xml><?xml version="1.0" encoding="utf-8"?>
-<p:sld xmlns:a="http://schemas.openxmlformats.org/drawingml/2006/main" xmlns:r="http://schemas.openxmlformats.org/officeDocument/2006/relationships" xmlns:p="http://schemas.openxmlformats.org/presentationml/2006/main">
-  <p:cSld>
-    <p:spTree>
-      <p:nvGrpSpPr>
-        <p:cNvPr id="1" name=""/>
-        <p:cNvGrpSpPr/>
-        <p:nvPr/>
-      </p:nvGrpSpPr>
-      <p:grpSpPr>
-        <a:xfrm>
-          <a:off x="0" y="0"/>
-          <a:ext cx="0" cy="0"/>
-          <a:chOff x="0" y="0"/>
-          <a:chExt cx="0" cy="0"/>
-        </a:xfrm>
-      </p:grpSpPr>
-      <p:sp>
-        <p:nvSpPr>
-          <p:cNvPr id="2" name="Slide Number Placeholder 1">
-            <a:extLst>
-              <a:ext uri="{FF2B5EF4-FFF2-40B4-BE49-F238E27FC236}">
-                <a16:creationId xmlns:a16="http://schemas.microsoft.com/office/drawing/2014/main" id="{C5F5A5A6-98F8-CE9F-3EEA-482FB6B8E0AF}"/>
-              </a:ext>
-            </a:extLst>
-          </p:cNvPr>
-          <p:cNvSpPr>
-            <a:spLocks noGrp="1"/>
-          </p:cNvSpPr>
-          <p:nvPr>
-            <p:ph type="sldNum" sz="quarter" idx="5"/>
-          </p:nvPr>
-        </p:nvSpPr>
-        <p:spPr/>
-        <p:txBody>
-          <a:bodyPr/>
-          <a:lstStyle/>
-          <a:p>
-            <a:fld id="{2BF067CD-8E6B-4360-9AA8-C5DF2A48A6D1}" type="slidenum">
-              <a:rPr lang="en-US" smtClean="0"/>
-              <a:pPr/>
-              <a:t>29</a:t>
-            </a:fld>
-            <a:endParaRPr lang="en-US" dirty="0"/>
-          </a:p>
-        </p:txBody>
-      </p:sp>
-      <p:sp>
-        <p:nvSpPr>
-          <p:cNvPr id="3" name="Text Placeholder 2">
-            <a:extLst>
-              <a:ext uri="{FF2B5EF4-FFF2-40B4-BE49-F238E27FC236}">
-                <a16:creationId xmlns:a16="http://schemas.microsoft.com/office/drawing/2014/main" id="{D3FC3705-CD57-7C38-3DBC-82F04FE0DD7C}"/>
-              </a:ext>
-            </a:extLst>
-          </p:cNvPr>
-          <p:cNvSpPr>
-            <a:spLocks noGrp="1"/>
-          </p:cNvSpPr>
-          <p:nvPr>
-            <p:ph type="body" sz="quarter" idx="10"/>
-          </p:nvPr>
-        </p:nvSpPr>
-        <p:spPr/>
-        <p:txBody>
-          <a:bodyPr/>
-          <a:lstStyle/>
-          <a:p>
-            <a:r>
-              <a:rPr lang="en-US" dirty="0"/>
-              <a:t>This is a </a:t>
-            </a:r>
-            <a:r>
-              <a:rPr lang="en-US" b="1" dirty="0">
-                <a:solidFill>
-                  <a:schemeClr val="accent4"/>
-                </a:solidFill>
-              </a:rPr>
-              <a:t>sample HTML code</a:t>
-            </a:r>
-            <a:r>
-              <a:rPr lang="en-US" dirty="0"/>
-              <a:t>:</a:t>
-            </a:r>
-          </a:p>
-        </p:txBody>
-      </p:sp>
-      <p:sp>
-        <p:nvSpPr>
-          <p:cNvPr id="4" name="Title 3">
-            <a:extLst>
-              <a:ext uri="{FF2B5EF4-FFF2-40B4-BE49-F238E27FC236}">
-                <a16:creationId xmlns:a16="http://schemas.microsoft.com/office/drawing/2014/main" id="{3033BE1B-9EAD-3566-4D70-C6BA384B2565}"/>
-              </a:ext>
-            </a:extLst>
-          </p:cNvPr>
-          <p:cNvSpPr>
-            <a:spLocks noGrp="1"/>
-          </p:cNvSpPr>
-          <p:nvPr>
-            <p:ph type="title"/>
-          </p:nvPr>
-        </p:nvSpPr>
-        <p:spPr/>
-        <p:txBody>
-          <a:bodyPr/>
-          <a:lstStyle/>
-          <a:p>
-            <a:r>
-              <a:rPr lang="en-US" dirty="0"/>
-              <a:t>Code Example</a:t>
-            </a:r>
-          </a:p>
-        </p:txBody>
-      </p:sp>
-      <p:sp>
-        <p:nvSpPr>
-          <p:cNvPr id="5" name="Text Placeholder 4">
-            <a:extLst>
-              <a:ext uri="{FF2B5EF4-FFF2-40B4-BE49-F238E27FC236}">
-                <a16:creationId xmlns:a16="http://schemas.microsoft.com/office/drawing/2014/main" id="{C4125C3A-397C-A684-8C92-64309E74B868}"/>
-              </a:ext>
-            </a:extLst>
-          </p:cNvPr>
-          <p:cNvSpPr>
-            <a:spLocks noGrp="1"/>
-          </p:cNvSpPr>
-          <p:nvPr>
-            <p:ph type="body" sz="quarter" idx="13"/>
-          </p:nvPr>
-        </p:nvSpPr>
-        <p:spPr>
-          <a:xfrm>
-            <a:off x="615266" y="1998965"/>
-            <a:ext cx="10951753" cy="4361057"/>
-          </a:xfrm>
-        </p:spPr>
-        <p:txBody>
-          <a:bodyPr/>
-          <a:lstStyle/>
-          <a:p>
-            <a:r>
-              <a:rPr lang="en-US" dirty="0"/>
-              <a:t>&lt;!DOCTYPE html&gt;</a:t>
-            </a:r>
-          </a:p>
-          <a:p>
-            <a:r>
-              <a:rPr lang="en-US" dirty="0"/>
-              <a:t>&lt;html&gt;</a:t>
-            </a:r>
-          </a:p>
-          <a:p>
-            <a:r>
-              <a:rPr lang="en-US" dirty="0"/>
-              <a:t>  &lt;head&gt;</a:t>
-            </a:r>
-          </a:p>
-          <a:p>
-            <a:r>
-              <a:rPr lang="en-US" dirty="0"/>
-              <a:t>    &lt;title&gt;Sample HTML Page&lt;/title&gt;</a:t>
-            </a:r>
-          </a:p>
-          <a:p>
-            <a:r>
-              <a:rPr lang="en-US" dirty="0"/>
-              <a:t>  &lt;/head&gt;</a:t>
-            </a:r>
-          </a:p>
-          <a:p>
-            <a:r>
-              <a:rPr lang="en-US" dirty="0"/>
-              <a:t>&lt;body&gt;</a:t>
-            </a:r>
-          </a:p>
-          <a:p>
-            <a:r>
-              <a:rPr lang="en-US" dirty="0"/>
-              <a:t>  &lt;h1&gt;Hello, HTML!&lt;/h1&gt;</a:t>
-            </a:r>
-          </a:p>
-          <a:p>
-            <a:r>
-              <a:rPr lang="en-US" dirty="0"/>
-              <a:t>&lt;/body&gt;</a:t>
-            </a:r>
-          </a:p>
-          <a:p>
-            <a:r>
-              <a:rPr lang="en-US" dirty="0"/>
-              <a:t>&lt;/html&gt;</a:t>
-            </a:r>
-          </a:p>
-        </p:txBody>
-      </p:sp>
-    </p:spTree>
-    <p:extLst>
-      <p:ext uri="{BB962C8B-B14F-4D97-AF65-F5344CB8AC3E}">
-        <p14:creationId xmlns:p14="http://schemas.microsoft.com/office/powerpoint/2010/main" val="428787853"/>
       </p:ext>
     </p:extLst>
   </p:cSld>
@@ -18485,166 +18651,212 @@
       </p:grpSpPr>
       <p:sp>
         <p:nvSpPr>
-          <p:cNvPr id="2" name="Text Placeholder 1">
-            <a:extLst>
-              <a:ext uri="{FF2B5EF4-FFF2-40B4-BE49-F238E27FC236}">
-                <a16:creationId xmlns:a16="http://schemas.microsoft.com/office/drawing/2014/main" id="{80985012-EF4D-9BED-897B-F6D13EAD02FB}"/>
-              </a:ext>
-            </a:extLst>
-          </p:cNvPr>
+          <p:cNvPr id="444419" name="Rectangle 3"/>
           <p:cNvSpPr>
-            <a:spLocks noGrp="1"/>
+            <a:spLocks noGrp="1" noChangeArrowheads="1"/>
           </p:cNvSpPr>
           <p:nvPr>
             <p:ph type="body" sz="quarter" idx="13"/>
           </p:nvPr>
         </p:nvSpPr>
-        <p:spPr/>
+        <p:spPr>
+          <a:xfrm>
+            <a:off x="196714" y="1268760"/>
+            <a:ext cx="11802353" cy="5400601"/>
+          </a:xfrm>
+        </p:spPr>
         <p:txBody>
-          <a:bodyPr/>
+          <a:bodyPr>
+            <a:normAutofit/>
+          </a:bodyPr>
           <a:lstStyle/>
           <a:p>
-            <a:pPr>
-              <a:lnSpc>
-                <a:spcPct val="105000"/>
-              </a:lnSpc>
-            </a:pPr>
-            <a:r>
-              <a:rPr lang="en-US" sz="3200" dirty="0"/>
-              <a:t>Software engineer, educator, tech entrepreneur, author of 16 books, PhD</a:t>
-            </a:r>
-          </a:p>
-          <a:p>
-            <a:pPr marL="0" indent="0" algn="ctr">
-              <a:lnSpc>
-                <a:spcPct val="105000"/>
-              </a:lnSpc>
-              <a:buNone/>
-            </a:pPr>
-            <a:r>
-              <a:rPr lang="en-US" sz="3200" dirty="0">
-                <a:hlinkClick r:id="rId2"/>
-              </a:rPr>
-              <a:t>nakov.com</a:t>
-            </a:r>
-            <a:endParaRPr lang="bg-BG" sz="3200" dirty="0"/>
-          </a:p>
-          <a:p>
-            <a:pPr>
-              <a:lnSpc>
-                <a:spcPct val="105000"/>
-              </a:lnSpc>
-            </a:pPr>
-            <a:r>
-              <a:rPr lang="bg-BG" sz="3100" dirty="0"/>
-              <a:t>4 </a:t>
-            </a:r>
-            <a:r>
-              <a:rPr lang="en-US" sz="3100" dirty="0"/>
-              <a:t>successful tech education initiatives</a:t>
-            </a:r>
-            <a:endParaRPr lang="bg-BG" sz="3100" dirty="0"/>
-          </a:p>
-          <a:p>
-            <a:pPr lvl="1"/>
-            <a:r>
-              <a:rPr lang="en-US" sz="2800" b="1" dirty="0">
+            <a:r>
+              <a:rPr lang="en-US" b="1" dirty="0">
                 <a:solidFill>
                   <a:schemeClr val="accent4"/>
                 </a:solidFill>
               </a:rPr>
-              <a:t>National Academy for Software Development (NASD) </a:t>
-            </a:r>
-            <a:r>
-              <a:rPr lang="en-US" sz="2800" dirty="0"/>
-              <a:t>– 2004</a:t>
-            </a:r>
-            <a:endParaRPr lang="bg-BG" sz="2800" dirty="0"/>
-          </a:p>
-          <a:p>
-            <a:pPr lvl="1"/>
-            <a:r>
-              <a:rPr lang="en-US" sz="2800" b="1" dirty="0">
+              <a:t>AI Tools for Developers</a:t>
+            </a:r>
+            <a:r>
+              <a:rPr lang="en-US" dirty="0"/>
+              <a:t>: Evolution</a:t>
+            </a:r>
+          </a:p>
+          <a:p>
+            <a:r>
+              <a:rPr lang="en-US" b="1" dirty="0">
                 <a:solidFill>
                   <a:schemeClr val="accent4"/>
                 </a:solidFill>
               </a:rPr>
-              <a:t>Telerik Software Academy </a:t>
-            </a:r>
-            <a:r>
-              <a:rPr lang="en-US" sz="2800" dirty="0"/>
-              <a:t>– 2009</a:t>
-            </a:r>
-            <a:endParaRPr lang="bg-BG" sz="2800" dirty="0"/>
-          </a:p>
-          <a:p>
-            <a:pPr lvl="1"/>
-            <a:r>
-              <a:rPr lang="en-US" sz="2800" b="1" dirty="0">
+              <a:t>AI Chatbots for Coding</a:t>
+            </a:r>
+            <a:r>
+              <a:rPr lang="bg-BG" b="1" dirty="0">
                 <a:solidFill>
                   <a:schemeClr val="accent4"/>
                 </a:solidFill>
               </a:rPr>
-              <a:t>SoftUni (Software University) </a:t>
-            </a:r>
-            <a:r>
-              <a:rPr lang="en-US" sz="2800" dirty="0"/>
-              <a:t>– 2014</a:t>
-            </a:r>
-            <a:endParaRPr lang="bg-BG" sz="2800" dirty="0"/>
-          </a:p>
-          <a:p>
-            <a:pPr lvl="1"/>
-            <a:r>
-              <a:rPr lang="en-US" sz="2800" b="1" dirty="0">
+              <a:t> </a:t>
+            </a:r>
+            <a:r>
+              <a:rPr lang="en-US" dirty="0"/>
+              <a:t>(ChatGPT, Claude</a:t>
+            </a:r>
+            <a:r>
+              <a:rPr lang="bg-BG" dirty="0"/>
+              <a:t>)</a:t>
+            </a:r>
+            <a:endParaRPr lang="en-US" dirty="0"/>
+          </a:p>
+          <a:p>
+            <a:r>
+              <a:rPr lang="en-US" b="1" dirty="0">
                 <a:solidFill>
                   <a:schemeClr val="accent4"/>
                 </a:solidFill>
               </a:rPr>
-              <a:t>IT School "SoftUni BUDITEL" </a:t>
-            </a:r>
-            <a:r>
-              <a:rPr lang="en-US" sz="2800" dirty="0"/>
-              <a:t>– 2018</a:t>
+              <a:t>AI Coding Assistants</a:t>
+            </a:r>
+            <a:r>
+              <a:rPr lang="bg-BG" b="1" dirty="0">
+                <a:solidFill>
+                  <a:schemeClr val="accent4"/>
+                </a:solidFill>
+              </a:rPr>
+              <a:t> </a:t>
+            </a:r>
+            <a:r>
+              <a:rPr lang="bg-BG" dirty="0"/>
+              <a:t>(</a:t>
+            </a:r>
+            <a:r>
+              <a:rPr lang="en-US" dirty="0"/>
+              <a:t>Cursor</a:t>
+            </a:r>
+            <a:r>
+              <a:rPr lang="bg-BG" dirty="0"/>
+              <a:t>, </a:t>
+            </a:r>
+            <a:r>
+              <a:rPr lang="en-US" dirty="0"/>
+              <a:t>GitHub Copilot, </a:t>
+            </a:r>
+            <a:r>
+              <a:rPr lang="en-US" dirty="0" err="1"/>
+              <a:t>Tabnine</a:t>
+            </a:r>
+            <a:r>
+              <a:rPr lang="bg-BG" dirty="0"/>
+              <a:t>)</a:t>
             </a:r>
             <a:endParaRPr lang="en-US" dirty="0"/>
+          </a:p>
+          <a:p>
+            <a:r>
+              <a:rPr lang="en-US" b="1" dirty="0">
+                <a:solidFill>
+                  <a:schemeClr val="accent4"/>
+                </a:solidFill>
+              </a:rPr>
+              <a:t>AI Developer Agents </a:t>
+            </a:r>
+            <a:r>
+              <a:rPr lang="en-US" dirty="0"/>
+              <a:t>(Devin, Code Droid, </a:t>
+            </a:r>
+            <a:r>
+              <a:rPr lang="en-US" dirty="0" err="1"/>
+              <a:t>AutoCodeRover</a:t>
+            </a:r>
+            <a:r>
+              <a:rPr lang="en-US" dirty="0"/>
+              <a:t>)</a:t>
+            </a:r>
+          </a:p>
+          <a:p>
+            <a:r>
+              <a:rPr lang="en-US" b="1" dirty="0">
+                <a:solidFill>
+                  <a:schemeClr val="accent4"/>
+                </a:solidFill>
+              </a:rPr>
+              <a:t>AI as a Tool for Developers</a:t>
+            </a:r>
+            <a:r>
+              <a:rPr lang="en-US" dirty="0"/>
+              <a:t>, not a Replacement</a:t>
+            </a:r>
+          </a:p>
+          <a:p>
+            <a:r>
+              <a:rPr lang="en-US" b="1" dirty="0">
+                <a:solidFill>
+                  <a:schemeClr val="accent4"/>
+                </a:solidFill>
+              </a:rPr>
+              <a:t>Shifting Developer Skillsets </a:t>
+            </a:r>
+            <a:r>
+              <a:rPr lang="en-US" dirty="0"/>
+              <a:t>to Adopt AI</a:t>
+            </a:r>
+          </a:p>
+          <a:p>
+            <a:r>
+              <a:rPr lang="en-US" b="1" dirty="0">
+                <a:solidFill>
+                  <a:schemeClr val="accent4"/>
+                </a:solidFill>
+              </a:rPr>
+              <a:t>Developer Job Market</a:t>
+            </a:r>
+            <a:r>
+              <a:rPr lang="en-US" dirty="0"/>
+              <a:t>: Evolution</a:t>
+            </a:r>
+            <a:endParaRPr lang="en-GB" noProof="1"/>
           </a:p>
         </p:txBody>
       </p:sp>
       <p:sp>
         <p:nvSpPr>
-          <p:cNvPr id="4" name="Title 3">
-            <a:extLst>
-              <a:ext uri="{FF2B5EF4-FFF2-40B4-BE49-F238E27FC236}">
-                <a16:creationId xmlns:a16="http://schemas.microsoft.com/office/drawing/2014/main" id="{F721DDF1-81B7-EA4D-5C1E-FBEEDDD42902}"/>
-              </a:ext>
-            </a:extLst>
-          </p:cNvPr>
+          <p:cNvPr id="444418" name="Rectangle 2"/>
           <p:cNvSpPr>
-            <a:spLocks noGrp="1"/>
+            <a:spLocks noGrp="1" noChangeArrowheads="1"/>
           </p:cNvSpPr>
           <p:nvPr>
             <p:ph type="title"/>
           </p:nvPr>
         </p:nvSpPr>
-        <p:spPr/>
+        <p:spPr>
+          <a:xfrm>
+            <a:off x="190355" y="100750"/>
+            <a:ext cx="10768224" cy="882654"/>
+          </a:xfrm>
+        </p:spPr>
         <p:txBody>
-          <a:bodyPr/>
+          <a:bodyPr>
+            <a:normAutofit/>
+          </a:bodyPr>
           <a:lstStyle/>
           <a:p>
             <a:r>
               <a:rPr lang="en-US" dirty="0"/>
-              <a:t>About Svetlin Nakov</a:t>
-            </a:r>
+              <a:t>Table of Contents</a:t>
+            </a:r>
+            <a:endParaRPr lang="bg-BG" dirty="0"/>
           </a:p>
         </p:txBody>
       </p:sp>
       <p:sp>
         <p:nvSpPr>
-          <p:cNvPr id="5" name="Slide Number Placeholder 4">
+          <p:cNvPr id="7" name="Slide Number">
             <a:extLst>
               <a:ext uri="{FF2B5EF4-FFF2-40B4-BE49-F238E27FC236}">
-                <a16:creationId xmlns:a16="http://schemas.microsoft.com/office/drawing/2014/main" id="{042148A3-991A-1211-24B4-ABEC1C28BD4D}"/>
+                <a16:creationId xmlns:a16="http://schemas.microsoft.com/office/drawing/2014/main" id="{E99D54C6-28FF-420B-BFC9-3A8E9864D7A1}"/>
               </a:ext>
             </a:extLst>
           </p:cNvPr>
@@ -18655,58 +18867,33 @@
             <p:ph type="sldNum" sz="quarter" idx="5"/>
           </p:nvPr>
         </p:nvSpPr>
-        <p:spPr/>
+        <p:spPr>
+          <a:xfrm>
+            <a:off x="11711036" y="6507000"/>
+            <a:ext cx="409408" cy="297000"/>
+          </a:xfrm>
+        </p:spPr>
         <p:txBody>
-          <a:bodyPr/>
-          <a:lstStyle/>
+          <a:bodyPr vert="horz" lIns="91440" tIns="45720" rIns="91440" bIns="45720" rtlCol="0" anchor="b"/>
+          <a:lstStyle>
+            <a:lvl1pPr algn="r">
+              <a:defRPr sz="1000"/>
+            </a:lvl1pPr>
+          </a:lstStyle>
           <a:p>
             <a:fld id="{2BF067CD-8E6B-4360-9AA8-C5DF2A48A6D1}" type="slidenum">
-              <a:rPr lang="en-US" smtClean="0"/>
+              <a:rPr lang="en-US" noProof="0" smtClean="0"/>
               <a:pPr/>
               <a:t>3</a:t>
             </a:fld>
-            <a:endParaRPr lang="en-US" dirty="0"/>
+            <a:endParaRPr lang="en-US" noProof="0" dirty="0"/>
           </a:p>
         </p:txBody>
       </p:sp>
-      <p:pic>
-        <p:nvPicPr>
-          <p:cNvPr id="9" name="Picture Placeholder 8">
-            <a:extLst>
-              <a:ext uri="{FF2B5EF4-FFF2-40B4-BE49-F238E27FC236}">
-                <a16:creationId xmlns:a16="http://schemas.microsoft.com/office/drawing/2014/main" id="{5AEA5052-3312-6C9A-7051-128ADBA17958}"/>
-              </a:ext>
-            </a:extLst>
-          </p:cNvPr>
-          <p:cNvPicPr>
-            <a:picLocks noGrp="1" noChangeAspect="1"/>
-          </p:cNvPicPr>
-          <p:nvPr>
-            <p:ph type="pic" idx="1"/>
-          </p:nvPr>
-        </p:nvPicPr>
-        <p:blipFill>
-          <a:blip r:embed="rId3" cstate="screen">
-            <a:extLst>
-              <a:ext uri="{28A0092B-C50C-407E-A947-70E740481C1C}">
-                <a14:useLocalDpi xmlns:a14="http://schemas.microsoft.com/office/drawing/2010/main" val="0"/>
-              </a:ext>
-            </a:extLst>
-          </a:blip>
-          <a:srcRect/>
-          <a:stretch/>
-        </p:blipFill>
-        <p:spPr>
-          <a:xfrm>
-            <a:off x="261938" y="1265238"/>
-            <a:ext cx="3889375" cy="5319712"/>
-          </a:xfrm>
-        </p:spPr>
-      </p:pic>
     </p:spTree>
     <p:extLst>
       <p:ext uri="{BB962C8B-B14F-4D97-AF65-F5344CB8AC3E}">
-        <p14:creationId xmlns:p14="http://schemas.microsoft.com/office/powerpoint/2010/main" val="2277617954"/>
+        <p14:creationId xmlns:p14="http://schemas.microsoft.com/office/powerpoint/2010/main" val="3069790846"/>
       </p:ext>
     </p:extLst>
   </p:cSld>
@@ -18755,9 +18942,9 @@
                                           </p:stCondLst>
                                         </p:cTn>
                                         <p:tgtEl>
-                                          <p:spTgt spid="2">
+                                          <p:spTgt spid="444419">
                                             <p:txEl>
-                                              <p:pRg st="2" end="2"/>
+                                              <p:pRg st="1" end="1"/>
                                             </p:txEl>
                                           </p:spTgt>
                                         </p:tgtEl>
@@ -18804,9 +18991,9 @@
                                           </p:stCondLst>
                                         </p:cTn>
                                         <p:tgtEl>
-                                          <p:spTgt spid="2">
+                                          <p:spTgt spid="444419">
                                             <p:txEl>
-                                              <p:pRg st="3" end="3"/>
+                                              <p:pRg st="2" end="2"/>
                                             </p:txEl>
                                           </p:spTgt>
                                         </p:tgtEl>
@@ -18853,9 +19040,9 @@
                                           </p:stCondLst>
                                         </p:cTn>
                                         <p:tgtEl>
-                                          <p:spTgt spid="2">
+                                          <p:spTgt spid="444419">
                                             <p:txEl>
-                                              <p:pRg st="4" end="4"/>
+                                              <p:pRg st="3" end="3"/>
                                             </p:txEl>
                                           </p:spTgt>
                                         </p:tgtEl>
@@ -18902,9 +19089,9 @@
                                           </p:stCondLst>
                                         </p:cTn>
                                         <p:tgtEl>
-                                          <p:spTgt spid="2">
+                                          <p:spTgt spid="444419">
                                             <p:txEl>
-                                              <p:pRg st="5" end="5"/>
+                                              <p:pRg st="4" end="4"/>
                                             </p:txEl>
                                           </p:spTgt>
                                         </p:tgtEl>
@@ -18951,7 +19138,56 @@
                                           </p:stCondLst>
                                         </p:cTn>
                                         <p:tgtEl>
-                                          <p:spTgt spid="2">
+                                          <p:spTgt spid="444419">
+                                            <p:txEl>
+                                              <p:pRg st="5" end="5"/>
+                                            </p:txEl>
+                                          </p:spTgt>
+                                        </p:tgtEl>
+                                        <p:attrNameLst>
+                                          <p:attrName>style.visibility</p:attrName>
+                                        </p:attrNameLst>
+                                      </p:cBhvr>
+                                      <p:to>
+                                        <p:strVal val="visible"/>
+                                      </p:to>
+                                    </p:set>
+                                  </p:childTnLst>
+                                </p:cTn>
+                              </p:par>
+                            </p:childTnLst>
+                          </p:cTn>
+                        </p:par>
+                      </p:childTnLst>
+                    </p:cTn>
+                  </p:par>
+                  <p:par>
+                    <p:cTn id="23" fill="hold">
+                      <p:stCondLst>
+                        <p:cond delay="indefinite"/>
+                      </p:stCondLst>
+                      <p:childTnLst>
+                        <p:par>
+                          <p:cTn id="24" fill="hold">
+                            <p:stCondLst>
+                              <p:cond delay="0"/>
+                            </p:stCondLst>
+                            <p:childTnLst>
+                              <p:par>
+                                <p:cTn id="25" presetID="1" presetClass="entr" presetSubtype="0" fill="hold" nodeType="clickEffect">
+                                  <p:stCondLst>
+                                    <p:cond delay="0"/>
+                                  </p:stCondLst>
+                                  <p:childTnLst>
+                                    <p:set>
+                                      <p:cBhvr>
+                                        <p:cTn id="26" dur="1" fill="hold">
+                                          <p:stCondLst>
+                                            <p:cond delay="0"/>
+                                          </p:stCondLst>
+                                        </p:cTn>
+                                        <p:tgtEl>
+                                          <p:spTgt spid="444419">
                                             <p:txEl>
                                               <p:pRg st="6" end="6"/>
                                             </p:txEl>
@@ -19018,6 +19254,223 @@
       </p:grpSpPr>
       <p:sp>
         <p:nvSpPr>
+          <p:cNvPr id="2" name="Slide Number Placeholder 1">
+            <a:extLst>
+              <a:ext uri="{FF2B5EF4-FFF2-40B4-BE49-F238E27FC236}">
+                <a16:creationId xmlns:a16="http://schemas.microsoft.com/office/drawing/2014/main" id="{C5F5A5A6-98F8-CE9F-3EEA-482FB6B8E0AF}"/>
+              </a:ext>
+            </a:extLst>
+          </p:cNvPr>
+          <p:cNvSpPr>
+            <a:spLocks noGrp="1"/>
+          </p:cNvSpPr>
+          <p:nvPr>
+            <p:ph type="sldNum" sz="quarter" idx="5"/>
+          </p:nvPr>
+        </p:nvSpPr>
+        <p:spPr/>
+        <p:txBody>
+          <a:bodyPr/>
+          <a:lstStyle/>
+          <a:p>
+            <a:fld id="{2BF067CD-8E6B-4360-9AA8-C5DF2A48A6D1}" type="slidenum">
+              <a:rPr lang="en-US" smtClean="0"/>
+              <a:pPr/>
+              <a:t>30</a:t>
+            </a:fld>
+            <a:endParaRPr lang="en-US" dirty="0"/>
+          </a:p>
+        </p:txBody>
+      </p:sp>
+      <p:sp>
+        <p:nvSpPr>
+          <p:cNvPr id="3" name="Text Placeholder 2">
+            <a:extLst>
+              <a:ext uri="{FF2B5EF4-FFF2-40B4-BE49-F238E27FC236}">
+                <a16:creationId xmlns:a16="http://schemas.microsoft.com/office/drawing/2014/main" id="{D3FC3705-CD57-7C38-3DBC-82F04FE0DD7C}"/>
+              </a:ext>
+            </a:extLst>
+          </p:cNvPr>
+          <p:cNvSpPr>
+            <a:spLocks noGrp="1"/>
+          </p:cNvSpPr>
+          <p:nvPr>
+            <p:ph type="body" sz="quarter" idx="10"/>
+          </p:nvPr>
+        </p:nvSpPr>
+        <p:spPr/>
+        <p:txBody>
+          <a:bodyPr/>
+          <a:lstStyle/>
+          <a:p>
+            <a:r>
+              <a:rPr lang="en-US" dirty="0"/>
+              <a:t>This is a </a:t>
+            </a:r>
+            <a:r>
+              <a:rPr lang="en-US" b="1" dirty="0">
+                <a:solidFill>
+                  <a:schemeClr val="accent4"/>
+                </a:solidFill>
+              </a:rPr>
+              <a:t>sample HTML code</a:t>
+            </a:r>
+            <a:r>
+              <a:rPr lang="en-US" dirty="0"/>
+              <a:t>:</a:t>
+            </a:r>
+          </a:p>
+        </p:txBody>
+      </p:sp>
+      <p:sp>
+        <p:nvSpPr>
+          <p:cNvPr id="4" name="Title 3">
+            <a:extLst>
+              <a:ext uri="{FF2B5EF4-FFF2-40B4-BE49-F238E27FC236}">
+                <a16:creationId xmlns:a16="http://schemas.microsoft.com/office/drawing/2014/main" id="{3033BE1B-9EAD-3566-4D70-C6BA384B2565}"/>
+              </a:ext>
+            </a:extLst>
+          </p:cNvPr>
+          <p:cNvSpPr>
+            <a:spLocks noGrp="1"/>
+          </p:cNvSpPr>
+          <p:nvPr>
+            <p:ph type="title"/>
+          </p:nvPr>
+        </p:nvSpPr>
+        <p:spPr/>
+        <p:txBody>
+          <a:bodyPr/>
+          <a:lstStyle/>
+          <a:p>
+            <a:r>
+              <a:rPr lang="en-US" dirty="0"/>
+              <a:t>Code Example</a:t>
+            </a:r>
+          </a:p>
+        </p:txBody>
+      </p:sp>
+      <p:sp>
+        <p:nvSpPr>
+          <p:cNvPr id="5" name="Text Placeholder 4">
+            <a:extLst>
+              <a:ext uri="{FF2B5EF4-FFF2-40B4-BE49-F238E27FC236}">
+                <a16:creationId xmlns:a16="http://schemas.microsoft.com/office/drawing/2014/main" id="{C4125C3A-397C-A684-8C92-64309E74B868}"/>
+              </a:ext>
+            </a:extLst>
+          </p:cNvPr>
+          <p:cNvSpPr>
+            <a:spLocks noGrp="1"/>
+          </p:cNvSpPr>
+          <p:nvPr>
+            <p:ph type="body" sz="quarter" idx="13"/>
+          </p:nvPr>
+        </p:nvSpPr>
+        <p:spPr>
+          <a:xfrm>
+            <a:off x="615266" y="1998965"/>
+            <a:ext cx="10951753" cy="4361057"/>
+          </a:xfrm>
+        </p:spPr>
+        <p:txBody>
+          <a:bodyPr/>
+          <a:lstStyle/>
+          <a:p>
+            <a:r>
+              <a:rPr lang="en-US" dirty="0"/>
+              <a:t>&lt;!DOCTYPE html&gt;</a:t>
+            </a:r>
+          </a:p>
+          <a:p>
+            <a:r>
+              <a:rPr lang="en-US" dirty="0"/>
+              <a:t>&lt;html&gt;</a:t>
+            </a:r>
+          </a:p>
+          <a:p>
+            <a:r>
+              <a:rPr lang="en-US" dirty="0"/>
+              <a:t>  &lt;head&gt;</a:t>
+            </a:r>
+          </a:p>
+          <a:p>
+            <a:r>
+              <a:rPr lang="en-US" dirty="0"/>
+              <a:t>    &lt;title&gt;Sample HTML Page&lt;/title&gt;</a:t>
+            </a:r>
+          </a:p>
+          <a:p>
+            <a:r>
+              <a:rPr lang="en-US" dirty="0"/>
+              <a:t>  &lt;/head&gt;</a:t>
+            </a:r>
+          </a:p>
+          <a:p>
+            <a:r>
+              <a:rPr lang="en-US" dirty="0"/>
+              <a:t>&lt;body&gt;</a:t>
+            </a:r>
+          </a:p>
+          <a:p>
+            <a:r>
+              <a:rPr lang="en-US" dirty="0"/>
+              <a:t>  &lt;h1&gt;Hello, HTML!&lt;/h1&gt;</a:t>
+            </a:r>
+          </a:p>
+          <a:p>
+            <a:r>
+              <a:rPr lang="en-US" dirty="0"/>
+              <a:t>&lt;/body&gt;</a:t>
+            </a:r>
+          </a:p>
+          <a:p>
+            <a:r>
+              <a:rPr lang="en-US" dirty="0"/>
+              <a:t>&lt;/html&gt;</a:t>
+            </a:r>
+          </a:p>
+        </p:txBody>
+      </p:sp>
+    </p:spTree>
+    <p:extLst>
+      <p:ext uri="{BB962C8B-B14F-4D97-AF65-F5344CB8AC3E}">
+        <p14:creationId xmlns:p14="http://schemas.microsoft.com/office/powerpoint/2010/main" val="428787853"/>
+      </p:ext>
+    </p:extLst>
+  </p:cSld>
+  <p:clrMapOvr>
+    <a:masterClrMapping/>
+  </p:clrMapOvr>
+  <mc:AlternateContent xmlns:mc="http://schemas.openxmlformats.org/markup-compatibility/2006" xmlns:p14="http://schemas.microsoft.com/office/powerpoint/2010/main">
+    <mc:Choice Requires="p14">
+      <p:transition spd="slow" p14:dur="2000" advClick="0" advTm="5000"/>
+    </mc:Choice>
+    <mc:Fallback xmlns="">
+      <p:transition spd="slow" advClick="0" advTm="5000"/>
+    </mc:Fallback>
+  </mc:AlternateContent>
+</p:sld>
+</file>
+
+<file path=ppt/slides/slide31.xml><?xml version="1.0" encoding="utf-8"?>
+<p:sld xmlns:a="http://schemas.openxmlformats.org/drawingml/2006/main" xmlns:r="http://schemas.openxmlformats.org/officeDocument/2006/relationships" xmlns:p="http://schemas.openxmlformats.org/presentationml/2006/main">
+  <p:cSld>
+    <p:spTree>
+      <p:nvGrpSpPr>
+        <p:cNvPr id="1" name=""/>
+        <p:cNvGrpSpPr/>
+        <p:nvPr/>
+      </p:nvGrpSpPr>
+      <p:grpSpPr>
+        <a:xfrm>
+          <a:off x="0" y="0"/>
+          <a:ext cx="0" cy="0"/>
+          <a:chOff x="0" y="0"/>
+          <a:chExt cx="0" cy="0"/>
+        </a:xfrm>
+      </p:grpSpPr>
+      <p:sp>
+        <p:nvSpPr>
           <p:cNvPr id="463875" name="Rectangle 3"/>
           <p:cNvSpPr>
             <a:spLocks noGrp="1" noChangeArrowheads="1"/>
@@ -19919,7 +20372,7 @@
             <a:fld id="{2BF067CD-8E6B-4360-9AA8-C5DF2A48A6D1}" type="slidenum">
               <a:rPr lang="en-US" noProof="0" smtClean="0"/>
               <a:pPr/>
-              <a:t>30</a:t>
+              <a:t>31</a:t>
             </a:fld>
             <a:endParaRPr lang="en-US" noProof="0" dirty="0"/>
           </a:p>
@@ -20211,7 +20664,7 @@
 </p:sld>
 </file>
 
-<file path=ppt/slides/slide31.xml><?xml version="1.0" encoding="utf-8"?>
+<file path=ppt/slides/slide32.xml><?xml version="1.0" encoding="utf-8"?>
 <p:sld xmlns:a="http://schemas.openxmlformats.org/drawingml/2006/main" xmlns:r="http://schemas.openxmlformats.org/officeDocument/2006/relationships" xmlns:p="http://schemas.openxmlformats.org/presentationml/2006/main">
   <p:cSld>
     <p:spTree>
@@ -20481,7 +20934,7 @@
             <a:fld id="{2BF067CD-8E6B-4360-9AA8-C5DF2A48A6D1}" type="slidenum">
               <a:rPr lang="en-US" smtClean="0"/>
               <a:pPr/>
-              <a:t>31</a:t>
+              <a:t>32</a:t>
             </a:fld>
             <a:endParaRPr lang="en-US" dirty="0"/>
           </a:p>
@@ -20760,7 +21213,7 @@
 </p:sld>
 </file>
 
-<file path=ppt/slides/slide32.xml><?xml version="1.0" encoding="utf-8"?>
+<file path=ppt/slides/slide33.xml><?xml version="1.0" encoding="utf-8"?>
 <p:sld xmlns:a="http://schemas.openxmlformats.org/drawingml/2006/main" xmlns:r="http://schemas.openxmlformats.org/officeDocument/2006/relationships" xmlns:p="http://schemas.openxmlformats.org/presentationml/2006/main">
   <p:cSld>
     <p:spTree>
@@ -21001,7 +21454,7 @@
             <a:fld id="{2BF067CD-8E6B-4360-9AA8-C5DF2A48A6D1}" type="slidenum">
               <a:rPr lang="en-US" noProof="0" smtClean="0"/>
               <a:pPr/>
-              <a:t>32</a:t>
+              <a:t>33</a:t>
             </a:fld>
             <a:endParaRPr lang="en-US" noProof="0" dirty="0"/>
           </a:p>
@@ -21548,7 +22001,7 @@
 </p:sld>
 </file>
 
-<file path=ppt/slides/slide33.xml><?xml version="1.0" encoding="utf-8"?>
+<file path=ppt/slides/slide34.xml><?xml version="1.0" encoding="utf-8"?>
 <p:sld xmlns:a="http://schemas.openxmlformats.org/drawingml/2006/main" xmlns:r="http://schemas.openxmlformats.org/officeDocument/2006/relationships" xmlns:p="http://schemas.openxmlformats.org/presentationml/2006/main">
   <p:cSld>
     <p:spTree>
@@ -21648,7 +22101,7 @@
             <a:fld id="{2BF067CD-8E6B-4360-9AA8-C5DF2A48A6D1}" type="slidenum">
               <a:rPr lang="en-US" smtClean="0"/>
               <a:pPr/>
-              <a:t>33</a:t>
+              <a:t>34</a:t>
             </a:fld>
             <a:endParaRPr lang="en-US" dirty="0"/>
           </a:p>
@@ -21658,110 +22111,6 @@
     <p:extLst>
       <p:ext uri="{BB962C8B-B14F-4D97-AF65-F5344CB8AC3E}">
         <p14:creationId xmlns:p14="http://schemas.microsoft.com/office/powerpoint/2010/main" val="3169028235"/>
-      </p:ext>
-    </p:extLst>
-  </p:cSld>
-  <p:clrMapOvr>
-    <a:masterClrMapping/>
-  </p:clrMapOvr>
-  <mc:AlternateContent xmlns:mc="http://schemas.openxmlformats.org/markup-compatibility/2006" xmlns:p14="http://schemas.microsoft.com/office/powerpoint/2010/main">
-    <mc:Choice Requires="p14">
-      <p:transition spd="slow" p14:dur="2000" advClick="0" advTm="5000"/>
-    </mc:Choice>
-    <mc:Fallback xmlns="">
-      <p:transition spd="slow" advClick="0" advTm="5000"/>
-    </mc:Fallback>
-  </mc:AlternateContent>
-</p:sld>
-</file>
-
-<file path=ppt/slides/slide34.xml><?xml version="1.0" encoding="utf-8"?>
-<p:sld xmlns:a="http://schemas.openxmlformats.org/drawingml/2006/main" xmlns:r="http://schemas.openxmlformats.org/officeDocument/2006/relationships" xmlns:p="http://schemas.openxmlformats.org/presentationml/2006/main">
-  <p:cSld>
-    <p:spTree>
-      <p:nvGrpSpPr>
-        <p:cNvPr id="1" name=""/>
-        <p:cNvGrpSpPr/>
-        <p:nvPr/>
-      </p:nvGrpSpPr>
-      <p:grpSpPr>
-        <a:xfrm>
-          <a:off x="0" y="0"/>
-          <a:ext cx="0" cy="0"/>
-          <a:chOff x="0" y="0"/>
-          <a:chExt cx="0" cy="0"/>
-        </a:xfrm>
-      </p:grpSpPr>
-      <p:sp>
-        <p:nvSpPr>
-          <p:cNvPr id="5" name="Title 4">
-            <a:extLst>
-              <a:ext uri="{FF2B5EF4-FFF2-40B4-BE49-F238E27FC236}">
-                <a16:creationId xmlns:a16="http://schemas.microsoft.com/office/drawing/2014/main" id="{1B93DF2E-4AD7-CA83-A8CE-1547A35E9E29}"/>
-              </a:ext>
-            </a:extLst>
-          </p:cNvPr>
-          <p:cNvSpPr>
-            <a:spLocks noGrp="1"/>
-          </p:cNvSpPr>
-          <p:nvPr>
-            <p:ph type="title"/>
-          </p:nvPr>
-        </p:nvSpPr>
-        <p:spPr>
-          <a:xfrm>
-            <a:off x="1953952" y="2132856"/>
-            <a:ext cx="8280920" cy="2232248"/>
-          </a:xfrm>
-        </p:spPr>
-        <p:txBody>
-          <a:bodyPr>
-            <a:normAutofit/>
-          </a:bodyPr>
-          <a:lstStyle/>
-          <a:p>
-            <a:pPr algn="ctr"/>
-            <a:r>
-              <a:rPr lang="en-US" sz="6000" dirty="0"/>
-              <a:t>Blank Slide</a:t>
-            </a:r>
-          </a:p>
-        </p:txBody>
-      </p:sp>
-      <p:sp>
-        <p:nvSpPr>
-          <p:cNvPr id="4" name="Slide Number Placeholder 3">
-            <a:extLst>
-              <a:ext uri="{FF2B5EF4-FFF2-40B4-BE49-F238E27FC236}">
-                <a16:creationId xmlns:a16="http://schemas.microsoft.com/office/drawing/2014/main" id="{2AE6C6A7-CF4B-54A5-BA52-08C42BC8AF3C}"/>
-              </a:ext>
-            </a:extLst>
-          </p:cNvPr>
-          <p:cNvSpPr>
-            <a:spLocks noGrp="1"/>
-          </p:cNvSpPr>
-          <p:nvPr>
-            <p:ph type="sldNum" sz="quarter" idx="5"/>
-          </p:nvPr>
-        </p:nvSpPr>
-        <p:spPr/>
-        <p:txBody>
-          <a:bodyPr/>
-          <a:lstStyle/>
-          <a:p>
-            <a:fld id="{2BF067CD-8E6B-4360-9AA8-C5DF2A48A6D1}" type="slidenum">
-              <a:rPr lang="en-US" smtClean="0"/>
-              <a:pPr/>
-              <a:t>34</a:t>
-            </a:fld>
-            <a:endParaRPr lang="en-US" dirty="0"/>
-          </a:p>
-        </p:txBody>
-      </p:sp>
-    </p:spTree>
-    <p:extLst>
-      <p:ext uri="{BB962C8B-B14F-4D97-AF65-F5344CB8AC3E}">
-        <p14:creationId xmlns:p14="http://schemas.microsoft.com/office/powerpoint/2010/main" val="2274902179"/>
       </p:ext>
     </p:extLst>
   </p:cSld>
@@ -21798,6 +22147,110 @@
       </p:grpSpPr>
       <p:sp>
         <p:nvSpPr>
+          <p:cNvPr id="5" name="Title 4">
+            <a:extLst>
+              <a:ext uri="{FF2B5EF4-FFF2-40B4-BE49-F238E27FC236}">
+                <a16:creationId xmlns:a16="http://schemas.microsoft.com/office/drawing/2014/main" id="{1B93DF2E-4AD7-CA83-A8CE-1547A35E9E29}"/>
+              </a:ext>
+            </a:extLst>
+          </p:cNvPr>
+          <p:cNvSpPr>
+            <a:spLocks noGrp="1"/>
+          </p:cNvSpPr>
+          <p:nvPr>
+            <p:ph type="title"/>
+          </p:nvPr>
+        </p:nvSpPr>
+        <p:spPr>
+          <a:xfrm>
+            <a:off x="1953952" y="2132856"/>
+            <a:ext cx="8280920" cy="2232248"/>
+          </a:xfrm>
+        </p:spPr>
+        <p:txBody>
+          <a:bodyPr>
+            <a:normAutofit/>
+          </a:bodyPr>
+          <a:lstStyle/>
+          <a:p>
+            <a:pPr algn="ctr"/>
+            <a:r>
+              <a:rPr lang="en-US" sz="6000" dirty="0"/>
+              <a:t>Blank Slide</a:t>
+            </a:r>
+          </a:p>
+        </p:txBody>
+      </p:sp>
+      <p:sp>
+        <p:nvSpPr>
+          <p:cNvPr id="4" name="Slide Number Placeholder 3">
+            <a:extLst>
+              <a:ext uri="{FF2B5EF4-FFF2-40B4-BE49-F238E27FC236}">
+                <a16:creationId xmlns:a16="http://schemas.microsoft.com/office/drawing/2014/main" id="{2AE6C6A7-CF4B-54A5-BA52-08C42BC8AF3C}"/>
+              </a:ext>
+            </a:extLst>
+          </p:cNvPr>
+          <p:cNvSpPr>
+            <a:spLocks noGrp="1"/>
+          </p:cNvSpPr>
+          <p:nvPr>
+            <p:ph type="sldNum" sz="quarter" idx="5"/>
+          </p:nvPr>
+        </p:nvSpPr>
+        <p:spPr/>
+        <p:txBody>
+          <a:bodyPr/>
+          <a:lstStyle/>
+          <a:p>
+            <a:fld id="{2BF067CD-8E6B-4360-9AA8-C5DF2A48A6D1}" type="slidenum">
+              <a:rPr lang="en-US" smtClean="0"/>
+              <a:pPr/>
+              <a:t>35</a:t>
+            </a:fld>
+            <a:endParaRPr lang="en-US" dirty="0"/>
+          </a:p>
+        </p:txBody>
+      </p:sp>
+    </p:spTree>
+    <p:extLst>
+      <p:ext uri="{BB962C8B-B14F-4D97-AF65-F5344CB8AC3E}">
+        <p14:creationId xmlns:p14="http://schemas.microsoft.com/office/powerpoint/2010/main" val="2274902179"/>
+      </p:ext>
+    </p:extLst>
+  </p:cSld>
+  <p:clrMapOvr>
+    <a:masterClrMapping/>
+  </p:clrMapOvr>
+  <mc:AlternateContent xmlns:mc="http://schemas.openxmlformats.org/markup-compatibility/2006" xmlns:p14="http://schemas.microsoft.com/office/powerpoint/2010/main">
+    <mc:Choice Requires="p14">
+      <p:transition spd="slow" p14:dur="2000" advClick="0" advTm="5000"/>
+    </mc:Choice>
+    <mc:Fallback xmlns="">
+      <p:transition spd="slow" advClick="0" advTm="5000"/>
+    </mc:Fallback>
+  </mc:AlternateContent>
+</p:sld>
+</file>
+
+<file path=ppt/slides/slide36.xml><?xml version="1.0" encoding="utf-8"?>
+<p:sld xmlns:a="http://schemas.openxmlformats.org/drawingml/2006/main" xmlns:r="http://schemas.openxmlformats.org/officeDocument/2006/relationships" xmlns:p="http://schemas.openxmlformats.org/presentationml/2006/main">
+  <p:cSld>
+    <p:spTree>
+      <p:nvGrpSpPr>
+        <p:cNvPr id="1" name=""/>
+        <p:cNvGrpSpPr/>
+        <p:nvPr/>
+      </p:nvGrpSpPr>
+      <p:grpSpPr>
+        <a:xfrm>
+          <a:off x="0" y="0"/>
+          <a:ext cx="0" cy="0"/>
+          <a:chOff x="0" y="0"/>
+          <a:chExt cx="0" cy="0"/>
+        </a:xfrm>
+      </p:grpSpPr>
+      <p:sp>
+        <p:nvSpPr>
           <p:cNvPr id="8" name="Title 7">
             <a:extLst>
               <a:ext uri="{FF2B5EF4-FFF2-40B4-BE49-F238E27FC236}">
@@ -21848,7 +22301,7 @@
             <a:fld id="{2BF067CD-8E6B-4360-9AA8-C5DF2A48A6D1}" type="slidenum">
               <a:rPr lang="en-US" smtClean="0"/>
               <a:pPr/>
-              <a:t>35</a:t>
+              <a:t>36</a:t>
             </a:fld>
             <a:endParaRPr lang="en-US" dirty="0"/>
           </a:p>
@@ -22260,7 +22713,7 @@
 </p:sld>
 </file>
 
-<file path=ppt/slides/slide36.xml><?xml version="1.0" encoding="utf-8"?>
+<file path=ppt/slides/slide37.xml><?xml version="1.0" encoding="utf-8"?>
 <p:sld xmlns:a="http://schemas.openxmlformats.org/drawingml/2006/main" xmlns:r="http://schemas.openxmlformats.org/officeDocument/2006/relationships" xmlns:p="http://schemas.openxmlformats.org/presentationml/2006/main">
   <p:cSld>
     <p:spTree>
@@ -22462,7 +22915,7 @@
             <a:fld id="{2BF067CD-8E6B-4360-9AA8-C5DF2A48A6D1}" type="slidenum">
               <a:rPr lang="en-US" smtClean="0"/>
               <a:pPr/>
-              <a:t>36</a:t>
+              <a:t>37</a:t>
             </a:fld>
             <a:endParaRPr lang="en-US" dirty="0"/>
           </a:p>
@@ -22759,7 +23212,7 @@
 </p:sld>
 </file>
 
-<file path=ppt/slides/slide37.xml><?xml version="1.0" encoding="utf-8"?>
+<file path=ppt/slides/slide38.xml><?xml version="1.0" encoding="utf-8"?>
 <p:sld xmlns:a="http://schemas.openxmlformats.org/drawingml/2006/main" xmlns:r="http://schemas.openxmlformats.org/officeDocument/2006/relationships" xmlns:p="http://schemas.openxmlformats.org/presentationml/2006/main">
   <p:cSld>
     <p:spTree>
@@ -22935,7 +23388,7 @@
             <a:fld id="{2BF067CD-8E6B-4360-9AA8-C5DF2A48A6D1}" type="slidenum">
               <a:rPr lang="en-US" smtClean="0"/>
               <a:pPr/>
-              <a:t>37</a:t>
+              <a:t>38</a:t>
             </a:fld>
             <a:endParaRPr lang="en-US" dirty="0"/>
           </a:p>
@@ -23252,7 +23705,7 @@
 </p:sld>
 </file>
 
-<file path=ppt/slides/slide38.xml><?xml version="1.0" encoding="utf-8"?>
+<file path=ppt/slides/slide39.xml><?xml version="1.0" encoding="utf-8"?>
 <p:sld xmlns:a="http://schemas.openxmlformats.org/drawingml/2006/main" xmlns:r="http://schemas.openxmlformats.org/officeDocument/2006/relationships" xmlns:p="http://schemas.openxmlformats.org/presentationml/2006/main">
   <p:cSld>
     <p:spTree>
@@ -23321,7 +23774,7 @@
             <a:fld id="{2BF067CD-8E6B-4360-9AA8-C5DF2A48A6D1}" type="slidenum">
               <a:rPr lang="en-US" smtClean="0"/>
               <a:pPr/>
-              <a:t>38</a:t>
+              <a:t>39</a:t>
             </a:fld>
             <a:endParaRPr lang="en-US" dirty="0"/>
           </a:p>
@@ -23348,7 +23801,540 @@
 </p:sld>
 </file>
 
-<file path=ppt/slides/slide39.xml><?xml version="1.0" encoding="utf-8"?>
+<file path=ppt/slides/slide4.xml><?xml version="1.0" encoding="utf-8"?>
+<p:sld xmlns:a="http://schemas.openxmlformats.org/drawingml/2006/main" xmlns:r="http://schemas.openxmlformats.org/officeDocument/2006/relationships" xmlns:p="http://schemas.openxmlformats.org/presentationml/2006/main">
+  <p:cSld>
+    <p:spTree>
+      <p:nvGrpSpPr>
+        <p:cNvPr id="1" name=""/>
+        <p:cNvGrpSpPr/>
+        <p:nvPr/>
+      </p:nvGrpSpPr>
+      <p:grpSpPr>
+        <a:xfrm>
+          <a:off x="0" y="0"/>
+          <a:ext cx="0" cy="0"/>
+          <a:chOff x="0" y="0"/>
+          <a:chExt cx="0" cy="0"/>
+        </a:xfrm>
+      </p:grpSpPr>
+      <p:sp>
+        <p:nvSpPr>
+          <p:cNvPr id="2" name="Text Placeholder 1">
+            <a:extLst>
+              <a:ext uri="{FF2B5EF4-FFF2-40B4-BE49-F238E27FC236}">
+                <a16:creationId xmlns:a16="http://schemas.microsoft.com/office/drawing/2014/main" id="{80985012-EF4D-9BED-897B-F6D13EAD02FB}"/>
+              </a:ext>
+            </a:extLst>
+          </p:cNvPr>
+          <p:cNvSpPr>
+            <a:spLocks noGrp="1"/>
+          </p:cNvSpPr>
+          <p:nvPr>
+            <p:ph type="body" sz="quarter" idx="13"/>
+          </p:nvPr>
+        </p:nvSpPr>
+        <p:spPr/>
+        <p:txBody>
+          <a:bodyPr/>
+          <a:lstStyle/>
+          <a:p>
+            <a:pPr>
+              <a:lnSpc>
+                <a:spcPct val="105000"/>
+              </a:lnSpc>
+            </a:pPr>
+            <a:r>
+              <a:rPr lang="en-US" sz="3200" dirty="0"/>
+              <a:t>Software engineer, educator, tech entrepreneur, author of 16 books, PhD</a:t>
+            </a:r>
+          </a:p>
+          <a:p>
+            <a:pPr marL="0" indent="0" algn="ctr">
+              <a:lnSpc>
+                <a:spcPct val="105000"/>
+              </a:lnSpc>
+              <a:buNone/>
+            </a:pPr>
+            <a:r>
+              <a:rPr lang="en-US" sz="3200" dirty="0">
+                <a:hlinkClick r:id="rId2"/>
+              </a:rPr>
+              <a:t>nakov.com</a:t>
+            </a:r>
+            <a:endParaRPr lang="bg-BG" sz="3200" dirty="0"/>
+          </a:p>
+          <a:p>
+            <a:pPr>
+              <a:lnSpc>
+                <a:spcPct val="105000"/>
+              </a:lnSpc>
+            </a:pPr>
+            <a:r>
+              <a:rPr lang="bg-BG" sz="3100" dirty="0"/>
+              <a:t>4 </a:t>
+            </a:r>
+            <a:r>
+              <a:rPr lang="en-US" sz="3100" dirty="0"/>
+              <a:t>successful tech education initiatives</a:t>
+            </a:r>
+            <a:endParaRPr lang="bg-BG" sz="3100" dirty="0"/>
+          </a:p>
+          <a:p>
+            <a:pPr lvl="1"/>
+            <a:r>
+              <a:rPr lang="en-US" sz="2800" b="1" dirty="0">
+                <a:solidFill>
+                  <a:schemeClr val="accent4"/>
+                </a:solidFill>
+              </a:rPr>
+              <a:t>National Academy for Software Development (NASD) </a:t>
+            </a:r>
+            <a:r>
+              <a:rPr lang="en-US" sz="2800" dirty="0"/>
+              <a:t>– 2004</a:t>
+            </a:r>
+            <a:endParaRPr lang="bg-BG" sz="2800" dirty="0"/>
+          </a:p>
+          <a:p>
+            <a:pPr lvl="1"/>
+            <a:r>
+              <a:rPr lang="en-US" sz="2800" b="1" dirty="0">
+                <a:solidFill>
+                  <a:schemeClr val="accent4"/>
+                </a:solidFill>
+              </a:rPr>
+              <a:t>Telerik Software Academy </a:t>
+            </a:r>
+            <a:r>
+              <a:rPr lang="en-US" sz="2800" dirty="0"/>
+              <a:t>– 2009</a:t>
+            </a:r>
+            <a:endParaRPr lang="bg-BG" sz="2800" dirty="0"/>
+          </a:p>
+          <a:p>
+            <a:pPr lvl="1"/>
+            <a:r>
+              <a:rPr lang="en-US" sz="2800" b="1" dirty="0">
+                <a:solidFill>
+                  <a:schemeClr val="accent4"/>
+                </a:solidFill>
+              </a:rPr>
+              <a:t>SoftUni (Software University) </a:t>
+            </a:r>
+            <a:r>
+              <a:rPr lang="en-US" sz="2800" dirty="0"/>
+              <a:t>– 2014</a:t>
+            </a:r>
+            <a:endParaRPr lang="bg-BG" sz="2800" dirty="0"/>
+          </a:p>
+          <a:p>
+            <a:pPr lvl="1"/>
+            <a:r>
+              <a:rPr lang="en-US" sz="2800" b="1" dirty="0">
+                <a:solidFill>
+                  <a:schemeClr val="accent4"/>
+                </a:solidFill>
+              </a:rPr>
+              <a:t>IT School "SoftUni BUDITEL" </a:t>
+            </a:r>
+            <a:r>
+              <a:rPr lang="en-US" sz="2800" dirty="0"/>
+              <a:t>– 2018</a:t>
+            </a:r>
+            <a:endParaRPr lang="en-US" dirty="0"/>
+          </a:p>
+        </p:txBody>
+      </p:sp>
+      <p:sp>
+        <p:nvSpPr>
+          <p:cNvPr id="4" name="Title 3">
+            <a:extLst>
+              <a:ext uri="{FF2B5EF4-FFF2-40B4-BE49-F238E27FC236}">
+                <a16:creationId xmlns:a16="http://schemas.microsoft.com/office/drawing/2014/main" id="{F721DDF1-81B7-EA4D-5C1E-FBEEDDD42902}"/>
+              </a:ext>
+            </a:extLst>
+          </p:cNvPr>
+          <p:cNvSpPr>
+            <a:spLocks noGrp="1"/>
+          </p:cNvSpPr>
+          <p:nvPr>
+            <p:ph type="title"/>
+          </p:nvPr>
+        </p:nvSpPr>
+        <p:spPr/>
+        <p:txBody>
+          <a:bodyPr/>
+          <a:lstStyle/>
+          <a:p>
+            <a:r>
+              <a:rPr lang="en-US" dirty="0"/>
+              <a:t>About Svetlin Nakov</a:t>
+            </a:r>
+          </a:p>
+        </p:txBody>
+      </p:sp>
+      <p:sp>
+        <p:nvSpPr>
+          <p:cNvPr id="5" name="Slide Number Placeholder 4">
+            <a:extLst>
+              <a:ext uri="{FF2B5EF4-FFF2-40B4-BE49-F238E27FC236}">
+                <a16:creationId xmlns:a16="http://schemas.microsoft.com/office/drawing/2014/main" id="{042148A3-991A-1211-24B4-ABEC1C28BD4D}"/>
+              </a:ext>
+            </a:extLst>
+          </p:cNvPr>
+          <p:cNvSpPr>
+            <a:spLocks noGrp="1"/>
+          </p:cNvSpPr>
+          <p:nvPr>
+            <p:ph type="sldNum" sz="quarter" idx="5"/>
+          </p:nvPr>
+        </p:nvSpPr>
+        <p:spPr/>
+        <p:txBody>
+          <a:bodyPr/>
+          <a:lstStyle/>
+          <a:p>
+            <a:fld id="{2BF067CD-8E6B-4360-9AA8-C5DF2A48A6D1}" type="slidenum">
+              <a:rPr lang="en-US" smtClean="0"/>
+              <a:pPr/>
+              <a:t>4</a:t>
+            </a:fld>
+            <a:endParaRPr lang="en-US" dirty="0"/>
+          </a:p>
+        </p:txBody>
+      </p:sp>
+      <p:pic>
+        <p:nvPicPr>
+          <p:cNvPr id="9" name="Picture Placeholder 8">
+            <a:extLst>
+              <a:ext uri="{FF2B5EF4-FFF2-40B4-BE49-F238E27FC236}">
+                <a16:creationId xmlns:a16="http://schemas.microsoft.com/office/drawing/2014/main" id="{5AEA5052-3312-6C9A-7051-128ADBA17958}"/>
+              </a:ext>
+            </a:extLst>
+          </p:cNvPr>
+          <p:cNvPicPr>
+            <a:picLocks noGrp="1" noChangeAspect="1"/>
+          </p:cNvPicPr>
+          <p:nvPr>
+            <p:ph type="pic" idx="1"/>
+          </p:nvPr>
+        </p:nvPicPr>
+        <p:blipFill>
+          <a:blip r:embed="rId3" cstate="screen">
+            <a:extLst>
+              <a:ext uri="{28A0092B-C50C-407E-A947-70E740481C1C}">
+                <a14:useLocalDpi xmlns:a14="http://schemas.microsoft.com/office/drawing/2010/main" val="0"/>
+              </a:ext>
+            </a:extLst>
+          </a:blip>
+          <a:srcRect/>
+          <a:stretch/>
+        </p:blipFill>
+        <p:spPr>
+          <a:xfrm>
+            <a:off x="261938" y="1265238"/>
+            <a:ext cx="3889375" cy="5319712"/>
+          </a:xfrm>
+        </p:spPr>
+      </p:pic>
+    </p:spTree>
+    <p:extLst>
+      <p:ext uri="{BB962C8B-B14F-4D97-AF65-F5344CB8AC3E}">
+        <p14:creationId xmlns:p14="http://schemas.microsoft.com/office/powerpoint/2010/main" val="2277617954"/>
+      </p:ext>
+    </p:extLst>
+  </p:cSld>
+  <p:clrMapOvr>
+    <a:masterClrMapping/>
+  </p:clrMapOvr>
+  <mc:AlternateContent xmlns:mc="http://schemas.openxmlformats.org/markup-compatibility/2006" xmlns:p14="http://schemas.microsoft.com/office/powerpoint/2010/main">
+    <mc:Choice Requires="p14">
+      <p:transition spd="slow" p14:dur="2000" advClick="0" advTm="5000"/>
+    </mc:Choice>
+    <mc:Fallback xmlns="">
+      <p:transition spd="slow" advClick="0" advTm="5000"/>
+    </mc:Fallback>
+  </mc:AlternateContent>
+  <p:timing>
+    <p:tnLst>
+      <p:par>
+        <p:cTn id="1" dur="indefinite" restart="never" nodeType="tmRoot">
+          <p:childTnLst>
+            <p:seq concurrent="1" nextAc="seek">
+              <p:cTn id="2" dur="indefinite" nodeType="mainSeq">
+                <p:childTnLst>
+                  <p:par>
+                    <p:cTn id="3" fill="hold">
+                      <p:stCondLst>
+                        <p:cond delay="indefinite"/>
+                      </p:stCondLst>
+                      <p:childTnLst>
+                        <p:par>
+                          <p:cTn id="4" fill="hold">
+                            <p:stCondLst>
+                              <p:cond delay="0"/>
+                            </p:stCondLst>
+                            <p:childTnLst>
+                              <p:par>
+                                <p:cTn id="5" presetID="1" presetClass="entr" presetSubtype="0" fill="hold" nodeType="clickEffect">
+                                  <p:stCondLst>
+                                    <p:cond delay="0"/>
+                                  </p:stCondLst>
+                                  <p:childTnLst>
+                                    <p:set>
+                                      <p:cBhvr>
+                                        <p:cTn id="6" dur="1" fill="hold">
+                                          <p:stCondLst>
+                                            <p:cond delay="0"/>
+                                          </p:stCondLst>
+                                        </p:cTn>
+                                        <p:tgtEl>
+                                          <p:spTgt spid="2">
+                                            <p:txEl>
+                                              <p:pRg st="2" end="2"/>
+                                            </p:txEl>
+                                          </p:spTgt>
+                                        </p:tgtEl>
+                                        <p:attrNameLst>
+                                          <p:attrName>style.visibility</p:attrName>
+                                        </p:attrNameLst>
+                                      </p:cBhvr>
+                                      <p:to>
+                                        <p:strVal val="visible"/>
+                                      </p:to>
+                                    </p:set>
+                                  </p:childTnLst>
+                                </p:cTn>
+                              </p:par>
+                            </p:childTnLst>
+                          </p:cTn>
+                        </p:par>
+                      </p:childTnLst>
+                    </p:cTn>
+                  </p:par>
+                  <p:par>
+                    <p:cTn id="7" fill="hold">
+                      <p:stCondLst>
+                        <p:cond delay="indefinite"/>
+                      </p:stCondLst>
+                      <p:childTnLst>
+                        <p:par>
+                          <p:cTn id="8" fill="hold">
+                            <p:stCondLst>
+                              <p:cond delay="0"/>
+                            </p:stCondLst>
+                            <p:childTnLst>
+                              <p:par>
+                                <p:cTn id="9" presetID="1" presetClass="entr" presetSubtype="0" fill="hold" nodeType="clickEffect">
+                                  <p:stCondLst>
+                                    <p:cond delay="0"/>
+                                  </p:stCondLst>
+                                  <p:childTnLst>
+                                    <p:set>
+                                      <p:cBhvr>
+                                        <p:cTn id="10" dur="1" fill="hold">
+                                          <p:stCondLst>
+                                            <p:cond delay="0"/>
+                                          </p:stCondLst>
+                                        </p:cTn>
+                                        <p:tgtEl>
+                                          <p:spTgt spid="2">
+                                            <p:txEl>
+                                              <p:pRg st="3" end="3"/>
+                                            </p:txEl>
+                                          </p:spTgt>
+                                        </p:tgtEl>
+                                        <p:attrNameLst>
+                                          <p:attrName>style.visibility</p:attrName>
+                                        </p:attrNameLst>
+                                      </p:cBhvr>
+                                      <p:to>
+                                        <p:strVal val="visible"/>
+                                      </p:to>
+                                    </p:set>
+                                  </p:childTnLst>
+                                </p:cTn>
+                              </p:par>
+                            </p:childTnLst>
+                          </p:cTn>
+                        </p:par>
+                      </p:childTnLst>
+                    </p:cTn>
+                  </p:par>
+                  <p:par>
+                    <p:cTn id="11" fill="hold">
+                      <p:stCondLst>
+                        <p:cond delay="indefinite"/>
+                      </p:stCondLst>
+                      <p:childTnLst>
+                        <p:par>
+                          <p:cTn id="12" fill="hold">
+                            <p:stCondLst>
+                              <p:cond delay="0"/>
+                            </p:stCondLst>
+                            <p:childTnLst>
+                              <p:par>
+                                <p:cTn id="13" presetID="1" presetClass="entr" presetSubtype="0" fill="hold" nodeType="clickEffect">
+                                  <p:stCondLst>
+                                    <p:cond delay="0"/>
+                                  </p:stCondLst>
+                                  <p:childTnLst>
+                                    <p:set>
+                                      <p:cBhvr>
+                                        <p:cTn id="14" dur="1" fill="hold">
+                                          <p:stCondLst>
+                                            <p:cond delay="0"/>
+                                          </p:stCondLst>
+                                        </p:cTn>
+                                        <p:tgtEl>
+                                          <p:spTgt spid="2">
+                                            <p:txEl>
+                                              <p:pRg st="4" end="4"/>
+                                            </p:txEl>
+                                          </p:spTgt>
+                                        </p:tgtEl>
+                                        <p:attrNameLst>
+                                          <p:attrName>style.visibility</p:attrName>
+                                        </p:attrNameLst>
+                                      </p:cBhvr>
+                                      <p:to>
+                                        <p:strVal val="visible"/>
+                                      </p:to>
+                                    </p:set>
+                                  </p:childTnLst>
+                                </p:cTn>
+                              </p:par>
+                            </p:childTnLst>
+                          </p:cTn>
+                        </p:par>
+                      </p:childTnLst>
+                    </p:cTn>
+                  </p:par>
+                  <p:par>
+                    <p:cTn id="15" fill="hold">
+                      <p:stCondLst>
+                        <p:cond delay="indefinite"/>
+                      </p:stCondLst>
+                      <p:childTnLst>
+                        <p:par>
+                          <p:cTn id="16" fill="hold">
+                            <p:stCondLst>
+                              <p:cond delay="0"/>
+                            </p:stCondLst>
+                            <p:childTnLst>
+                              <p:par>
+                                <p:cTn id="17" presetID="1" presetClass="entr" presetSubtype="0" fill="hold" nodeType="clickEffect">
+                                  <p:stCondLst>
+                                    <p:cond delay="0"/>
+                                  </p:stCondLst>
+                                  <p:childTnLst>
+                                    <p:set>
+                                      <p:cBhvr>
+                                        <p:cTn id="18" dur="1" fill="hold">
+                                          <p:stCondLst>
+                                            <p:cond delay="0"/>
+                                          </p:stCondLst>
+                                        </p:cTn>
+                                        <p:tgtEl>
+                                          <p:spTgt spid="2">
+                                            <p:txEl>
+                                              <p:pRg st="5" end="5"/>
+                                            </p:txEl>
+                                          </p:spTgt>
+                                        </p:tgtEl>
+                                        <p:attrNameLst>
+                                          <p:attrName>style.visibility</p:attrName>
+                                        </p:attrNameLst>
+                                      </p:cBhvr>
+                                      <p:to>
+                                        <p:strVal val="visible"/>
+                                      </p:to>
+                                    </p:set>
+                                  </p:childTnLst>
+                                </p:cTn>
+                              </p:par>
+                            </p:childTnLst>
+                          </p:cTn>
+                        </p:par>
+                      </p:childTnLst>
+                    </p:cTn>
+                  </p:par>
+                  <p:par>
+                    <p:cTn id="19" fill="hold">
+                      <p:stCondLst>
+                        <p:cond delay="indefinite"/>
+                      </p:stCondLst>
+                      <p:childTnLst>
+                        <p:par>
+                          <p:cTn id="20" fill="hold">
+                            <p:stCondLst>
+                              <p:cond delay="0"/>
+                            </p:stCondLst>
+                            <p:childTnLst>
+                              <p:par>
+                                <p:cTn id="21" presetID="1" presetClass="entr" presetSubtype="0" fill="hold" nodeType="clickEffect">
+                                  <p:stCondLst>
+                                    <p:cond delay="0"/>
+                                  </p:stCondLst>
+                                  <p:childTnLst>
+                                    <p:set>
+                                      <p:cBhvr>
+                                        <p:cTn id="22" dur="1" fill="hold">
+                                          <p:stCondLst>
+                                            <p:cond delay="0"/>
+                                          </p:stCondLst>
+                                        </p:cTn>
+                                        <p:tgtEl>
+                                          <p:spTgt spid="2">
+                                            <p:txEl>
+                                              <p:pRg st="6" end="6"/>
+                                            </p:txEl>
+                                          </p:spTgt>
+                                        </p:tgtEl>
+                                        <p:attrNameLst>
+                                          <p:attrName>style.visibility</p:attrName>
+                                        </p:attrNameLst>
+                                      </p:cBhvr>
+                                      <p:to>
+                                        <p:strVal val="visible"/>
+                                      </p:to>
+                                    </p:set>
+                                  </p:childTnLst>
+                                </p:cTn>
+                              </p:par>
+                            </p:childTnLst>
+                          </p:cTn>
+                        </p:par>
+                      </p:childTnLst>
+                    </p:cTn>
+                  </p:par>
+                </p:childTnLst>
+              </p:cTn>
+              <p:prevCondLst>
+                <p:cond evt="onPrev" delay="0">
+                  <p:tgtEl>
+                    <p:sldTgt/>
+                  </p:tgtEl>
+                </p:cond>
+              </p:prevCondLst>
+              <p:nextCondLst>
+                <p:cond evt="onNext" delay="0">
+                  <p:tgtEl>
+                    <p:sldTgt/>
+                  </p:tgtEl>
+                </p:cond>
+              </p:nextCondLst>
+            </p:seq>
+          </p:childTnLst>
+        </p:cTn>
+      </p:par>
+    </p:tnLst>
+  </p:timing>
+</p:sld>
+</file>
+
+<file path=ppt/slides/slide40.xml><?xml version="1.0" encoding="utf-8"?>
 <p:sld xmlns:a="http://schemas.openxmlformats.org/drawingml/2006/main" xmlns:r="http://schemas.openxmlformats.org/officeDocument/2006/relationships" xmlns:p="http://schemas.openxmlformats.org/presentationml/2006/main">
   <p:cSld>
     <p:spTree>
@@ -23456,7 +24442,7 @@
             <a:fld id="{2BF067CD-8E6B-4360-9AA8-C5DF2A48A6D1}" type="slidenum">
               <a:rPr lang="en-US" smtClean="0"/>
               <a:pPr/>
-              <a:t>39</a:t>
+              <a:t>40</a:t>
             </a:fld>
             <a:endParaRPr lang="en-US" dirty="0"/>
           </a:p>
@@ -23813,199 +24799,7 @@
 </p:sld>
 </file>
 
-<file path=ppt/slides/slide4.xml><?xml version="1.0" encoding="utf-8"?>
-<p:sld xmlns:a="http://schemas.openxmlformats.org/drawingml/2006/main" xmlns:r="http://schemas.openxmlformats.org/officeDocument/2006/relationships" xmlns:p="http://schemas.openxmlformats.org/presentationml/2006/main">
-  <p:cSld>
-    <p:spTree>
-      <p:nvGrpSpPr>
-        <p:cNvPr id="1" name=""/>
-        <p:cNvGrpSpPr/>
-        <p:nvPr/>
-      </p:nvGrpSpPr>
-      <p:grpSpPr>
-        <a:xfrm>
-          <a:off x="0" y="0"/>
-          <a:ext cx="0" cy="0"/>
-          <a:chOff x="0" y="0"/>
-          <a:chExt cx="0" cy="0"/>
-        </a:xfrm>
-      </p:grpSpPr>
-      <p:sp>
-        <p:nvSpPr>
-          <p:cNvPr id="2" name="Text Placeholder 1">
-            <a:extLst>
-              <a:ext uri="{FF2B5EF4-FFF2-40B4-BE49-F238E27FC236}">
-                <a16:creationId xmlns:a16="http://schemas.microsoft.com/office/drawing/2014/main" id="{CF050F4A-36FB-6DF1-9916-27CCD4C20168}"/>
-              </a:ext>
-            </a:extLst>
-          </p:cNvPr>
-          <p:cNvSpPr>
-            <a:spLocks noGrp="1"/>
-          </p:cNvSpPr>
-          <p:nvPr>
-            <p:ph type="body" sz="quarter" idx="11"/>
-          </p:nvPr>
-        </p:nvSpPr>
-        <p:spPr>
-          <a:xfrm>
-            <a:off x="1565930" y="1484525"/>
-            <a:ext cx="9056966" cy="1296403"/>
-          </a:xfrm>
-        </p:spPr>
-        <p:txBody>
-          <a:bodyPr/>
-          <a:lstStyle/>
-          <a:p>
-            <a:r>
-              <a:rPr lang="en-GB"/>
-              <a:t>Evolution: AI Chatbots </a:t>
-            </a:r>
-            <a:r>
-              <a:rPr lang="en-GB">
-                <a:sym typeface="Wingdings" panose="05000000000000000000" pitchFamily="2" charset="2"/>
-              </a:rPr>
-              <a:t> AI Coding Assistants  AI Dev Agents</a:t>
-            </a:r>
-            <a:endParaRPr lang="en-US" dirty="0"/>
-          </a:p>
-        </p:txBody>
-      </p:sp>
-      <p:sp>
-        <p:nvSpPr>
-          <p:cNvPr id="3" name="Title 2">
-            <a:extLst>
-              <a:ext uri="{FF2B5EF4-FFF2-40B4-BE49-F238E27FC236}">
-                <a16:creationId xmlns:a16="http://schemas.microsoft.com/office/drawing/2014/main" id="{DE60BD5A-8C10-4CC3-39C4-82F381F8471C}"/>
-              </a:ext>
-            </a:extLst>
-          </p:cNvPr>
-          <p:cNvSpPr>
-            <a:spLocks noGrp="1"/>
-          </p:cNvSpPr>
-          <p:nvPr>
-            <p:ph type="title"/>
-          </p:nvPr>
-        </p:nvSpPr>
-        <p:spPr>
-          <a:xfrm>
-            <a:off x="614949" y="548680"/>
-            <a:ext cx="10958928" cy="780383"/>
-          </a:xfrm>
-        </p:spPr>
-        <p:txBody>
-          <a:bodyPr/>
-          <a:lstStyle/>
-          <a:p>
-            <a:r>
-              <a:rPr lang="en-US"/>
-              <a:t>AI Tools for Developers</a:t>
-            </a:r>
-            <a:endParaRPr lang="en-US" dirty="0"/>
-          </a:p>
-        </p:txBody>
-      </p:sp>
-      <p:pic>
-        <p:nvPicPr>
-          <p:cNvPr id="11" name="Picture Placeholder 10">
-            <a:extLst>
-              <a:ext uri="{FF2B5EF4-FFF2-40B4-BE49-F238E27FC236}">
-                <a16:creationId xmlns:a16="http://schemas.microsoft.com/office/drawing/2014/main" id="{073C6204-64AE-D03E-F742-96684D4C047C}"/>
-              </a:ext>
-            </a:extLst>
-          </p:cNvPr>
-          <p:cNvPicPr>
-            <a:picLocks noGrp="1" noChangeAspect="1"/>
-          </p:cNvPicPr>
-          <p:nvPr>
-            <p:ph type="pic" sz="quarter" idx="12"/>
-          </p:nvPr>
-        </p:nvPicPr>
-        <p:blipFill>
-          <a:blip r:embed="rId2" cstate="screen">
-            <a:extLst>
-              <a:ext uri="{28A0092B-C50C-407E-A947-70E740481C1C}">
-                <a14:useLocalDpi xmlns:a14="http://schemas.microsoft.com/office/drawing/2010/main" val="0"/>
-              </a:ext>
-            </a:extLst>
-          </a:blip>
-          <a:srcRect/>
-          <a:stretch/>
-        </p:blipFill>
-        <p:spPr>
-          <a:xfrm>
-            <a:off x="3009606" y="3160607"/>
-            <a:ext cx="6169613" cy="3076705"/>
-          </a:xfrm>
-          <a:ln>
-            <a:solidFill>
-              <a:schemeClr val="tx1">
-                <a:lumMod val="40000"/>
-                <a:lumOff val="60000"/>
-              </a:schemeClr>
-            </a:solidFill>
-          </a:ln>
-        </p:spPr>
-      </p:pic>
-      <p:sp>
-        <p:nvSpPr>
-          <p:cNvPr id="5" name="Slide Number Placeholder 4">
-            <a:extLst>
-              <a:ext uri="{FF2B5EF4-FFF2-40B4-BE49-F238E27FC236}">
-                <a16:creationId xmlns:a16="http://schemas.microsoft.com/office/drawing/2014/main" id="{830EFD6E-63CE-F41F-E267-CB0C49E28951}"/>
-              </a:ext>
-            </a:extLst>
-          </p:cNvPr>
-          <p:cNvSpPr>
-            <a:spLocks noGrp="1"/>
-          </p:cNvSpPr>
-          <p:nvPr>
-            <p:ph type="sldNum" sz="quarter" idx="5"/>
-          </p:nvPr>
-        </p:nvSpPr>
-        <p:spPr>
-          <a:xfrm>
-            <a:off x="11753030" y="6507000"/>
-            <a:ext cx="367414" cy="297000"/>
-          </a:xfrm>
-          <a:prstGeom prst="rect">
-            <a:avLst/>
-          </a:prstGeom>
-        </p:spPr>
-        <p:txBody>
-          <a:bodyPr/>
-          <a:lstStyle/>
-          <a:p>
-            <a:fld id="{2BF067CD-8E6B-4360-9AA8-C5DF2A48A6D1}" type="slidenum">
-              <a:rPr lang="en-US" smtClean="0"/>
-              <a:pPr/>
-              <a:t>4</a:t>
-            </a:fld>
-            <a:endParaRPr lang="en-US" dirty="0"/>
-          </a:p>
-        </p:txBody>
-      </p:sp>
-    </p:spTree>
-    <p:extLst>
-      <p:ext uri="{BB962C8B-B14F-4D97-AF65-F5344CB8AC3E}">
-        <p14:creationId xmlns:p14="http://schemas.microsoft.com/office/powerpoint/2010/main" val="1516416620"/>
-      </p:ext>
-    </p:extLst>
-  </p:cSld>
-  <p:clrMapOvr>
-    <a:masterClrMapping/>
-  </p:clrMapOvr>
-  <mc:AlternateContent xmlns:mc="http://schemas.openxmlformats.org/markup-compatibility/2006" xmlns:p14="http://schemas.microsoft.com/office/powerpoint/2010/main">
-    <mc:Choice Requires="p14">
-      <p:transition spd="slow" p14:dur="2000" advClick="0" advTm="5000"/>
-    </mc:Choice>
-    <mc:Fallback xmlns="">
-      <p:transition spd="slow" advClick="0" advTm="5000"/>
-    </mc:Fallback>
-  </mc:AlternateContent>
-</p:sld>
-</file>
-
-<file path=ppt/slides/slide40.xml><?xml version="1.0" encoding="utf-8"?>
+<file path=ppt/slides/slide41.xml><?xml version="1.0" encoding="utf-8"?>
 <p:sld xmlns:a="http://schemas.openxmlformats.org/drawingml/2006/main" xmlns:r="http://schemas.openxmlformats.org/officeDocument/2006/relationships" xmlns:p="http://schemas.openxmlformats.org/presentationml/2006/main" show="0">
   <p:cSld>
     <p:spTree>
@@ -24275,7 +25069,7 @@
             <a:fld id="{2BF067CD-8E6B-4360-9AA8-C5DF2A48A6D1}" type="slidenum">
               <a:rPr lang="en-US" noProof="0" smtClean="0"/>
               <a:pPr/>
-              <a:t>40</a:t>
+              <a:t>41</a:t>
             </a:fld>
             <a:endParaRPr lang="en-US" noProof="0" dirty="0"/>
           </a:p>
@@ -24302,7 +25096,7 @@
 </p:sld>
 </file>
 
-<file path=ppt/slides/slide41.xml><?xml version="1.0" encoding="utf-8"?>
+<file path=ppt/slides/slide42.xml><?xml version="1.0" encoding="utf-8"?>
 <p:sld xmlns:a="http://schemas.openxmlformats.org/drawingml/2006/main" xmlns:r="http://schemas.openxmlformats.org/officeDocument/2006/relationships" xmlns:p="http://schemas.openxmlformats.org/presentationml/2006/main" show="0">
   <p:cSld>
     <p:spTree>
@@ -24347,7 +25141,7 @@
             <a:fld id="{2BF067CD-8E6B-4360-9AA8-C5DF2A48A6D1}" type="slidenum">
               <a:rPr lang="en-US" noProof="0" smtClean="0"/>
               <a:pPr/>
-              <a:t>41</a:t>
+              <a:t>42</a:t>
             </a:fld>
             <a:endParaRPr lang="en-US" noProof="0" dirty="0"/>
           </a:p>
@@ -24898,6 +25692,198 @@
       </p:grpSpPr>
       <p:sp>
         <p:nvSpPr>
+          <p:cNvPr id="2" name="Text Placeholder 1">
+            <a:extLst>
+              <a:ext uri="{FF2B5EF4-FFF2-40B4-BE49-F238E27FC236}">
+                <a16:creationId xmlns:a16="http://schemas.microsoft.com/office/drawing/2014/main" id="{CF050F4A-36FB-6DF1-9916-27CCD4C20168}"/>
+              </a:ext>
+            </a:extLst>
+          </p:cNvPr>
+          <p:cNvSpPr>
+            <a:spLocks noGrp="1"/>
+          </p:cNvSpPr>
+          <p:nvPr>
+            <p:ph type="body" sz="quarter" idx="11"/>
+          </p:nvPr>
+        </p:nvSpPr>
+        <p:spPr>
+          <a:xfrm>
+            <a:off x="1565930" y="1484525"/>
+            <a:ext cx="9056966" cy="1296403"/>
+          </a:xfrm>
+        </p:spPr>
+        <p:txBody>
+          <a:bodyPr/>
+          <a:lstStyle/>
+          <a:p>
+            <a:r>
+              <a:rPr lang="en-GB"/>
+              <a:t>Evolution: AI Chatbots </a:t>
+            </a:r>
+            <a:r>
+              <a:rPr lang="en-GB">
+                <a:sym typeface="Wingdings" panose="05000000000000000000" pitchFamily="2" charset="2"/>
+              </a:rPr>
+              <a:t> AI Coding Assistants  AI Dev Agents</a:t>
+            </a:r>
+            <a:endParaRPr lang="en-US" dirty="0"/>
+          </a:p>
+        </p:txBody>
+      </p:sp>
+      <p:sp>
+        <p:nvSpPr>
+          <p:cNvPr id="3" name="Title 2">
+            <a:extLst>
+              <a:ext uri="{FF2B5EF4-FFF2-40B4-BE49-F238E27FC236}">
+                <a16:creationId xmlns:a16="http://schemas.microsoft.com/office/drawing/2014/main" id="{DE60BD5A-8C10-4CC3-39C4-82F381F8471C}"/>
+              </a:ext>
+            </a:extLst>
+          </p:cNvPr>
+          <p:cNvSpPr>
+            <a:spLocks noGrp="1"/>
+          </p:cNvSpPr>
+          <p:nvPr>
+            <p:ph type="title"/>
+          </p:nvPr>
+        </p:nvSpPr>
+        <p:spPr>
+          <a:xfrm>
+            <a:off x="614949" y="548680"/>
+            <a:ext cx="10958928" cy="780383"/>
+          </a:xfrm>
+        </p:spPr>
+        <p:txBody>
+          <a:bodyPr/>
+          <a:lstStyle/>
+          <a:p>
+            <a:r>
+              <a:rPr lang="en-US"/>
+              <a:t>AI Tools for Developers</a:t>
+            </a:r>
+            <a:endParaRPr lang="en-US" dirty="0"/>
+          </a:p>
+        </p:txBody>
+      </p:sp>
+      <p:pic>
+        <p:nvPicPr>
+          <p:cNvPr id="11" name="Picture Placeholder 10">
+            <a:extLst>
+              <a:ext uri="{FF2B5EF4-FFF2-40B4-BE49-F238E27FC236}">
+                <a16:creationId xmlns:a16="http://schemas.microsoft.com/office/drawing/2014/main" id="{073C6204-64AE-D03E-F742-96684D4C047C}"/>
+              </a:ext>
+            </a:extLst>
+          </p:cNvPr>
+          <p:cNvPicPr>
+            <a:picLocks noGrp="1" noChangeAspect="1"/>
+          </p:cNvPicPr>
+          <p:nvPr>
+            <p:ph type="pic" sz="quarter" idx="12"/>
+          </p:nvPr>
+        </p:nvPicPr>
+        <p:blipFill>
+          <a:blip r:embed="rId2" cstate="screen">
+            <a:extLst>
+              <a:ext uri="{28A0092B-C50C-407E-A947-70E740481C1C}">
+                <a14:useLocalDpi xmlns:a14="http://schemas.microsoft.com/office/drawing/2010/main" val="0"/>
+              </a:ext>
+            </a:extLst>
+          </a:blip>
+          <a:srcRect/>
+          <a:stretch/>
+        </p:blipFill>
+        <p:spPr>
+          <a:xfrm>
+            <a:off x="3009606" y="3160607"/>
+            <a:ext cx="6169613" cy="3076705"/>
+          </a:xfrm>
+          <a:ln>
+            <a:solidFill>
+              <a:schemeClr val="tx1">
+                <a:lumMod val="40000"/>
+                <a:lumOff val="60000"/>
+              </a:schemeClr>
+            </a:solidFill>
+          </a:ln>
+        </p:spPr>
+      </p:pic>
+      <p:sp>
+        <p:nvSpPr>
+          <p:cNvPr id="5" name="Slide Number Placeholder 4">
+            <a:extLst>
+              <a:ext uri="{FF2B5EF4-FFF2-40B4-BE49-F238E27FC236}">
+                <a16:creationId xmlns:a16="http://schemas.microsoft.com/office/drawing/2014/main" id="{830EFD6E-63CE-F41F-E267-CB0C49E28951}"/>
+              </a:ext>
+            </a:extLst>
+          </p:cNvPr>
+          <p:cNvSpPr>
+            <a:spLocks noGrp="1"/>
+          </p:cNvSpPr>
+          <p:nvPr>
+            <p:ph type="sldNum" sz="quarter" idx="5"/>
+          </p:nvPr>
+        </p:nvSpPr>
+        <p:spPr>
+          <a:xfrm>
+            <a:off x="11753030" y="6507000"/>
+            <a:ext cx="367414" cy="297000"/>
+          </a:xfrm>
+          <a:prstGeom prst="rect">
+            <a:avLst/>
+          </a:prstGeom>
+        </p:spPr>
+        <p:txBody>
+          <a:bodyPr/>
+          <a:lstStyle/>
+          <a:p>
+            <a:fld id="{2BF067CD-8E6B-4360-9AA8-C5DF2A48A6D1}" type="slidenum">
+              <a:rPr lang="en-US" smtClean="0"/>
+              <a:pPr/>
+              <a:t>5</a:t>
+            </a:fld>
+            <a:endParaRPr lang="en-US" dirty="0"/>
+          </a:p>
+        </p:txBody>
+      </p:sp>
+    </p:spTree>
+    <p:extLst>
+      <p:ext uri="{BB962C8B-B14F-4D97-AF65-F5344CB8AC3E}">
+        <p14:creationId xmlns:p14="http://schemas.microsoft.com/office/powerpoint/2010/main" val="1516416620"/>
+      </p:ext>
+    </p:extLst>
+  </p:cSld>
+  <p:clrMapOvr>
+    <a:masterClrMapping/>
+  </p:clrMapOvr>
+  <mc:AlternateContent xmlns:mc="http://schemas.openxmlformats.org/markup-compatibility/2006" xmlns:p14="http://schemas.microsoft.com/office/powerpoint/2010/main">
+    <mc:Choice Requires="p14">
+      <p:transition spd="slow" p14:dur="2000" advClick="0" advTm="5000"/>
+    </mc:Choice>
+    <mc:Fallback xmlns="">
+      <p:transition spd="slow" advClick="0" advTm="5000"/>
+    </mc:Fallback>
+  </mc:AlternateContent>
+</p:sld>
+</file>
+
+<file path=ppt/slides/slide6.xml><?xml version="1.0" encoding="utf-8"?>
+<p:sld xmlns:a="http://schemas.openxmlformats.org/drawingml/2006/main" xmlns:r="http://schemas.openxmlformats.org/officeDocument/2006/relationships" xmlns:p="http://schemas.openxmlformats.org/presentationml/2006/main">
+  <p:cSld>
+    <p:spTree>
+      <p:nvGrpSpPr>
+        <p:cNvPr id="1" name=""/>
+        <p:cNvGrpSpPr/>
+        <p:nvPr/>
+      </p:nvGrpSpPr>
+      <p:grpSpPr>
+        <a:xfrm>
+          <a:off x="0" y="0"/>
+          <a:ext cx="0" cy="0"/>
+          <a:chOff x="0" y="0"/>
+          <a:chExt cx="0" cy="0"/>
+        </a:xfrm>
+      </p:grpSpPr>
+      <p:sp>
+        <p:nvSpPr>
           <p:cNvPr id="6" name="Text Placeholder 5">
             <a:extLst>
               <a:ext uri="{FF2B5EF4-FFF2-40B4-BE49-F238E27FC236}">
@@ -25103,7 +26089,7 @@
             <a:fld id="{2BF067CD-8E6B-4360-9AA8-C5DF2A48A6D1}" type="slidenum">
               <a:rPr lang="en-US" noProof="0" smtClean="0"/>
               <a:pPr/>
-              <a:t>5</a:t>
+              <a:t>6</a:t>
             </a:fld>
             <a:endParaRPr lang="en-US" noProof="0" dirty="0"/>
           </a:p>
@@ -25454,7 +26440,7 @@
 </p:sld>
 </file>
 
-<file path=ppt/slides/slide6.xml><?xml version="1.0" encoding="utf-8"?>
+<file path=ppt/slides/slide7.xml><?xml version="1.0" encoding="utf-8"?>
 <p:sld xmlns:a="http://schemas.openxmlformats.org/drawingml/2006/main" xmlns:r="http://schemas.openxmlformats.org/officeDocument/2006/relationships" xmlns:p="http://schemas.openxmlformats.org/presentationml/2006/main">
   <p:cSld>
     <p:spTree>
@@ -25495,7 +26481,7 @@
             <a:fld id="{2BF067CD-8E6B-4360-9AA8-C5DF2A48A6D1}" type="slidenum">
               <a:rPr lang="en-US" noProof="0" smtClean="0"/>
               <a:pPr/>
-              <a:t>6</a:t>
+              <a:t>7</a:t>
             </a:fld>
             <a:endParaRPr lang="en-US" noProof="0" dirty="0"/>
           </a:p>
@@ -26163,7 +27149,7 @@
 </p:sld>
 </file>
 
-<file path=ppt/slides/slide7.xml><?xml version="1.0" encoding="utf-8"?>
+<file path=ppt/slides/slide8.xml><?xml version="1.0" encoding="utf-8"?>
 <p:sld xmlns:a="http://schemas.openxmlformats.org/drawingml/2006/main" xmlns:r="http://schemas.openxmlformats.org/officeDocument/2006/relationships" xmlns:p="http://schemas.openxmlformats.org/presentationml/2006/main">
   <p:cSld>
     <p:spTree>
@@ -26272,7 +27258,7 @@
             <a:fld id="{2BF067CD-8E6B-4360-9AA8-C5DF2A48A6D1}" type="slidenum">
               <a:rPr lang="en-US" smtClean="0"/>
               <a:pPr/>
-              <a:t>7</a:t>
+              <a:t>8</a:t>
             </a:fld>
             <a:endParaRPr lang="en-US" dirty="0"/>
           </a:p>
@@ -26343,7 +27329,7 @@
 </p:sld>
 </file>
 
-<file path=ppt/slides/slide8.xml><?xml version="1.0" encoding="utf-8"?>
+<file path=ppt/slides/slide9.xml><?xml version="1.0" encoding="utf-8"?>
 <p:sld xmlns:a="http://schemas.openxmlformats.org/drawingml/2006/main" xmlns:r="http://schemas.openxmlformats.org/officeDocument/2006/relationships" xmlns:p="http://schemas.openxmlformats.org/presentationml/2006/main">
   <p:cSld>
     <p:spTree>
@@ -26389,7 +27375,7 @@
             <a:fld id="{2BF067CD-8E6B-4360-9AA8-C5DF2A48A6D1}" type="slidenum">
               <a:rPr lang="en-US" noProof="0" smtClean="0"/>
               <a:pPr/>
-              <a:t>8</a:t>
+              <a:t>9</a:t>
             </a:fld>
             <a:endParaRPr lang="en-US" noProof="0" dirty="0"/>
           </a:p>
@@ -26788,760 +27774,6 @@
         </p:cTn>
       </p:par>
     </p:tnLst>
-  </p:timing>
-</p:sld>
-</file>
-
-<file path=ppt/slides/slide9.xml><?xml version="1.0" encoding="utf-8"?>
-<p:sld xmlns:a="http://schemas.openxmlformats.org/drawingml/2006/main" xmlns:r="http://schemas.openxmlformats.org/officeDocument/2006/relationships" xmlns:p="http://schemas.openxmlformats.org/presentationml/2006/main">
-  <p:cSld>
-    <p:spTree>
-      <p:nvGrpSpPr>
-        <p:cNvPr id="1" name=""/>
-        <p:cNvGrpSpPr/>
-        <p:nvPr/>
-      </p:nvGrpSpPr>
-      <p:grpSpPr>
-        <a:xfrm>
-          <a:off x="0" y="0"/>
-          <a:ext cx="0" cy="0"/>
-          <a:chOff x="0" y="0"/>
-          <a:chExt cx="0" cy="0"/>
-        </a:xfrm>
-      </p:grpSpPr>
-      <p:sp>
-        <p:nvSpPr>
-          <p:cNvPr id="2" name="Slide Number Placeholder 1">
-            <a:extLst>
-              <a:ext uri="{FF2B5EF4-FFF2-40B4-BE49-F238E27FC236}">
-                <a16:creationId xmlns:a16="http://schemas.microsoft.com/office/drawing/2014/main" id="{2DEA03D9-174E-FCC3-5213-685F714D9BCD}"/>
-              </a:ext>
-            </a:extLst>
-          </p:cNvPr>
-          <p:cNvSpPr>
-            <a:spLocks noGrp="1"/>
-          </p:cNvSpPr>
-          <p:nvPr>
-            <p:ph type="sldNum" sz="quarter" idx="5"/>
-          </p:nvPr>
-        </p:nvSpPr>
-        <p:spPr/>
-        <p:txBody>
-          <a:bodyPr/>
-          <a:lstStyle/>
-          <a:p>
-            <a:fld id="{2BF067CD-8E6B-4360-9AA8-C5DF2A48A6D1}" type="slidenum">
-              <a:rPr lang="en-US" smtClean="0"/>
-              <a:pPr/>
-              <a:t>9</a:t>
-            </a:fld>
-            <a:endParaRPr lang="en-US" dirty="0"/>
-          </a:p>
-        </p:txBody>
-      </p:sp>
-      <p:sp>
-        <p:nvSpPr>
-          <p:cNvPr id="3" name="Text Placeholder 2">
-            <a:extLst>
-              <a:ext uri="{FF2B5EF4-FFF2-40B4-BE49-F238E27FC236}">
-                <a16:creationId xmlns:a16="http://schemas.microsoft.com/office/drawing/2014/main" id="{025312EF-6B84-44DD-0942-8106E4326288}"/>
-              </a:ext>
-            </a:extLst>
-          </p:cNvPr>
-          <p:cNvSpPr>
-            <a:spLocks noGrp="1"/>
-          </p:cNvSpPr>
-          <p:nvPr>
-            <p:ph type="body" sz="quarter" idx="10"/>
-          </p:nvPr>
-        </p:nvSpPr>
-        <p:spPr/>
-        <p:txBody>
-          <a:bodyPr/>
-          <a:lstStyle/>
-          <a:p>
-            <a:r>
-              <a:rPr lang="en-US" dirty="0"/>
-              <a:t>AI prompt for simple coding assistance:</a:t>
-            </a:r>
-          </a:p>
-        </p:txBody>
-      </p:sp>
-      <p:sp>
-        <p:nvSpPr>
-          <p:cNvPr id="4" name="Title 3">
-            <a:extLst>
-              <a:ext uri="{FF2B5EF4-FFF2-40B4-BE49-F238E27FC236}">
-                <a16:creationId xmlns:a16="http://schemas.microsoft.com/office/drawing/2014/main" id="{80F5D1F3-E168-BE75-6C45-7243E9114290}"/>
-              </a:ext>
-            </a:extLst>
-          </p:cNvPr>
-          <p:cNvSpPr>
-            <a:spLocks noGrp="1"/>
-          </p:cNvSpPr>
-          <p:nvPr>
-            <p:ph type="title"/>
-          </p:nvPr>
-        </p:nvSpPr>
-        <p:spPr/>
-        <p:txBody>
-          <a:bodyPr/>
-          <a:lstStyle/>
-          <a:p>
-            <a:r>
-              <a:rPr lang="en-US" dirty="0"/>
-              <a:t>Sample AI Prompt for Coding</a:t>
-            </a:r>
-          </a:p>
-        </p:txBody>
-      </p:sp>
-      <p:sp>
-        <p:nvSpPr>
-          <p:cNvPr id="8" name="Code Box 1">
-            <a:extLst>
-              <a:ext uri="{FF2B5EF4-FFF2-40B4-BE49-F238E27FC236}">
-                <a16:creationId xmlns:a16="http://schemas.microsoft.com/office/drawing/2014/main" id="{6B2DBCED-2F5C-F6A9-48AD-3E3E1E24E445}"/>
-              </a:ext>
-            </a:extLst>
-          </p:cNvPr>
-          <p:cNvSpPr txBox="1">
-            <a:spLocks/>
-          </p:cNvSpPr>
-          <p:nvPr/>
-        </p:nvSpPr>
-        <p:spPr>
-          <a:xfrm>
-            <a:off x="621803" y="1957472"/>
-            <a:ext cx="10945218" cy="1079884"/>
-          </a:xfrm>
-          <a:prstGeom prst="rect">
-            <a:avLst/>
-          </a:prstGeom>
-          <a:solidFill>
-            <a:schemeClr val="accent6">
-              <a:lumMod val="75000"/>
-              <a:alpha val="15000"/>
-            </a:schemeClr>
-          </a:solidFill>
-          <a:ln w="12700">
-            <a:solidFill>
-              <a:schemeClr val="bg1">
-                <a:lumMod val="50000"/>
-              </a:schemeClr>
-            </a:solidFill>
-          </a:ln>
-        </p:spPr>
-        <p:txBody>
-          <a:bodyPr vert="horz" wrap="square" lIns="144000" tIns="108000" rIns="144000" bIns="108000" rtlCol="0">
-            <a:spAutoFit/>
-          </a:bodyPr>
-          <a:lstStyle>
-            <a:lvl1pPr marL="361950" indent="-361950" algn="l" defTabSz="1218438" rtl="0" eaLnBrk="1" hangingPunct="1">
-              <a:lnSpc>
-                <a:spcPct val="100000"/>
-              </a:lnSpc>
-              <a:spcBef>
-                <a:spcPts val="600"/>
-              </a:spcBef>
-              <a:spcAft>
-                <a:spcPts val="600"/>
-              </a:spcAft>
-              <a:buClr>
-                <a:schemeClr val="bg1"/>
-              </a:buClr>
-              <a:buFont typeface="Arial" panose="020B0604020202020204" pitchFamily="34" charset="0"/>
-              <a:buChar char="•"/>
-              <a:defRPr sz="3400" b="0" i="0" kern="1200">
-                <a:solidFill>
-                  <a:schemeClr val="bg2"/>
-                </a:solidFill>
-                <a:latin typeface="+mn-lt"/>
-                <a:ea typeface="Roboto" panose="02000000000000000000" pitchFamily="2" charset="0"/>
-                <a:cs typeface="Roboto" panose="02000000000000000000" pitchFamily="2" charset="0"/>
-              </a:defRPr>
-            </a:lvl1pPr>
-            <a:lvl2pPr marL="809625" indent="-361950" algn="l" defTabSz="1218438" rtl="0" eaLnBrk="1" hangingPunct="1">
-              <a:lnSpc>
-                <a:spcPct val="105000"/>
-              </a:lnSpc>
-              <a:spcBef>
-                <a:spcPts val="600"/>
-              </a:spcBef>
-              <a:spcAft>
-                <a:spcPts val="600"/>
-              </a:spcAft>
-              <a:buClr>
-                <a:schemeClr val="bg1"/>
-              </a:buClr>
-              <a:buFont typeface="Arial" panose="020B0604020202020204" pitchFamily="34" charset="0"/>
-              <a:buChar char="•"/>
-              <a:defRPr sz="3200" b="0" i="0" kern="1200">
-                <a:solidFill>
-                  <a:schemeClr val="bg2"/>
-                </a:solidFill>
-                <a:latin typeface="+mn-lt"/>
-                <a:ea typeface="Roboto" panose="02000000000000000000" pitchFamily="2" charset="0"/>
-                <a:cs typeface="Roboto" panose="02000000000000000000" pitchFamily="2" charset="0"/>
-              </a:defRPr>
-            </a:lvl2pPr>
-            <a:lvl3pPr marL="1257300" indent="-361950" algn="l" defTabSz="1218438" rtl="0" eaLnBrk="1" hangingPunct="1">
-              <a:lnSpc>
-                <a:spcPct val="105000"/>
-              </a:lnSpc>
-              <a:spcBef>
-                <a:spcPts val="600"/>
-              </a:spcBef>
-              <a:spcAft>
-                <a:spcPts val="600"/>
-              </a:spcAft>
-              <a:buClr>
-                <a:schemeClr val="bg1"/>
-              </a:buClr>
-              <a:buFont typeface="Arial" panose="020B0604020202020204" pitchFamily="34" charset="0"/>
-              <a:buChar char="•"/>
-              <a:defRPr sz="3000" b="0" i="0" kern="1200">
-                <a:solidFill>
-                  <a:schemeClr val="bg2"/>
-                </a:solidFill>
-                <a:latin typeface="+mn-lt"/>
-                <a:ea typeface="Roboto" panose="02000000000000000000" pitchFamily="2" charset="0"/>
-                <a:cs typeface="Roboto" panose="02000000000000000000" pitchFamily="2" charset="0"/>
-              </a:defRPr>
-            </a:lvl3pPr>
-            <a:lvl4pPr marL="1704975" indent="-361950" algn="l" defTabSz="1218438" rtl="0" eaLnBrk="1" hangingPunct="1">
-              <a:lnSpc>
-                <a:spcPct val="105000"/>
-              </a:lnSpc>
-              <a:spcBef>
-                <a:spcPts val="600"/>
-              </a:spcBef>
-              <a:spcAft>
-                <a:spcPts val="600"/>
-              </a:spcAft>
-              <a:buClr>
-                <a:schemeClr val="bg1"/>
-              </a:buClr>
-              <a:buFont typeface="Arial" panose="020B0604020202020204" pitchFamily="34" charset="0"/>
-              <a:buChar char="•"/>
-              <a:defRPr sz="2800" b="0" i="0" kern="1200">
-                <a:solidFill>
-                  <a:schemeClr val="bg2"/>
-                </a:solidFill>
-                <a:latin typeface="+mn-lt"/>
-                <a:ea typeface="+mn-ea"/>
-                <a:cs typeface="+mn-cs"/>
-              </a:defRPr>
-            </a:lvl4pPr>
-            <a:lvl5pPr marL="2152650" indent="-361950" algn="l" defTabSz="1218438" rtl="0" eaLnBrk="1" hangingPunct="1">
-              <a:lnSpc>
-                <a:spcPct val="105000"/>
-              </a:lnSpc>
-              <a:spcBef>
-                <a:spcPts val="600"/>
-              </a:spcBef>
-              <a:spcAft>
-                <a:spcPts val="600"/>
-              </a:spcAft>
-              <a:buClr>
-                <a:schemeClr val="bg1"/>
-              </a:buClr>
-              <a:buFont typeface="Arial" panose="020B0604020202020204" pitchFamily="34" charset="0"/>
-              <a:buChar char="•"/>
-              <a:defRPr sz="2600" b="0" i="0" kern="1200">
-                <a:solidFill>
-                  <a:schemeClr val="bg2"/>
-                </a:solidFill>
-                <a:latin typeface="+mn-lt"/>
-                <a:ea typeface="+mn-ea"/>
-                <a:cs typeface="+mn-cs"/>
-              </a:defRPr>
-            </a:lvl5pPr>
-            <a:lvl6pPr marL="3350704" indent="-304610" algn="l" defTabSz="1218438" rtl="0" eaLnBrk="1" hangingPunct="1">
-              <a:spcBef>
-                <a:spcPct val="20000"/>
-              </a:spcBef>
-              <a:buFont typeface="Arial" pitchFamily="34" charset="0"/>
-              <a:buChar char="•"/>
-              <a:defRPr sz="2665" kern="1200">
-                <a:solidFill>
-                  <a:schemeClr val="tx1"/>
-                </a:solidFill>
-                <a:latin typeface="+mn-lt"/>
-                <a:ea typeface="+mn-ea"/>
-                <a:cs typeface="+mn-cs"/>
-              </a:defRPr>
-            </a:lvl6pPr>
-            <a:lvl7pPr marL="3959924" indent="-304610" algn="l" defTabSz="1218438" rtl="0" eaLnBrk="1" hangingPunct="1">
-              <a:spcBef>
-                <a:spcPct val="20000"/>
-              </a:spcBef>
-              <a:buFont typeface="Arial" pitchFamily="34" charset="0"/>
-              <a:buChar char="•"/>
-              <a:defRPr sz="2665" kern="1200">
-                <a:solidFill>
-                  <a:schemeClr val="tx1"/>
-                </a:solidFill>
-                <a:latin typeface="+mn-lt"/>
-                <a:ea typeface="+mn-ea"/>
-                <a:cs typeface="+mn-cs"/>
-              </a:defRPr>
-            </a:lvl7pPr>
-            <a:lvl8pPr marL="4569143" indent="-304610" algn="l" defTabSz="1218438" rtl="0" eaLnBrk="1" hangingPunct="1">
-              <a:spcBef>
-                <a:spcPct val="20000"/>
-              </a:spcBef>
-              <a:buFont typeface="Arial" pitchFamily="34" charset="0"/>
-              <a:buChar char="•"/>
-              <a:defRPr sz="2665" kern="1200">
-                <a:solidFill>
-                  <a:schemeClr val="tx1"/>
-                </a:solidFill>
-                <a:latin typeface="+mn-lt"/>
-                <a:ea typeface="+mn-ea"/>
-                <a:cs typeface="+mn-cs"/>
-              </a:defRPr>
-            </a:lvl8pPr>
-            <a:lvl9pPr marL="5178362" indent="-304610" algn="l" defTabSz="1218438" rtl="0" eaLnBrk="1" hangingPunct="1">
-              <a:spcBef>
-                <a:spcPct val="20000"/>
-              </a:spcBef>
-              <a:buFont typeface="Arial" pitchFamily="34" charset="0"/>
-              <a:buChar char="•"/>
-              <a:defRPr sz="2665" kern="1200">
-                <a:solidFill>
-                  <a:schemeClr val="tx1"/>
-                </a:solidFill>
-                <a:latin typeface="+mn-lt"/>
-                <a:ea typeface="+mn-ea"/>
-                <a:cs typeface="+mn-cs"/>
-              </a:defRPr>
-            </a:lvl9pPr>
-          </a:lstStyle>
-          <a:p>
-            <a:pPr marL="0" indent="0">
-              <a:spcBef>
-                <a:spcPts val="0"/>
-              </a:spcBef>
-              <a:spcAft>
-                <a:spcPts val="0"/>
-              </a:spcAft>
-              <a:buFont typeface="Arial" panose="020B0604020202020204" pitchFamily="34" charset="0"/>
-              <a:buNone/>
-            </a:pPr>
-            <a:r>
-              <a:rPr lang="en-US" sz="2800" b="1" dirty="0">
-                <a:latin typeface="Consolas" pitchFamily="49" charset="0"/>
-              </a:rPr>
-              <a:t>Write a JavaScript function Fib(n) to return the n-</a:t>
-            </a:r>
-            <a:r>
-              <a:rPr lang="en-US" sz="2800" b="1" dirty="0" err="1">
-                <a:latin typeface="Consolas" pitchFamily="49" charset="0"/>
-              </a:rPr>
-              <a:t>th</a:t>
-            </a:r>
-            <a:r>
-              <a:rPr lang="en-US" sz="2800" b="1" dirty="0">
-                <a:latin typeface="Consolas" pitchFamily="49" charset="0"/>
-              </a:rPr>
-              <a:t> Fibonacci number. </a:t>
-            </a:r>
-          </a:p>
-        </p:txBody>
-      </p:sp>
-      <p:pic>
-        <p:nvPicPr>
-          <p:cNvPr id="11" name="Picture 10">
-            <a:extLst>
-              <a:ext uri="{FF2B5EF4-FFF2-40B4-BE49-F238E27FC236}">
-                <a16:creationId xmlns:a16="http://schemas.microsoft.com/office/drawing/2014/main" id="{14E9742A-ABE7-DF85-99CA-F34F2C563C97}"/>
-              </a:ext>
-            </a:extLst>
-          </p:cNvPr>
-          <p:cNvPicPr>
-            <a:picLocks noChangeAspect="1"/>
-          </p:cNvPicPr>
-          <p:nvPr/>
-        </p:nvPicPr>
-        <p:blipFill>
-          <a:blip r:embed="rId2"/>
-          <a:stretch>
-            <a:fillRect/>
-          </a:stretch>
-        </p:blipFill>
-        <p:spPr>
-          <a:xfrm>
-            <a:off x="1309166" y="3717424"/>
-            <a:ext cx="8562975" cy="2686050"/>
-          </a:xfrm>
-          <a:prstGeom prst="rect">
-            <a:avLst/>
-          </a:prstGeom>
-          <a:ln>
-            <a:solidFill>
-              <a:schemeClr val="bg1">
-                <a:lumMod val="75000"/>
-              </a:schemeClr>
-            </a:solidFill>
-          </a:ln>
-        </p:spPr>
-      </p:pic>
-      <p:sp>
-        <p:nvSpPr>
-          <p:cNvPr id="12" name="Arrow: Down 11">
-            <a:extLst>
-              <a:ext uri="{FF2B5EF4-FFF2-40B4-BE49-F238E27FC236}">
-                <a16:creationId xmlns:a16="http://schemas.microsoft.com/office/drawing/2014/main" id="{D47A7F10-78C7-4457-3E18-125377A1997D}"/>
-              </a:ext>
-            </a:extLst>
-          </p:cNvPr>
-          <p:cNvSpPr/>
-          <p:nvPr/>
-        </p:nvSpPr>
-        <p:spPr bwMode="auto">
-          <a:xfrm>
-            <a:off x="5590653" y="3211444"/>
-            <a:ext cx="287735" cy="385689"/>
-          </a:xfrm>
-          <a:prstGeom prst="downArrow">
-            <a:avLst/>
-          </a:prstGeom>
-          <a:solidFill>
-            <a:schemeClr val="accent6">
-              <a:lumMod val="50000"/>
-              <a:alpha val="89804"/>
-            </a:schemeClr>
-          </a:solidFill>
-          <a:ln w="19050">
-            <a:solidFill>
-              <a:schemeClr val="bg1">
-                <a:lumMod val="75000"/>
-                <a:alpha val="80000"/>
-              </a:schemeClr>
-            </a:solidFill>
-          </a:ln>
-        </p:spPr>
-        <p:style>
-          <a:lnRef idx="2">
-            <a:schemeClr val="accent1">
-              <a:shade val="50000"/>
-            </a:schemeClr>
-          </a:lnRef>
-          <a:fillRef idx="1">
-            <a:schemeClr val="accent1"/>
-          </a:fillRef>
-          <a:effectRef idx="0">
-            <a:schemeClr val="accent1"/>
-          </a:effectRef>
-          <a:fontRef idx="minor">
-            <a:schemeClr val="lt1"/>
-          </a:fontRef>
-        </p:style>
-        <p:txBody>
-          <a:bodyPr rot="0" spcFirstLastPara="0" vertOverflow="overflow" horzOverflow="overflow" vert="horz" wrap="square" lIns="91440" tIns="45720" rIns="91440" bIns="45720" numCol="1" spcCol="0" rtlCol="0" fromWordArt="0" anchor="ctr" anchorCtr="0" forceAA="0" compatLnSpc="1">
-            <a:prstTxWarp prst="textNoShape">
-              <a:avLst/>
-            </a:prstTxWarp>
-            <a:noAutofit/>
-          </a:bodyPr>
-          <a:lstStyle/>
-          <a:p>
-            <a:pPr algn="ctr"/>
-            <a:endParaRPr lang="en-US" sz="2800" b="1" dirty="0">
-              <a:solidFill>
-                <a:srgbClr val="FFFFFF"/>
-              </a:solidFill>
-              <a:effectLst>
-                <a:outerShdw blurRad="38100" dist="38100" dir="2700000" algn="tl">
-                  <a:srgbClr val="000000">
-                    <a:alpha val="43137"/>
-                  </a:srgbClr>
-                </a:outerShdw>
-              </a:effectLst>
-            </a:endParaRPr>
-          </a:p>
-        </p:txBody>
-      </p:sp>
-      <p:sp>
-        <p:nvSpPr>
-          <p:cNvPr id="13" name="AutoShape 7">
-            <a:extLst>
-              <a:ext uri="{FF2B5EF4-FFF2-40B4-BE49-F238E27FC236}">
-                <a16:creationId xmlns:a16="http://schemas.microsoft.com/office/drawing/2014/main" id="{DEDE90C4-3EF2-064E-3A75-272EE5890550}"/>
-              </a:ext>
-            </a:extLst>
-          </p:cNvPr>
-          <p:cNvSpPr>
-            <a:spLocks noChangeArrowheads="1"/>
-          </p:cNvSpPr>
-          <p:nvPr/>
-        </p:nvSpPr>
-        <p:spPr bwMode="auto">
-          <a:xfrm>
-            <a:off x="6382444" y="4272273"/>
-            <a:ext cx="4015792" cy="1227675"/>
-          </a:xfrm>
-          <a:prstGeom prst="wedgeRoundRectCallout">
-            <a:avLst>
-              <a:gd name="adj1" fmla="val -69744"/>
-              <a:gd name="adj2" fmla="val 44875"/>
-              <a:gd name="adj3" fmla="val 16667"/>
-            </a:avLst>
-          </a:prstGeom>
-          <a:solidFill>
-            <a:schemeClr val="accent6">
-              <a:lumMod val="50000"/>
-              <a:alpha val="89804"/>
-            </a:schemeClr>
-          </a:solidFill>
-          <a:ln w="19050">
-            <a:solidFill>
-              <a:schemeClr val="bg1">
-                <a:lumMod val="75000"/>
-                <a:alpha val="80000"/>
-              </a:schemeClr>
-            </a:solidFill>
-          </a:ln>
-        </p:spPr>
-        <p:style>
-          <a:lnRef idx="2">
-            <a:schemeClr val="accent1">
-              <a:shade val="50000"/>
-            </a:schemeClr>
-          </a:lnRef>
-          <a:fillRef idx="1">
-            <a:schemeClr val="accent1"/>
-          </a:fillRef>
-          <a:effectRef idx="0">
-            <a:schemeClr val="accent1"/>
-          </a:effectRef>
-          <a:fontRef idx="minor">
-            <a:schemeClr val="lt1"/>
-          </a:fontRef>
-        </p:style>
-        <p:txBody>
-          <a:bodyPr rot="0" spcFirstLastPara="0" vertOverflow="overflow" horzOverflow="overflow" vert="horz" wrap="square" lIns="91440" tIns="45720" rIns="91440" bIns="45720" numCol="1" spcCol="0" rtlCol="0" fromWordArt="0" anchor="ctr" anchorCtr="0" forceAA="0" compatLnSpc="1">
-            <a:prstTxWarp prst="textNoShape">
-              <a:avLst/>
-            </a:prstTxWarp>
-            <a:noAutofit/>
-          </a:bodyPr>
-          <a:lstStyle/>
-          <a:p>
-            <a:pPr algn="ctr"/>
-            <a:r>
-              <a:rPr lang="en-US" sz="2800" b="1" dirty="0">
-                <a:solidFill>
-                  <a:srgbClr val="FFFFFF"/>
-                </a:solidFill>
-                <a:effectLst>
-                  <a:outerShdw blurRad="38100" dist="38100" dir="2700000" algn="tl">
-                    <a:srgbClr val="000000">
-                      <a:alpha val="43137"/>
-                    </a:srgbClr>
-                  </a:outerShdw>
-                </a:effectLst>
-              </a:rPr>
-              <a:t>Typically, ChatGPT generates a </a:t>
-            </a:r>
-            <a:r>
-              <a:rPr lang="en-US" sz="2800" b="1" dirty="0">
-                <a:solidFill>
-                  <a:schemeClr val="accent4"/>
-                </a:solidFill>
-                <a:effectLst>
-                  <a:outerShdw blurRad="38100" dist="38100" dir="2700000" algn="tl">
-                    <a:srgbClr val="000000">
-                      <a:alpha val="43137"/>
-                    </a:srgbClr>
-                  </a:outerShdw>
-                </a:effectLst>
-              </a:rPr>
-              <a:t>single file</a:t>
-            </a:r>
-            <a:endParaRPr lang="bg-BG" sz="2800" b="1" dirty="0">
-              <a:solidFill>
-                <a:schemeClr val="accent4"/>
-              </a:solidFill>
-              <a:effectLst>
-                <a:outerShdw blurRad="38100" dist="38100" dir="2700000" algn="tl">
-                  <a:srgbClr val="000000">
-                    <a:alpha val="43137"/>
-                  </a:srgbClr>
-                </a:outerShdw>
-              </a:effectLst>
-            </a:endParaRPr>
-          </a:p>
-        </p:txBody>
-      </p:sp>
-    </p:spTree>
-    <p:extLst>
-      <p:ext uri="{BB962C8B-B14F-4D97-AF65-F5344CB8AC3E}">
-        <p14:creationId xmlns:p14="http://schemas.microsoft.com/office/powerpoint/2010/main" val="1490242707"/>
-      </p:ext>
-    </p:extLst>
-  </p:cSld>
-  <p:clrMapOvr>
-    <a:masterClrMapping/>
-  </p:clrMapOvr>
-  <mc:AlternateContent xmlns:mc="http://schemas.openxmlformats.org/markup-compatibility/2006" xmlns:p14="http://schemas.microsoft.com/office/powerpoint/2010/main">
-    <mc:Choice Requires="p14">
-      <p:transition spd="slow" p14:dur="2000" advClick="0" advTm="5000"/>
-    </mc:Choice>
-    <mc:Fallback xmlns="">
-      <p:transition spd="slow" advClick="0" advTm="5000"/>
-    </mc:Fallback>
-  </mc:AlternateContent>
-  <p:timing>
-    <p:tnLst>
-      <p:par>
-        <p:cTn id="1" dur="indefinite" restart="never" nodeType="tmRoot">
-          <p:childTnLst>
-            <p:seq concurrent="1" nextAc="seek">
-              <p:cTn id="2" dur="indefinite" nodeType="mainSeq">
-                <p:childTnLst>
-                  <p:par>
-                    <p:cTn id="3" fill="hold">
-                      <p:stCondLst>
-                        <p:cond delay="indefinite"/>
-                      </p:stCondLst>
-                      <p:childTnLst>
-                        <p:par>
-                          <p:cTn id="4" fill="hold">
-                            <p:stCondLst>
-                              <p:cond delay="0"/>
-                            </p:stCondLst>
-                            <p:childTnLst>
-                              <p:par>
-                                <p:cTn id="5" presetID="1" presetClass="entr" presetSubtype="0" fill="hold" grpId="0" nodeType="clickEffect">
-                                  <p:stCondLst>
-                                    <p:cond delay="0"/>
-                                  </p:stCondLst>
-                                  <p:childTnLst>
-                                    <p:set>
-                                      <p:cBhvr>
-                                        <p:cTn id="6" dur="1" fill="hold">
-                                          <p:stCondLst>
-                                            <p:cond delay="0"/>
-                                          </p:stCondLst>
-                                        </p:cTn>
-                                        <p:tgtEl>
-                                          <p:spTgt spid="12"/>
-                                        </p:tgtEl>
-                                        <p:attrNameLst>
-                                          <p:attrName>style.visibility</p:attrName>
-                                        </p:attrNameLst>
-                                      </p:cBhvr>
-                                      <p:to>
-                                        <p:strVal val="visible"/>
-                                      </p:to>
-                                    </p:set>
-                                  </p:childTnLst>
-                                </p:cTn>
-                              </p:par>
-                              <p:par>
-                                <p:cTn id="7" presetID="1" presetClass="entr" presetSubtype="0" fill="hold" nodeType="withEffect">
-                                  <p:stCondLst>
-                                    <p:cond delay="0"/>
-                                  </p:stCondLst>
-                                  <p:childTnLst>
-                                    <p:set>
-                                      <p:cBhvr>
-                                        <p:cTn id="8" dur="1" fill="hold">
-                                          <p:stCondLst>
-                                            <p:cond delay="0"/>
-                                          </p:stCondLst>
-                                        </p:cTn>
-                                        <p:tgtEl>
-                                          <p:spTgt spid="11"/>
-                                        </p:tgtEl>
-                                        <p:attrNameLst>
-                                          <p:attrName>style.visibility</p:attrName>
-                                        </p:attrNameLst>
-                                      </p:cBhvr>
-                                      <p:to>
-                                        <p:strVal val="visible"/>
-                                      </p:to>
-                                    </p:set>
-                                  </p:childTnLst>
-                                </p:cTn>
-                              </p:par>
-                            </p:childTnLst>
-                          </p:cTn>
-                        </p:par>
-                      </p:childTnLst>
-                    </p:cTn>
-                  </p:par>
-                  <p:par>
-                    <p:cTn id="9" fill="hold">
-                      <p:stCondLst>
-                        <p:cond delay="indefinite"/>
-                      </p:stCondLst>
-                      <p:childTnLst>
-                        <p:par>
-                          <p:cTn id="10" fill="hold">
-                            <p:stCondLst>
-                              <p:cond delay="0"/>
-                            </p:stCondLst>
-                            <p:childTnLst>
-                              <p:par>
-                                <p:cTn id="11" presetID="1" presetClass="entr" presetSubtype="0" fill="hold" grpId="0" nodeType="clickEffect">
-                                  <p:stCondLst>
-                                    <p:cond delay="0"/>
-                                  </p:stCondLst>
-                                  <p:childTnLst>
-                                    <p:set>
-                                      <p:cBhvr>
-                                        <p:cTn id="12" dur="1" fill="hold">
-                                          <p:stCondLst>
-                                            <p:cond delay="0"/>
-                                          </p:stCondLst>
-                                        </p:cTn>
-                                        <p:tgtEl>
-                                          <p:spTgt spid="13"/>
-                                        </p:tgtEl>
-                                        <p:attrNameLst>
-                                          <p:attrName>style.visibility</p:attrName>
-                                        </p:attrNameLst>
-                                      </p:cBhvr>
-                                      <p:to>
-                                        <p:strVal val="visible"/>
-                                      </p:to>
-                                    </p:set>
-                                  </p:childTnLst>
-                                </p:cTn>
-                              </p:par>
-                            </p:childTnLst>
-                          </p:cTn>
-                        </p:par>
-                      </p:childTnLst>
-                    </p:cTn>
-                  </p:par>
-                </p:childTnLst>
-              </p:cTn>
-              <p:prevCondLst>
-                <p:cond evt="onPrev" delay="0">
-                  <p:tgtEl>
-                    <p:sldTgt/>
-                  </p:tgtEl>
-                </p:cond>
-              </p:prevCondLst>
-              <p:nextCondLst>
-                <p:cond evt="onNext" delay="0">
-                  <p:tgtEl>
-                    <p:sldTgt/>
-                  </p:tgtEl>
-                </p:cond>
-              </p:nextCondLst>
-            </p:seq>
-          </p:childTnLst>
-        </p:cTn>
-      </p:par>
-    </p:tnLst>
-    <p:bldLst>
-      <p:bldP spid="12" grpId="0" animBg="1"/>
-      <p:bldP spid="13" grpId="0" animBg="1"/>
-    </p:bldLst>
   </p:timing>
 </p:sld>
 </file>
@@ -28459,6 +28691,15 @@
 </file>
 
 <file path=customXml/item1.xml><?xml version="1.0" encoding="utf-8"?>
+<?mso-contentType ?>
+<FormTemplates xmlns="http://schemas.microsoft.com/sharepoint/v3/contenttype/forms">
+  <Display>DocumentLibraryForm</Display>
+  <Edit>DocumentLibraryForm</Edit>
+  <New>DocumentLibraryForm</New>
+</FormTemplates>
+</file>
+
+<file path=customXml/item2.xml><?xml version="1.0" encoding="utf-8"?>
 <p:properties xmlns:p="http://schemas.microsoft.com/office/2006/metadata/properties" xmlns:xsi="http://www.w3.org/2001/XMLSchema-instance" xmlns:pc="http://schemas.microsoft.com/office/infopath/2007/PartnerControls">
   <documentManagement>
     <TaxCatchAll xmlns="b7aee57a-33bc-479a-b375-2a9789967078" xsi:nil="true"/>
@@ -28469,7 +28710,7 @@
 </p:properties>
 </file>
 
-<file path=customXml/item2.xml><?xml version="1.0" encoding="utf-8"?>
+<file path=customXml/item3.xml><?xml version="1.0" encoding="utf-8"?>
 <ct:contentTypeSchema xmlns:ct="http://schemas.microsoft.com/office/2006/metadata/contentType" xmlns:ma="http://schemas.microsoft.com/office/2006/metadata/properties/metaAttributes" ct:_="" ma:_="" ma:contentTypeName="Document" ma:contentTypeID="0x010100B4E63F92689E2344800622A05AA3C338" ma:contentTypeVersion="18" ma:contentTypeDescription="Create a new document." ma:contentTypeScope="" ma:versionID="8b3b91c10ae4ded6346f94cf0d666012">
   <xsd:schema xmlns:xsd="http://www.w3.org/2001/XMLSchema" xmlns:xs="http://www.w3.org/2001/XMLSchema" xmlns:p="http://schemas.microsoft.com/office/2006/metadata/properties" xmlns:ns2="d0d25b69-8e68-4841-9284-bd8f9504d222" xmlns:ns3="b7aee57a-33bc-479a-b375-2a9789967078" targetNamespace="http://schemas.microsoft.com/office/2006/metadata/properties" ma:root="true" ma:fieldsID="c7e6442cb5abeb5ea84ce9d48cd96538" ns2:_="" ns3:_="">
     <xsd:import namespace="d0d25b69-8e68-4841-9284-bd8f9504d222"/>
@@ -28724,16 +28965,15 @@
 </ct:contentTypeSchema>
 </file>
 
-<file path=customXml/item3.xml><?xml version="1.0" encoding="utf-8"?>
-<?mso-contentType ?>
-<FormTemplates xmlns="http://schemas.microsoft.com/sharepoint/v3/contenttype/forms">
-  <Display>DocumentLibraryForm</Display>
-  <Edit>DocumentLibraryForm</Edit>
-  <New>DocumentLibraryForm</New>
-</FormTemplates>
+<file path=customXml/itemProps1.xml><?xml version="1.0" encoding="utf-8"?>
+<ds:datastoreItem xmlns:ds="http://schemas.openxmlformats.org/officeDocument/2006/customXml" ds:itemID="{F573CD36-4F48-4AD8-B46C-49DE08E6AC9C}">
+  <ds:schemaRefs>
+    <ds:schemaRef ds:uri="http://schemas.microsoft.com/sharepoint/v3/contenttype/forms"/>
+  </ds:schemaRefs>
+</ds:datastoreItem>
 </file>
 
-<file path=customXml/itemProps1.xml><?xml version="1.0" encoding="utf-8"?>
+<file path=customXml/itemProps2.xml><?xml version="1.0" encoding="utf-8"?>
 <ds:datastoreItem xmlns:ds="http://schemas.openxmlformats.org/officeDocument/2006/customXml" ds:itemID="{1CC6AC7F-F4C9-4C02-9C8E-00B5F4588C84}">
   <ds:schemaRefs>
     <ds:schemaRef ds:uri="http://schemas.microsoft.com/office/2006/metadata/properties"/>
@@ -28750,7 +28990,7 @@
 </ds:datastoreItem>
 </file>
 
-<file path=customXml/itemProps2.xml><?xml version="1.0" encoding="utf-8"?>
+<file path=customXml/itemProps3.xml><?xml version="1.0" encoding="utf-8"?>
 <ds:datastoreItem xmlns:ds="http://schemas.openxmlformats.org/officeDocument/2006/customXml" ds:itemID="{9F14A640-A01C-4552-A616-6CE9E90D6A03}">
   <ds:schemaRefs>
     <ds:schemaRef ds:uri="http://schemas.microsoft.com/office/2006/metadata/contentType"/>
@@ -28767,12 +29007,4 @@
     <ds:schemaRef ds:uri="http://schemas.microsoft.com/internal/obd"/>
   </ds:schemaRefs>
 </ds:datastoreItem>
-</file>
-
-<file path=customXml/itemProps3.xml><?xml version="1.0" encoding="utf-8"?>
-<ds:datastoreItem xmlns:ds="http://schemas.openxmlformats.org/officeDocument/2006/customXml" ds:itemID="{F573CD36-4F48-4AD8-B46C-49DE08E6AC9C}">
-  <ds:schemaRefs>
-    <ds:schemaRef ds:uri="http://schemas.microsoft.com/sharepoint/v3/contenttype/forms"/>
-  </ds:schemaRefs>
-</ds:datastoreItem>
 </file>